--- a/16317/f15/lectures/16.317f15_lec4_x86.pptx
+++ b/16317/f15/lectures/16.317f15_lec4_x86.pptx
@@ -5,10 +5,10 @@
     <p:sldMasterId id="2147483792" r:id="rId1"/>
   </p:sldMasterIdLst>
   <p:notesMasterIdLst>
-    <p:notesMasterId r:id="rId32"/>
+    <p:notesMasterId r:id="rId23"/>
   </p:notesMasterIdLst>
   <p:handoutMasterIdLst>
-    <p:handoutMasterId r:id="rId33"/>
+    <p:handoutMasterId r:id="rId24"/>
   </p:handoutMasterIdLst>
   <p:sldIdLst>
     <p:sldId id="256" r:id="rId2"/>
@@ -31,16 +31,7 @@
     <p:sldId id="459" r:id="rId19"/>
     <p:sldId id="460" r:id="rId20"/>
     <p:sldId id="461" r:id="rId21"/>
-    <p:sldId id="442" r:id="rId22"/>
-    <p:sldId id="443" r:id="rId23"/>
-    <p:sldId id="446" r:id="rId24"/>
-    <p:sldId id="447" r:id="rId25"/>
-    <p:sldId id="450" r:id="rId26"/>
-    <p:sldId id="451" r:id="rId27"/>
-    <p:sldId id="452" r:id="rId28"/>
-    <p:sldId id="453" r:id="rId29"/>
-    <p:sldId id="454" r:id="rId30"/>
-    <p:sldId id="379" r:id="rId31"/>
+    <p:sldId id="379" r:id="rId22"/>
   </p:sldIdLst>
   <p:sldSz cx="9144000" cy="6858000" type="screen4x3"/>
   <p:notesSz cx="9144000" cy="6858000"/>
@@ -1119,1134 +1110,6 @@
 </p:notes>
 </file>
 
-<file path=ppt/notesSlides/notesSlide10.xml><?xml version="1.0" encoding="utf-8"?>
-<p:notes xmlns:a="http://schemas.openxmlformats.org/drawingml/2006/main" xmlns:r="http://schemas.openxmlformats.org/officeDocument/2006/relationships" xmlns:p="http://schemas.openxmlformats.org/presentationml/2006/main">
-  <p:cSld>
-    <p:spTree>
-      <p:nvGrpSpPr>
-        <p:cNvPr id="1" name=""/>
-        <p:cNvGrpSpPr/>
-        <p:nvPr/>
-      </p:nvGrpSpPr>
-      <p:grpSpPr>
-        <a:xfrm>
-          <a:off x="0" y="0"/>
-          <a:ext cx="0" cy="0"/>
-          <a:chOff x="0" y="0"/>
-          <a:chExt cx="0" cy="0"/>
-        </a:xfrm>
-      </p:grpSpPr>
-      <p:sp>
-        <p:nvSpPr>
-          <p:cNvPr id="23554" name="Rectangle 11"/>
-          <p:cNvSpPr>
-            <a:spLocks noGrp="1" noChangeArrowheads="1"/>
-          </p:cNvSpPr>
-          <p:nvPr>
-            <p:ph type="dt" sz="quarter" idx="1"/>
-          </p:nvPr>
-        </p:nvSpPr>
-        <p:spPr>
-          <a:noFill/>
-          <a:ln/>
-          <a:extLst>
-            <a:ext uri="{909E8E84-426E-40dd-AFC4-6F175D3DCCD1}">
-              <a14:hiddenFill xmlns:a14="http://schemas.microsoft.com/office/drawing/2010/main">
-                <a:solidFill>
-                  <a:srgbClr val="FFFFFF"/>
-                </a:solidFill>
-              </a14:hiddenFill>
-            </a:ext>
-            <a:ext uri="{91240B29-F687-4f45-9708-019B960494DF}">
-              <a14:hiddenLine xmlns:a14="http://schemas.microsoft.com/office/drawing/2010/main" w="9525">
-                <a:solidFill>
-                  <a:srgbClr val="000000"/>
-                </a:solidFill>
-                <a:miter lim="800000"/>
-                <a:headEnd/>
-                <a:tailEnd/>
-              </a14:hiddenLine>
-            </a:ext>
-          </a:extLst>
-        </p:spPr>
-        <p:txBody>
-          <a:bodyPr/>
-          <a:lstStyle>
-            <a:lvl1pPr>
-              <a:defRPr sz="1200">
-                <a:solidFill>
-                  <a:schemeClr val="tx1"/>
-                </a:solidFill>
-                <a:latin typeface="Arial" charset="0"/>
-                <a:ea typeface="ＭＳ Ｐゴシック" charset="0"/>
-                <a:cs typeface="Arial" charset="0"/>
-              </a:defRPr>
-            </a:lvl1pPr>
-            <a:lvl2pPr marL="742950" indent="-285750">
-              <a:defRPr sz="1200">
-                <a:solidFill>
-                  <a:schemeClr val="tx1"/>
-                </a:solidFill>
-                <a:latin typeface="Arial" charset="0"/>
-                <a:ea typeface="Arial" charset="0"/>
-                <a:cs typeface="Arial" charset="0"/>
-              </a:defRPr>
-            </a:lvl2pPr>
-            <a:lvl3pPr marL="1143000" indent="-228600">
-              <a:defRPr sz="1200">
-                <a:solidFill>
-                  <a:schemeClr val="tx1"/>
-                </a:solidFill>
-                <a:latin typeface="Arial" charset="0"/>
-                <a:ea typeface="Arial" charset="0"/>
-                <a:cs typeface="Arial" charset="0"/>
-              </a:defRPr>
-            </a:lvl3pPr>
-            <a:lvl4pPr marL="1600200" indent="-228600">
-              <a:defRPr sz="1200">
-                <a:solidFill>
-                  <a:schemeClr val="tx1"/>
-                </a:solidFill>
-                <a:latin typeface="Arial" charset="0"/>
-                <a:ea typeface="Arial" charset="0"/>
-                <a:cs typeface="Arial" charset="0"/>
-              </a:defRPr>
-            </a:lvl4pPr>
-            <a:lvl5pPr marL="2057400" indent="-228600">
-              <a:defRPr sz="1200">
-                <a:solidFill>
-                  <a:schemeClr val="tx1"/>
-                </a:solidFill>
-                <a:latin typeface="Arial" charset="0"/>
-                <a:ea typeface="Arial" charset="0"/>
-                <a:cs typeface="Arial" charset="0"/>
-              </a:defRPr>
-            </a:lvl5pPr>
-            <a:lvl6pPr marL="2514600" indent="-228600" eaLnBrk="0" fontAlgn="base" hangingPunct="0">
-              <a:spcBef>
-                <a:spcPct val="30000"/>
-              </a:spcBef>
-              <a:spcAft>
-                <a:spcPct val="0"/>
-              </a:spcAft>
-              <a:defRPr sz="1200">
-                <a:solidFill>
-                  <a:schemeClr val="tx1"/>
-                </a:solidFill>
-                <a:latin typeface="Arial" charset="0"/>
-                <a:ea typeface="Arial" charset="0"/>
-                <a:cs typeface="Arial" charset="0"/>
-              </a:defRPr>
-            </a:lvl6pPr>
-            <a:lvl7pPr marL="2971800" indent="-228600" eaLnBrk="0" fontAlgn="base" hangingPunct="0">
-              <a:spcBef>
-                <a:spcPct val="30000"/>
-              </a:spcBef>
-              <a:spcAft>
-                <a:spcPct val="0"/>
-              </a:spcAft>
-              <a:defRPr sz="1200">
-                <a:solidFill>
-                  <a:schemeClr val="tx1"/>
-                </a:solidFill>
-                <a:latin typeface="Arial" charset="0"/>
-                <a:ea typeface="Arial" charset="0"/>
-                <a:cs typeface="Arial" charset="0"/>
-              </a:defRPr>
-            </a:lvl7pPr>
-            <a:lvl8pPr marL="3429000" indent="-228600" eaLnBrk="0" fontAlgn="base" hangingPunct="0">
-              <a:spcBef>
-                <a:spcPct val="30000"/>
-              </a:spcBef>
-              <a:spcAft>
-                <a:spcPct val="0"/>
-              </a:spcAft>
-              <a:defRPr sz="1200">
-                <a:solidFill>
-                  <a:schemeClr val="tx1"/>
-                </a:solidFill>
-                <a:latin typeface="Arial" charset="0"/>
-                <a:ea typeface="Arial" charset="0"/>
-                <a:cs typeface="Arial" charset="0"/>
-              </a:defRPr>
-            </a:lvl8pPr>
-            <a:lvl9pPr marL="3886200" indent="-228600" eaLnBrk="0" fontAlgn="base" hangingPunct="0">
-              <a:spcBef>
-                <a:spcPct val="30000"/>
-              </a:spcBef>
-              <a:spcAft>
-                <a:spcPct val="0"/>
-              </a:spcAft>
-              <a:defRPr sz="1200">
-                <a:solidFill>
-                  <a:schemeClr val="tx1"/>
-                </a:solidFill>
-                <a:latin typeface="Arial" charset="0"/>
-                <a:ea typeface="Arial" charset="0"/>
-                <a:cs typeface="Arial" charset="0"/>
-              </a:defRPr>
-            </a:lvl9pPr>
-          </a:lstStyle>
-          <a:p>
-            <a:fld id="{0497D933-93CD-4643-B01C-0C8158723276}" type="datetime1">
-              <a:rPr lang="en-US"/>
-              <a:pPr/>
-              <a:t>9/9/15</a:t>
-            </a:fld>
-            <a:endParaRPr lang="en-US"/>
-          </a:p>
-        </p:txBody>
-      </p:sp>
-      <p:sp>
-        <p:nvSpPr>
-          <p:cNvPr id="23555" name="Rectangle 12"/>
-          <p:cNvSpPr>
-            <a:spLocks noGrp="1" noChangeArrowheads="1"/>
-          </p:cNvSpPr>
-          <p:nvPr>
-            <p:ph type="ftr" sz="quarter" idx="4"/>
-          </p:nvPr>
-        </p:nvSpPr>
-        <p:spPr>
-          <a:noFill/>
-          <a:ln/>
-          <a:extLst>
-            <a:ext uri="{909E8E84-426E-40dd-AFC4-6F175D3DCCD1}">
-              <a14:hiddenFill xmlns:a14="http://schemas.microsoft.com/office/drawing/2010/main">
-                <a:solidFill>
-                  <a:srgbClr val="FFFFFF"/>
-                </a:solidFill>
-              </a14:hiddenFill>
-            </a:ext>
-            <a:ext uri="{91240B29-F687-4f45-9708-019B960494DF}">
-              <a14:hiddenLine xmlns:a14="http://schemas.microsoft.com/office/drawing/2010/main" w="9525">
-                <a:solidFill>
-                  <a:srgbClr val="000000"/>
-                </a:solidFill>
-                <a:miter lim="800000"/>
-                <a:headEnd/>
-                <a:tailEnd/>
-              </a14:hiddenLine>
-            </a:ext>
-          </a:extLst>
-        </p:spPr>
-        <p:txBody>
-          <a:bodyPr/>
-          <a:lstStyle>
-            <a:lvl1pPr>
-              <a:defRPr sz="1200">
-                <a:solidFill>
-                  <a:schemeClr val="tx1"/>
-                </a:solidFill>
-                <a:latin typeface="Arial" charset="0"/>
-                <a:ea typeface="ＭＳ Ｐゴシック" charset="0"/>
-                <a:cs typeface="Arial" charset="0"/>
-              </a:defRPr>
-            </a:lvl1pPr>
-            <a:lvl2pPr marL="742950" indent="-285750">
-              <a:defRPr sz="1200">
-                <a:solidFill>
-                  <a:schemeClr val="tx1"/>
-                </a:solidFill>
-                <a:latin typeface="Arial" charset="0"/>
-                <a:ea typeface="Arial" charset="0"/>
-                <a:cs typeface="Arial" charset="0"/>
-              </a:defRPr>
-            </a:lvl2pPr>
-            <a:lvl3pPr marL="1143000" indent="-228600">
-              <a:defRPr sz="1200">
-                <a:solidFill>
-                  <a:schemeClr val="tx1"/>
-                </a:solidFill>
-                <a:latin typeface="Arial" charset="0"/>
-                <a:ea typeface="Arial" charset="0"/>
-                <a:cs typeface="Arial" charset="0"/>
-              </a:defRPr>
-            </a:lvl3pPr>
-            <a:lvl4pPr marL="1600200" indent="-228600">
-              <a:defRPr sz="1200">
-                <a:solidFill>
-                  <a:schemeClr val="tx1"/>
-                </a:solidFill>
-                <a:latin typeface="Arial" charset="0"/>
-                <a:ea typeface="Arial" charset="0"/>
-                <a:cs typeface="Arial" charset="0"/>
-              </a:defRPr>
-            </a:lvl4pPr>
-            <a:lvl5pPr marL="2057400" indent="-228600">
-              <a:defRPr sz="1200">
-                <a:solidFill>
-                  <a:schemeClr val="tx1"/>
-                </a:solidFill>
-                <a:latin typeface="Arial" charset="0"/>
-                <a:ea typeface="Arial" charset="0"/>
-                <a:cs typeface="Arial" charset="0"/>
-              </a:defRPr>
-            </a:lvl5pPr>
-            <a:lvl6pPr marL="2514600" indent="-228600" eaLnBrk="0" fontAlgn="base" hangingPunct="0">
-              <a:spcBef>
-                <a:spcPct val="30000"/>
-              </a:spcBef>
-              <a:spcAft>
-                <a:spcPct val="0"/>
-              </a:spcAft>
-              <a:defRPr sz="1200">
-                <a:solidFill>
-                  <a:schemeClr val="tx1"/>
-                </a:solidFill>
-                <a:latin typeface="Arial" charset="0"/>
-                <a:ea typeface="Arial" charset="0"/>
-                <a:cs typeface="Arial" charset="0"/>
-              </a:defRPr>
-            </a:lvl6pPr>
-            <a:lvl7pPr marL="2971800" indent="-228600" eaLnBrk="0" fontAlgn="base" hangingPunct="0">
-              <a:spcBef>
-                <a:spcPct val="30000"/>
-              </a:spcBef>
-              <a:spcAft>
-                <a:spcPct val="0"/>
-              </a:spcAft>
-              <a:defRPr sz="1200">
-                <a:solidFill>
-                  <a:schemeClr val="tx1"/>
-                </a:solidFill>
-                <a:latin typeface="Arial" charset="0"/>
-                <a:ea typeface="Arial" charset="0"/>
-                <a:cs typeface="Arial" charset="0"/>
-              </a:defRPr>
-            </a:lvl7pPr>
-            <a:lvl8pPr marL="3429000" indent="-228600" eaLnBrk="0" fontAlgn="base" hangingPunct="0">
-              <a:spcBef>
-                <a:spcPct val="30000"/>
-              </a:spcBef>
-              <a:spcAft>
-                <a:spcPct val="0"/>
-              </a:spcAft>
-              <a:defRPr sz="1200">
-                <a:solidFill>
-                  <a:schemeClr val="tx1"/>
-                </a:solidFill>
-                <a:latin typeface="Arial" charset="0"/>
-                <a:ea typeface="Arial" charset="0"/>
-                <a:cs typeface="Arial" charset="0"/>
-              </a:defRPr>
-            </a:lvl8pPr>
-            <a:lvl9pPr marL="3886200" indent="-228600" eaLnBrk="0" fontAlgn="base" hangingPunct="0">
-              <a:spcBef>
-                <a:spcPct val="30000"/>
-              </a:spcBef>
-              <a:spcAft>
-                <a:spcPct val="0"/>
-              </a:spcAft>
-              <a:defRPr sz="1200">
-                <a:solidFill>
-                  <a:schemeClr val="tx1"/>
-                </a:solidFill>
-                <a:latin typeface="Arial" charset="0"/>
-                <a:ea typeface="Arial" charset="0"/>
-                <a:cs typeface="Arial" charset="0"/>
-              </a:defRPr>
-            </a:lvl9pPr>
-          </a:lstStyle>
-          <a:p>
-            <a:r>
-              <a:rPr lang="en-US"/>
-              <a:t>Chapter 5 (I)</a:t>
-            </a:r>
-          </a:p>
-        </p:txBody>
-      </p:sp>
-      <p:sp>
-        <p:nvSpPr>
-          <p:cNvPr id="23556" name="Rectangle 13"/>
-          <p:cNvSpPr>
-            <a:spLocks noGrp="1" noChangeArrowheads="1"/>
-          </p:cNvSpPr>
-          <p:nvPr>
-            <p:ph type="sldNum" sz="quarter" idx="5"/>
-          </p:nvPr>
-        </p:nvSpPr>
-        <p:spPr>
-          <a:noFill/>
-          <a:ln/>
-          <a:extLst>
-            <a:ext uri="{909E8E84-426E-40dd-AFC4-6F175D3DCCD1}">
-              <a14:hiddenFill xmlns:a14="http://schemas.microsoft.com/office/drawing/2010/main">
-                <a:solidFill>
-                  <a:srgbClr val="FFFFFF"/>
-                </a:solidFill>
-              </a14:hiddenFill>
-            </a:ext>
-            <a:ext uri="{91240B29-F687-4f45-9708-019B960494DF}">
-              <a14:hiddenLine xmlns:a14="http://schemas.microsoft.com/office/drawing/2010/main" w="9525">
-                <a:solidFill>
-                  <a:srgbClr val="000000"/>
-                </a:solidFill>
-                <a:miter lim="800000"/>
-                <a:headEnd/>
-                <a:tailEnd/>
-              </a14:hiddenLine>
-            </a:ext>
-          </a:extLst>
-        </p:spPr>
-        <p:txBody>
-          <a:bodyPr/>
-          <a:lstStyle>
-            <a:lvl1pPr>
-              <a:defRPr sz="1200">
-                <a:solidFill>
-                  <a:schemeClr val="tx1"/>
-                </a:solidFill>
-                <a:latin typeface="Arial" charset="0"/>
-                <a:ea typeface="ＭＳ Ｐゴシック" charset="0"/>
-                <a:cs typeface="Arial" charset="0"/>
-              </a:defRPr>
-            </a:lvl1pPr>
-            <a:lvl2pPr marL="742950" indent="-285750">
-              <a:defRPr sz="1200">
-                <a:solidFill>
-                  <a:schemeClr val="tx1"/>
-                </a:solidFill>
-                <a:latin typeface="Arial" charset="0"/>
-                <a:ea typeface="Arial" charset="0"/>
-                <a:cs typeface="Arial" charset="0"/>
-              </a:defRPr>
-            </a:lvl2pPr>
-            <a:lvl3pPr marL="1143000" indent="-228600">
-              <a:defRPr sz="1200">
-                <a:solidFill>
-                  <a:schemeClr val="tx1"/>
-                </a:solidFill>
-                <a:latin typeface="Arial" charset="0"/>
-                <a:ea typeface="Arial" charset="0"/>
-                <a:cs typeface="Arial" charset="0"/>
-              </a:defRPr>
-            </a:lvl3pPr>
-            <a:lvl4pPr marL="1600200" indent="-228600">
-              <a:defRPr sz="1200">
-                <a:solidFill>
-                  <a:schemeClr val="tx1"/>
-                </a:solidFill>
-                <a:latin typeface="Arial" charset="0"/>
-                <a:ea typeface="Arial" charset="0"/>
-                <a:cs typeface="Arial" charset="0"/>
-              </a:defRPr>
-            </a:lvl4pPr>
-            <a:lvl5pPr marL="2057400" indent="-228600">
-              <a:defRPr sz="1200">
-                <a:solidFill>
-                  <a:schemeClr val="tx1"/>
-                </a:solidFill>
-                <a:latin typeface="Arial" charset="0"/>
-                <a:ea typeface="Arial" charset="0"/>
-                <a:cs typeface="Arial" charset="0"/>
-              </a:defRPr>
-            </a:lvl5pPr>
-            <a:lvl6pPr marL="2514600" indent="-228600" eaLnBrk="0" fontAlgn="base" hangingPunct="0">
-              <a:spcBef>
-                <a:spcPct val="30000"/>
-              </a:spcBef>
-              <a:spcAft>
-                <a:spcPct val="0"/>
-              </a:spcAft>
-              <a:defRPr sz="1200">
-                <a:solidFill>
-                  <a:schemeClr val="tx1"/>
-                </a:solidFill>
-                <a:latin typeface="Arial" charset="0"/>
-                <a:ea typeface="Arial" charset="0"/>
-                <a:cs typeface="Arial" charset="0"/>
-              </a:defRPr>
-            </a:lvl6pPr>
-            <a:lvl7pPr marL="2971800" indent="-228600" eaLnBrk="0" fontAlgn="base" hangingPunct="0">
-              <a:spcBef>
-                <a:spcPct val="30000"/>
-              </a:spcBef>
-              <a:spcAft>
-                <a:spcPct val="0"/>
-              </a:spcAft>
-              <a:defRPr sz="1200">
-                <a:solidFill>
-                  <a:schemeClr val="tx1"/>
-                </a:solidFill>
-                <a:latin typeface="Arial" charset="0"/>
-                <a:ea typeface="Arial" charset="0"/>
-                <a:cs typeface="Arial" charset="0"/>
-              </a:defRPr>
-            </a:lvl7pPr>
-            <a:lvl8pPr marL="3429000" indent="-228600" eaLnBrk="0" fontAlgn="base" hangingPunct="0">
-              <a:spcBef>
-                <a:spcPct val="30000"/>
-              </a:spcBef>
-              <a:spcAft>
-                <a:spcPct val="0"/>
-              </a:spcAft>
-              <a:defRPr sz="1200">
-                <a:solidFill>
-                  <a:schemeClr val="tx1"/>
-                </a:solidFill>
-                <a:latin typeface="Arial" charset="0"/>
-                <a:ea typeface="Arial" charset="0"/>
-                <a:cs typeface="Arial" charset="0"/>
-              </a:defRPr>
-            </a:lvl8pPr>
-            <a:lvl9pPr marL="3886200" indent="-228600" eaLnBrk="0" fontAlgn="base" hangingPunct="0">
-              <a:spcBef>
-                <a:spcPct val="30000"/>
-              </a:spcBef>
-              <a:spcAft>
-                <a:spcPct val="0"/>
-              </a:spcAft>
-              <a:defRPr sz="1200">
-                <a:solidFill>
-                  <a:schemeClr val="tx1"/>
-                </a:solidFill>
-                <a:latin typeface="Arial" charset="0"/>
-                <a:ea typeface="Arial" charset="0"/>
-                <a:cs typeface="Arial" charset="0"/>
-              </a:defRPr>
-            </a:lvl9pPr>
-          </a:lstStyle>
-          <a:p>
-            <a:fld id="{92541C15-4ED8-D949-A9E4-E5F0C6E476B7}" type="slidenum">
-              <a:rPr lang="en-US"/>
-              <a:pPr/>
-              <a:t>28</a:t>
-            </a:fld>
-            <a:endParaRPr lang="en-US"/>
-          </a:p>
-        </p:txBody>
-      </p:sp>
-      <p:sp>
-        <p:nvSpPr>
-          <p:cNvPr id="23557" name="Rectangle 2"/>
-          <p:cNvSpPr>
-            <a:spLocks noGrp="1" noRot="1" noChangeAspect="1" noChangeArrowheads="1" noTextEdit="1"/>
-          </p:cNvSpPr>
-          <p:nvPr>
-            <p:ph type="sldImg"/>
-          </p:nvPr>
-        </p:nvSpPr>
-        <p:spPr>
-          <a:ln/>
-        </p:spPr>
-      </p:sp>
-      <p:sp>
-        <p:nvSpPr>
-          <p:cNvPr id="23558" name="Rectangle 3"/>
-          <p:cNvSpPr>
-            <a:spLocks noGrp="1" noChangeArrowheads="1"/>
-          </p:cNvSpPr>
-          <p:nvPr>
-            <p:ph type="body" idx="1"/>
-          </p:nvPr>
-        </p:nvSpPr>
-        <p:spPr>
-          <a:noFill/>
-          <a:ln/>
-          <a:extLst>
-            <a:ext uri="{909E8E84-426E-40dd-AFC4-6F175D3DCCD1}">
-              <a14:hiddenFill xmlns:a14="http://schemas.microsoft.com/office/drawing/2010/main">
-                <a:solidFill>
-                  <a:srgbClr val="FFFFFF"/>
-                </a:solidFill>
-              </a14:hiddenFill>
-            </a:ext>
-            <a:ext uri="{91240B29-F687-4f45-9708-019B960494DF}">
-              <a14:hiddenLine xmlns:a14="http://schemas.microsoft.com/office/drawing/2010/main" w="9525">
-                <a:solidFill>
-                  <a:srgbClr val="000000"/>
-                </a:solidFill>
-                <a:miter lim="800000"/>
-                <a:headEnd/>
-                <a:tailEnd/>
-              </a14:hiddenLine>
-            </a:ext>
-            <a:ext uri="{FAA26D3D-D897-4be2-8F04-BA451C77F1D7}">
-              <ma14:placeholderFlag xmlns:ma14="http://schemas.microsoft.com/office/mac/drawingml/2011/main" val="1"/>
-            </a:ext>
-          </a:extLst>
-        </p:spPr>
-        <p:txBody>
-          <a:bodyPr/>
-          <a:lstStyle/>
-          <a:p>
-            <a:endParaRPr lang="en-US"/>
-          </a:p>
-        </p:txBody>
-      </p:sp>
-    </p:spTree>
-  </p:cSld>
-  <p:clrMapOvr>
-    <a:masterClrMapping/>
-  </p:clrMapOvr>
-</p:notes>
-</file>
-
-<file path=ppt/notesSlides/notesSlide11.xml><?xml version="1.0" encoding="utf-8"?>
-<p:notes xmlns:a="http://schemas.openxmlformats.org/drawingml/2006/main" xmlns:r="http://schemas.openxmlformats.org/officeDocument/2006/relationships" xmlns:p="http://schemas.openxmlformats.org/presentationml/2006/main">
-  <p:cSld>
-    <p:spTree>
-      <p:nvGrpSpPr>
-        <p:cNvPr id="1" name=""/>
-        <p:cNvGrpSpPr/>
-        <p:nvPr/>
-      </p:nvGrpSpPr>
-      <p:grpSpPr>
-        <a:xfrm>
-          <a:off x="0" y="0"/>
-          <a:ext cx="0" cy="0"/>
-          <a:chOff x="0" y="0"/>
-          <a:chExt cx="0" cy="0"/>
-        </a:xfrm>
-      </p:grpSpPr>
-      <p:sp>
-        <p:nvSpPr>
-          <p:cNvPr id="24578" name="Rectangle 11"/>
-          <p:cNvSpPr>
-            <a:spLocks noGrp="1" noChangeArrowheads="1"/>
-          </p:cNvSpPr>
-          <p:nvPr>
-            <p:ph type="dt" sz="quarter" idx="1"/>
-          </p:nvPr>
-        </p:nvSpPr>
-        <p:spPr>
-          <a:noFill/>
-          <a:ln/>
-          <a:extLst>
-            <a:ext uri="{909E8E84-426E-40dd-AFC4-6F175D3DCCD1}">
-              <a14:hiddenFill xmlns:a14="http://schemas.microsoft.com/office/drawing/2010/main">
-                <a:solidFill>
-                  <a:srgbClr val="FFFFFF"/>
-                </a:solidFill>
-              </a14:hiddenFill>
-            </a:ext>
-            <a:ext uri="{91240B29-F687-4f45-9708-019B960494DF}">
-              <a14:hiddenLine xmlns:a14="http://schemas.microsoft.com/office/drawing/2010/main" w="9525">
-                <a:solidFill>
-                  <a:srgbClr val="000000"/>
-                </a:solidFill>
-                <a:miter lim="800000"/>
-                <a:headEnd/>
-                <a:tailEnd/>
-              </a14:hiddenLine>
-            </a:ext>
-          </a:extLst>
-        </p:spPr>
-        <p:txBody>
-          <a:bodyPr/>
-          <a:lstStyle>
-            <a:lvl1pPr>
-              <a:defRPr sz="1200">
-                <a:solidFill>
-                  <a:schemeClr val="tx1"/>
-                </a:solidFill>
-                <a:latin typeface="Arial" charset="0"/>
-                <a:ea typeface="ＭＳ Ｐゴシック" charset="0"/>
-                <a:cs typeface="Arial" charset="0"/>
-              </a:defRPr>
-            </a:lvl1pPr>
-            <a:lvl2pPr marL="742950" indent="-285750">
-              <a:defRPr sz="1200">
-                <a:solidFill>
-                  <a:schemeClr val="tx1"/>
-                </a:solidFill>
-                <a:latin typeface="Arial" charset="0"/>
-                <a:ea typeface="Arial" charset="0"/>
-                <a:cs typeface="Arial" charset="0"/>
-              </a:defRPr>
-            </a:lvl2pPr>
-            <a:lvl3pPr marL="1143000" indent="-228600">
-              <a:defRPr sz="1200">
-                <a:solidFill>
-                  <a:schemeClr val="tx1"/>
-                </a:solidFill>
-                <a:latin typeface="Arial" charset="0"/>
-                <a:ea typeface="Arial" charset="0"/>
-                <a:cs typeface="Arial" charset="0"/>
-              </a:defRPr>
-            </a:lvl3pPr>
-            <a:lvl4pPr marL="1600200" indent="-228600">
-              <a:defRPr sz="1200">
-                <a:solidFill>
-                  <a:schemeClr val="tx1"/>
-                </a:solidFill>
-                <a:latin typeface="Arial" charset="0"/>
-                <a:ea typeface="Arial" charset="0"/>
-                <a:cs typeface="Arial" charset="0"/>
-              </a:defRPr>
-            </a:lvl4pPr>
-            <a:lvl5pPr marL="2057400" indent="-228600">
-              <a:defRPr sz="1200">
-                <a:solidFill>
-                  <a:schemeClr val="tx1"/>
-                </a:solidFill>
-                <a:latin typeface="Arial" charset="0"/>
-                <a:ea typeface="Arial" charset="0"/>
-                <a:cs typeface="Arial" charset="0"/>
-              </a:defRPr>
-            </a:lvl5pPr>
-            <a:lvl6pPr marL="2514600" indent="-228600" eaLnBrk="0" fontAlgn="base" hangingPunct="0">
-              <a:spcBef>
-                <a:spcPct val="30000"/>
-              </a:spcBef>
-              <a:spcAft>
-                <a:spcPct val="0"/>
-              </a:spcAft>
-              <a:defRPr sz="1200">
-                <a:solidFill>
-                  <a:schemeClr val="tx1"/>
-                </a:solidFill>
-                <a:latin typeface="Arial" charset="0"/>
-                <a:ea typeface="Arial" charset="0"/>
-                <a:cs typeface="Arial" charset="0"/>
-              </a:defRPr>
-            </a:lvl6pPr>
-            <a:lvl7pPr marL="2971800" indent="-228600" eaLnBrk="0" fontAlgn="base" hangingPunct="0">
-              <a:spcBef>
-                <a:spcPct val="30000"/>
-              </a:spcBef>
-              <a:spcAft>
-                <a:spcPct val="0"/>
-              </a:spcAft>
-              <a:defRPr sz="1200">
-                <a:solidFill>
-                  <a:schemeClr val="tx1"/>
-                </a:solidFill>
-                <a:latin typeface="Arial" charset="0"/>
-                <a:ea typeface="Arial" charset="0"/>
-                <a:cs typeface="Arial" charset="0"/>
-              </a:defRPr>
-            </a:lvl7pPr>
-            <a:lvl8pPr marL="3429000" indent="-228600" eaLnBrk="0" fontAlgn="base" hangingPunct="0">
-              <a:spcBef>
-                <a:spcPct val="30000"/>
-              </a:spcBef>
-              <a:spcAft>
-                <a:spcPct val="0"/>
-              </a:spcAft>
-              <a:defRPr sz="1200">
-                <a:solidFill>
-                  <a:schemeClr val="tx1"/>
-                </a:solidFill>
-                <a:latin typeface="Arial" charset="0"/>
-                <a:ea typeface="Arial" charset="0"/>
-                <a:cs typeface="Arial" charset="0"/>
-              </a:defRPr>
-            </a:lvl8pPr>
-            <a:lvl9pPr marL="3886200" indent="-228600" eaLnBrk="0" fontAlgn="base" hangingPunct="0">
-              <a:spcBef>
-                <a:spcPct val="30000"/>
-              </a:spcBef>
-              <a:spcAft>
-                <a:spcPct val="0"/>
-              </a:spcAft>
-              <a:defRPr sz="1200">
-                <a:solidFill>
-                  <a:schemeClr val="tx1"/>
-                </a:solidFill>
-                <a:latin typeface="Arial" charset="0"/>
-                <a:ea typeface="Arial" charset="0"/>
-                <a:cs typeface="Arial" charset="0"/>
-              </a:defRPr>
-            </a:lvl9pPr>
-          </a:lstStyle>
-          <a:p>
-            <a:fld id="{ADD20E48-21D5-BD43-8B8D-F79BDA59AAEF}" type="datetime1">
-              <a:rPr lang="en-US"/>
-              <a:pPr/>
-              <a:t>9/9/15</a:t>
-            </a:fld>
-            <a:endParaRPr lang="en-US"/>
-          </a:p>
-        </p:txBody>
-      </p:sp>
-      <p:sp>
-        <p:nvSpPr>
-          <p:cNvPr id="24579" name="Rectangle 12"/>
-          <p:cNvSpPr>
-            <a:spLocks noGrp="1" noChangeArrowheads="1"/>
-          </p:cNvSpPr>
-          <p:nvPr>
-            <p:ph type="ftr" sz="quarter" idx="4"/>
-          </p:nvPr>
-        </p:nvSpPr>
-        <p:spPr>
-          <a:noFill/>
-          <a:ln/>
-          <a:extLst>
-            <a:ext uri="{909E8E84-426E-40dd-AFC4-6F175D3DCCD1}">
-              <a14:hiddenFill xmlns:a14="http://schemas.microsoft.com/office/drawing/2010/main">
-                <a:solidFill>
-                  <a:srgbClr val="FFFFFF"/>
-                </a:solidFill>
-              </a14:hiddenFill>
-            </a:ext>
-            <a:ext uri="{91240B29-F687-4f45-9708-019B960494DF}">
-              <a14:hiddenLine xmlns:a14="http://schemas.microsoft.com/office/drawing/2010/main" w="9525">
-                <a:solidFill>
-                  <a:srgbClr val="000000"/>
-                </a:solidFill>
-                <a:miter lim="800000"/>
-                <a:headEnd/>
-                <a:tailEnd/>
-              </a14:hiddenLine>
-            </a:ext>
-          </a:extLst>
-        </p:spPr>
-        <p:txBody>
-          <a:bodyPr/>
-          <a:lstStyle>
-            <a:lvl1pPr>
-              <a:defRPr sz="1200">
-                <a:solidFill>
-                  <a:schemeClr val="tx1"/>
-                </a:solidFill>
-                <a:latin typeface="Arial" charset="0"/>
-                <a:ea typeface="ＭＳ Ｐゴシック" charset="0"/>
-                <a:cs typeface="Arial" charset="0"/>
-              </a:defRPr>
-            </a:lvl1pPr>
-            <a:lvl2pPr marL="742950" indent="-285750">
-              <a:defRPr sz="1200">
-                <a:solidFill>
-                  <a:schemeClr val="tx1"/>
-                </a:solidFill>
-                <a:latin typeface="Arial" charset="0"/>
-                <a:ea typeface="Arial" charset="0"/>
-                <a:cs typeface="Arial" charset="0"/>
-              </a:defRPr>
-            </a:lvl2pPr>
-            <a:lvl3pPr marL="1143000" indent="-228600">
-              <a:defRPr sz="1200">
-                <a:solidFill>
-                  <a:schemeClr val="tx1"/>
-                </a:solidFill>
-                <a:latin typeface="Arial" charset="0"/>
-                <a:ea typeface="Arial" charset="0"/>
-                <a:cs typeface="Arial" charset="0"/>
-              </a:defRPr>
-            </a:lvl3pPr>
-            <a:lvl4pPr marL="1600200" indent="-228600">
-              <a:defRPr sz="1200">
-                <a:solidFill>
-                  <a:schemeClr val="tx1"/>
-                </a:solidFill>
-                <a:latin typeface="Arial" charset="0"/>
-                <a:ea typeface="Arial" charset="0"/>
-                <a:cs typeface="Arial" charset="0"/>
-              </a:defRPr>
-            </a:lvl4pPr>
-            <a:lvl5pPr marL="2057400" indent="-228600">
-              <a:defRPr sz="1200">
-                <a:solidFill>
-                  <a:schemeClr val="tx1"/>
-                </a:solidFill>
-                <a:latin typeface="Arial" charset="0"/>
-                <a:ea typeface="Arial" charset="0"/>
-                <a:cs typeface="Arial" charset="0"/>
-              </a:defRPr>
-            </a:lvl5pPr>
-            <a:lvl6pPr marL="2514600" indent="-228600" eaLnBrk="0" fontAlgn="base" hangingPunct="0">
-              <a:spcBef>
-                <a:spcPct val="30000"/>
-              </a:spcBef>
-              <a:spcAft>
-                <a:spcPct val="0"/>
-              </a:spcAft>
-              <a:defRPr sz="1200">
-                <a:solidFill>
-                  <a:schemeClr val="tx1"/>
-                </a:solidFill>
-                <a:latin typeface="Arial" charset="0"/>
-                <a:ea typeface="Arial" charset="0"/>
-                <a:cs typeface="Arial" charset="0"/>
-              </a:defRPr>
-            </a:lvl6pPr>
-            <a:lvl7pPr marL="2971800" indent="-228600" eaLnBrk="0" fontAlgn="base" hangingPunct="0">
-              <a:spcBef>
-                <a:spcPct val="30000"/>
-              </a:spcBef>
-              <a:spcAft>
-                <a:spcPct val="0"/>
-              </a:spcAft>
-              <a:defRPr sz="1200">
-                <a:solidFill>
-                  <a:schemeClr val="tx1"/>
-                </a:solidFill>
-                <a:latin typeface="Arial" charset="0"/>
-                <a:ea typeface="Arial" charset="0"/>
-                <a:cs typeface="Arial" charset="0"/>
-              </a:defRPr>
-            </a:lvl7pPr>
-            <a:lvl8pPr marL="3429000" indent="-228600" eaLnBrk="0" fontAlgn="base" hangingPunct="0">
-              <a:spcBef>
-                <a:spcPct val="30000"/>
-              </a:spcBef>
-              <a:spcAft>
-                <a:spcPct val="0"/>
-              </a:spcAft>
-              <a:defRPr sz="1200">
-                <a:solidFill>
-                  <a:schemeClr val="tx1"/>
-                </a:solidFill>
-                <a:latin typeface="Arial" charset="0"/>
-                <a:ea typeface="Arial" charset="0"/>
-                <a:cs typeface="Arial" charset="0"/>
-              </a:defRPr>
-            </a:lvl8pPr>
-            <a:lvl9pPr marL="3886200" indent="-228600" eaLnBrk="0" fontAlgn="base" hangingPunct="0">
-              <a:spcBef>
-                <a:spcPct val="30000"/>
-              </a:spcBef>
-              <a:spcAft>
-                <a:spcPct val="0"/>
-              </a:spcAft>
-              <a:defRPr sz="1200">
-                <a:solidFill>
-                  <a:schemeClr val="tx1"/>
-                </a:solidFill>
-                <a:latin typeface="Arial" charset="0"/>
-                <a:ea typeface="Arial" charset="0"/>
-                <a:cs typeface="Arial" charset="0"/>
-              </a:defRPr>
-            </a:lvl9pPr>
-          </a:lstStyle>
-          <a:p>
-            <a:r>
-              <a:rPr lang="en-US"/>
-              <a:t>Chapter 5 (I)</a:t>
-            </a:r>
-          </a:p>
-        </p:txBody>
-      </p:sp>
-      <p:sp>
-        <p:nvSpPr>
-          <p:cNvPr id="24580" name="Rectangle 13"/>
-          <p:cNvSpPr>
-            <a:spLocks noGrp="1" noChangeArrowheads="1"/>
-          </p:cNvSpPr>
-          <p:nvPr>
-            <p:ph type="sldNum" sz="quarter" idx="5"/>
-          </p:nvPr>
-        </p:nvSpPr>
-        <p:spPr>
-          <a:noFill/>
-          <a:ln/>
-          <a:extLst>
-            <a:ext uri="{909E8E84-426E-40dd-AFC4-6F175D3DCCD1}">
-              <a14:hiddenFill xmlns:a14="http://schemas.microsoft.com/office/drawing/2010/main">
-                <a:solidFill>
-                  <a:srgbClr val="FFFFFF"/>
-                </a:solidFill>
-              </a14:hiddenFill>
-            </a:ext>
-            <a:ext uri="{91240B29-F687-4f45-9708-019B960494DF}">
-              <a14:hiddenLine xmlns:a14="http://schemas.microsoft.com/office/drawing/2010/main" w="9525">
-                <a:solidFill>
-                  <a:srgbClr val="000000"/>
-                </a:solidFill>
-                <a:miter lim="800000"/>
-                <a:headEnd/>
-                <a:tailEnd/>
-              </a14:hiddenLine>
-            </a:ext>
-          </a:extLst>
-        </p:spPr>
-        <p:txBody>
-          <a:bodyPr/>
-          <a:lstStyle>
-            <a:lvl1pPr>
-              <a:defRPr sz="1200">
-                <a:solidFill>
-                  <a:schemeClr val="tx1"/>
-                </a:solidFill>
-                <a:latin typeface="Arial" charset="0"/>
-                <a:ea typeface="ＭＳ Ｐゴシック" charset="0"/>
-                <a:cs typeface="Arial" charset="0"/>
-              </a:defRPr>
-            </a:lvl1pPr>
-            <a:lvl2pPr marL="742950" indent="-285750">
-              <a:defRPr sz="1200">
-                <a:solidFill>
-                  <a:schemeClr val="tx1"/>
-                </a:solidFill>
-                <a:latin typeface="Arial" charset="0"/>
-                <a:ea typeface="Arial" charset="0"/>
-                <a:cs typeface="Arial" charset="0"/>
-              </a:defRPr>
-            </a:lvl2pPr>
-            <a:lvl3pPr marL="1143000" indent="-228600">
-              <a:defRPr sz="1200">
-                <a:solidFill>
-                  <a:schemeClr val="tx1"/>
-                </a:solidFill>
-                <a:latin typeface="Arial" charset="0"/>
-                <a:ea typeface="Arial" charset="0"/>
-                <a:cs typeface="Arial" charset="0"/>
-              </a:defRPr>
-            </a:lvl3pPr>
-            <a:lvl4pPr marL="1600200" indent="-228600">
-              <a:defRPr sz="1200">
-                <a:solidFill>
-                  <a:schemeClr val="tx1"/>
-                </a:solidFill>
-                <a:latin typeface="Arial" charset="0"/>
-                <a:ea typeface="Arial" charset="0"/>
-                <a:cs typeface="Arial" charset="0"/>
-              </a:defRPr>
-            </a:lvl4pPr>
-            <a:lvl5pPr marL="2057400" indent="-228600">
-              <a:defRPr sz="1200">
-                <a:solidFill>
-                  <a:schemeClr val="tx1"/>
-                </a:solidFill>
-                <a:latin typeface="Arial" charset="0"/>
-                <a:ea typeface="Arial" charset="0"/>
-                <a:cs typeface="Arial" charset="0"/>
-              </a:defRPr>
-            </a:lvl5pPr>
-            <a:lvl6pPr marL="2514600" indent="-228600" eaLnBrk="0" fontAlgn="base" hangingPunct="0">
-              <a:spcBef>
-                <a:spcPct val="30000"/>
-              </a:spcBef>
-              <a:spcAft>
-                <a:spcPct val="0"/>
-              </a:spcAft>
-              <a:defRPr sz="1200">
-                <a:solidFill>
-                  <a:schemeClr val="tx1"/>
-                </a:solidFill>
-                <a:latin typeface="Arial" charset="0"/>
-                <a:ea typeface="Arial" charset="0"/>
-                <a:cs typeface="Arial" charset="0"/>
-              </a:defRPr>
-            </a:lvl6pPr>
-            <a:lvl7pPr marL="2971800" indent="-228600" eaLnBrk="0" fontAlgn="base" hangingPunct="0">
-              <a:spcBef>
-                <a:spcPct val="30000"/>
-              </a:spcBef>
-              <a:spcAft>
-                <a:spcPct val="0"/>
-              </a:spcAft>
-              <a:defRPr sz="1200">
-                <a:solidFill>
-                  <a:schemeClr val="tx1"/>
-                </a:solidFill>
-                <a:latin typeface="Arial" charset="0"/>
-                <a:ea typeface="Arial" charset="0"/>
-                <a:cs typeface="Arial" charset="0"/>
-              </a:defRPr>
-            </a:lvl7pPr>
-            <a:lvl8pPr marL="3429000" indent="-228600" eaLnBrk="0" fontAlgn="base" hangingPunct="0">
-              <a:spcBef>
-                <a:spcPct val="30000"/>
-              </a:spcBef>
-              <a:spcAft>
-                <a:spcPct val="0"/>
-              </a:spcAft>
-              <a:defRPr sz="1200">
-                <a:solidFill>
-                  <a:schemeClr val="tx1"/>
-                </a:solidFill>
-                <a:latin typeface="Arial" charset="0"/>
-                <a:ea typeface="Arial" charset="0"/>
-                <a:cs typeface="Arial" charset="0"/>
-              </a:defRPr>
-            </a:lvl8pPr>
-            <a:lvl9pPr marL="3886200" indent="-228600" eaLnBrk="0" fontAlgn="base" hangingPunct="0">
-              <a:spcBef>
-                <a:spcPct val="30000"/>
-              </a:spcBef>
-              <a:spcAft>
-                <a:spcPct val="0"/>
-              </a:spcAft>
-              <a:defRPr sz="1200">
-                <a:solidFill>
-                  <a:schemeClr val="tx1"/>
-                </a:solidFill>
-                <a:latin typeface="Arial" charset="0"/>
-                <a:ea typeface="Arial" charset="0"/>
-                <a:cs typeface="Arial" charset="0"/>
-              </a:defRPr>
-            </a:lvl9pPr>
-          </a:lstStyle>
-          <a:p>
-            <a:fld id="{60566CAC-A866-3D45-91A9-13643F5107DE}" type="slidenum">
-              <a:rPr lang="en-US"/>
-              <a:pPr/>
-              <a:t>29</a:t>
-            </a:fld>
-            <a:endParaRPr lang="en-US"/>
-          </a:p>
-        </p:txBody>
-      </p:sp>
-      <p:sp>
-        <p:nvSpPr>
-          <p:cNvPr id="24581" name="Rectangle 2"/>
-          <p:cNvSpPr>
-            <a:spLocks noGrp="1" noRot="1" noChangeAspect="1" noChangeArrowheads="1" noTextEdit="1"/>
-          </p:cNvSpPr>
-          <p:nvPr>
-            <p:ph type="sldImg"/>
-          </p:nvPr>
-        </p:nvSpPr>
-        <p:spPr>
-          <a:ln/>
-        </p:spPr>
-      </p:sp>
-      <p:sp>
-        <p:nvSpPr>
-          <p:cNvPr id="24582" name="Rectangle 3"/>
-          <p:cNvSpPr>
-            <a:spLocks noGrp="1" noChangeArrowheads="1"/>
-          </p:cNvSpPr>
-          <p:nvPr>
-            <p:ph type="body" idx="1"/>
-          </p:nvPr>
-        </p:nvSpPr>
-        <p:spPr>
-          <a:noFill/>
-          <a:ln/>
-          <a:extLst>
-            <a:ext uri="{909E8E84-426E-40dd-AFC4-6F175D3DCCD1}">
-              <a14:hiddenFill xmlns:a14="http://schemas.microsoft.com/office/drawing/2010/main">
-                <a:solidFill>
-                  <a:srgbClr val="FFFFFF"/>
-                </a:solidFill>
-              </a14:hiddenFill>
-            </a:ext>
-            <a:ext uri="{91240B29-F687-4f45-9708-019B960494DF}">
-              <a14:hiddenLine xmlns:a14="http://schemas.microsoft.com/office/drawing/2010/main" w="9525">
-                <a:solidFill>
-                  <a:srgbClr val="000000"/>
-                </a:solidFill>
-                <a:miter lim="800000"/>
-                <a:headEnd/>
-                <a:tailEnd/>
-              </a14:hiddenLine>
-            </a:ext>
-            <a:ext uri="{FAA26D3D-D897-4be2-8F04-BA451C77F1D7}">
-              <ma14:placeholderFlag xmlns:ma14="http://schemas.microsoft.com/office/mac/drawingml/2011/main" val="1"/>
-            </a:ext>
-          </a:extLst>
-        </p:spPr>
-        <p:txBody>
-          <a:bodyPr/>
-          <a:lstStyle/>
-          <a:p>
-            <a:endParaRPr lang="en-US"/>
-          </a:p>
-        </p:txBody>
-      </p:sp>
-    </p:spTree>
-  </p:cSld>
-  <p:clrMapOvr>
-    <a:masterClrMapping/>
-  </p:clrMapOvr>
-</p:notes>
-</file>
-
 <file path=ppt/notesSlides/notesSlide2.xml><?xml version="1.0" encoding="utf-8"?>
 <p:notes xmlns:a="http://schemas.openxmlformats.org/drawingml/2006/main" xmlns:r="http://schemas.openxmlformats.org/officeDocument/2006/relationships" xmlns:p="http://schemas.openxmlformats.org/presentationml/2006/main">
   <p:cSld>
@@ -2419,7 +1282,7 @@
             <a:fld id="{0DEAF93C-0332-F04D-9C7B-A4166D802D5B}" type="datetime1">
               <a:rPr lang="en-US"/>
               <a:pPr/>
-              <a:t>9/9/15</a:t>
+              <a:t>9/13/15</a:t>
             </a:fld>
             <a:endParaRPr lang="en-US"/>
           </a:p>
@@ -2983,7 +1846,7 @@
             <a:fld id="{A55096D1-02D3-9C4E-8EF9-589205CF743B}" type="datetime1">
               <a:rPr lang="en-US"/>
               <a:pPr/>
-              <a:t>9/9/15</a:t>
+              <a:t>9/13/15</a:t>
             </a:fld>
             <a:endParaRPr lang="en-US"/>
           </a:p>
@@ -3547,7 +2410,7 @@
             <a:fld id="{E54D2D9B-B0F3-B548-A411-2270ABAB06C6}" type="datetime1">
               <a:rPr lang="en-US"/>
               <a:pPr/>
-              <a:t>9/9/15</a:t>
+              <a:t>9/13/15</a:t>
             </a:fld>
             <a:endParaRPr lang="en-US"/>
           </a:p>
@@ -4111,7 +2974,7 @@
             <a:fld id="{534291ED-09FB-F546-A9D5-F1DC509162BC}" type="datetime1">
               <a:rPr lang="en-US"/>
               <a:pPr/>
-              <a:t>9/9/15</a:t>
+              <a:t>9/13/15</a:t>
             </a:fld>
             <a:endParaRPr lang="en-US"/>
           </a:p>
@@ -4675,7 +3538,7 @@
             <a:fld id="{F4EF29CF-FE14-D948-B8B1-3EB316BB81E6}" type="datetime1">
               <a:rPr lang="en-US"/>
               <a:pPr/>
-              <a:t>9/9/15</a:t>
+              <a:t>9/13/15</a:t>
             </a:fld>
             <a:endParaRPr lang="en-US"/>
           </a:p>
@@ -5239,7 +4102,7 @@
             <a:fld id="{7AEA264A-C0D5-1645-8C93-47BF847522DC}" type="datetime1">
               <a:rPr lang="en-US"/>
               <a:pPr/>
-              <a:t>9/9/15</a:t>
+              <a:t>9/13/15</a:t>
             </a:fld>
             <a:endParaRPr lang="en-US"/>
           </a:p>
@@ -5803,7 +4666,7 @@
             <a:fld id="{B9193EF1-3A73-1C41-B57E-6101610D879B}" type="datetime1">
               <a:rPr lang="en-US"/>
               <a:pPr/>
-              <a:t>9/9/15</a:t>
+              <a:t>9/13/15</a:t>
             </a:fld>
             <a:endParaRPr lang="en-US"/>
           </a:p>
@@ -6181,570 +5044,6 @@
         </p:spPr>
         <p:txBody>
           <a:bodyPr/>
-          <a:lstStyle/>
-          <a:p>
-            <a:endParaRPr lang="en-US"/>
-          </a:p>
-        </p:txBody>
-      </p:sp>
-    </p:spTree>
-  </p:cSld>
-  <p:clrMapOvr>
-    <a:masterClrMapping/>
-  </p:clrMapOvr>
-</p:notes>
-</file>
-
-<file path=ppt/notesSlides/notesSlide9.xml><?xml version="1.0" encoding="utf-8"?>
-<p:notes xmlns:a="http://schemas.openxmlformats.org/drawingml/2006/main" xmlns:r="http://schemas.openxmlformats.org/officeDocument/2006/relationships" xmlns:p="http://schemas.openxmlformats.org/presentationml/2006/main">
-  <p:cSld>
-    <p:spTree>
-      <p:nvGrpSpPr>
-        <p:cNvPr id="1" name=""/>
-        <p:cNvGrpSpPr/>
-        <p:nvPr/>
-      </p:nvGrpSpPr>
-      <p:grpSpPr>
-        <a:xfrm>
-          <a:off x="0" y="0"/>
-          <a:ext cx="0" cy="0"/>
-          <a:chOff x="0" y="0"/>
-          <a:chExt cx="0" cy="0"/>
-        </a:xfrm>
-      </p:grpSpPr>
-      <p:sp>
-        <p:nvSpPr>
-          <p:cNvPr id="22530" name="Rectangle 11"/>
-          <p:cNvSpPr>
-            <a:spLocks noGrp="1" noChangeArrowheads="1"/>
-          </p:cNvSpPr>
-          <p:nvPr>
-            <p:ph type="dt" sz="quarter" idx="1"/>
-          </p:nvPr>
-        </p:nvSpPr>
-        <p:spPr>
-          <a:noFill/>
-          <a:ln/>
-          <a:extLst>
-            <a:ext uri="{909E8E84-426E-40dd-AFC4-6F175D3DCCD1}">
-              <a14:hiddenFill xmlns:a14="http://schemas.microsoft.com/office/drawing/2010/main">
-                <a:solidFill>
-                  <a:srgbClr val="FFFFFF"/>
-                </a:solidFill>
-              </a14:hiddenFill>
-            </a:ext>
-            <a:ext uri="{91240B29-F687-4f45-9708-019B960494DF}">
-              <a14:hiddenLine xmlns:a14="http://schemas.microsoft.com/office/drawing/2010/main" w="9525">
-                <a:solidFill>
-                  <a:srgbClr val="000000"/>
-                </a:solidFill>
-                <a:miter lim="800000"/>
-                <a:headEnd/>
-                <a:tailEnd/>
-              </a14:hiddenLine>
-            </a:ext>
-          </a:extLst>
-        </p:spPr>
-        <p:txBody>
-          <a:bodyPr/>
-          <a:lstStyle>
-            <a:lvl1pPr>
-              <a:defRPr sz="1200">
-                <a:solidFill>
-                  <a:schemeClr val="tx1"/>
-                </a:solidFill>
-                <a:latin typeface="Arial" charset="0"/>
-                <a:ea typeface="ＭＳ Ｐゴシック" charset="0"/>
-                <a:cs typeface="Arial" charset="0"/>
-              </a:defRPr>
-            </a:lvl1pPr>
-            <a:lvl2pPr marL="742950" indent="-285750">
-              <a:defRPr sz="1200">
-                <a:solidFill>
-                  <a:schemeClr val="tx1"/>
-                </a:solidFill>
-                <a:latin typeface="Arial" charset="0"/>
-                <a:ea typeface="Arial" charset="0"/>
-                <a:cs typeface="Arial" charset="0"/>
-              </a:defRPr>
-            </a:lvl2pPr>
-            <a:lvl3pPr marL="1143000" indent="-228600">
-              <a:defRPr sz="1200">
-                <a:solidFill>
-                  <a:schemeClr val="tx1"/>
-                </a:solidFill>
-                <a:latin typeface="Arial" charset="0"/>
-                <a:ea typeface="Arial" charset="0"/>
-                <a:cs typeface="Arial" charset="0"/>
-              </a:defRPr>
-            </a:lvl3pPr>
-            <a:lvl4pPr marL="1600200" indent="-228600">
-              <a:defRPr sz="1200">
-                <a:solidFill>
-                  <a:schemeClr val="tx1"/>
-                </a:solidFill>
-                <a:latin typeface="Arial" charset="0"/>
-                <a:ea typeface="Arial" charset="0"/>
-                <a:cs typeface="Arial" charset="0"/>
-              </a:defRPr>
-            </a:lvl4pPr>
-            <a:lvl5pPr marL="2057400" indent="-228600">
-              <a:defRPr sz="1200">
-                <a:solidFill>
-                  <a:schemeClr val="tx1"/>
-                </a:solidFill>
-                <a:latin typeface="Arial" charset="0"/>
-                <a:ea typeface="Arial" charset="0"/>
-                <a:cs typeface="Arial" charset="0"/>
-              </a:defRPr>
-            </a:lvl5pPr>
-            <a:lvl6pPr marL="2514600" indent="-228600" eaLnBrk="0" fontAlgn="base" hangingPunct="0">
-              <a:spcBef>
-                <a:spcPct val="30000"/>
-              </a:spcBef>
-              <a:spcAft>
-                <a:spcPct val="0"/>
-              </a:spcAft>
-              <a:defRPr sz="1200">
-                <a:solidFill>
-                  <a:schemeClr val="tx1"/>
-                </a:solidFill>
-                <a:latin typeface="Arial" charset="0"/>
-                <a:ea typeface="Arial" charset="0"/>
-                <a:cs typeface="Arial" charset="0"/>
-              </a:defRPr>
-            </a:lvl6pPr>
-            <a:lvl7pPr marL="2971800" indent="-228600" eaLnBrk="0" fontAlgn="base" hangingPunct="0">
-              <a:spcBef>
-                <a:spcPct val="30000"/>
-              </a:spcBef>
-              <a:spcAft>
-                <a:spcPct val="0"/>
-              </a:spcAft>
-              <a:defRPr sz="1200">
-                <a:solidFill>
-                  <a:schemeClr val="tx1"/>
-                </a:solidFill>
-                <a:latin typeface="Arial" charset="0"/>
-                <a:ea typeface="Arial" charset="0"/>
-                <a:cs typeface="Arial" charset="0"/>
-              </a:defRPr>
-            </a:lvl7pPr>
-            <a:lvl8pPr marL="3429000" indent="-228600" eaLnBrk="0" fontAlgn="base" hangingPunct="0">
-              <a:spcBef>
-                <a:spcPct val="30000"/>
-              </a:spcBef>
-              <a:spcAft>
-                <a:spcPct val="0"/>
-              </a:spcAft>
-              <a:defRPr sz="1200">
-                <a:solidFill>
-                  <a:schemeClr val="tx1"/>
-                </a:solidFill>
-                <a:latin typeface="Arial" charset="0"/>
-                <a:ea typeface="Arial" charset="0"/>
-                <a:cs typeface="Arial" charset="0"/>
-              </a:defRPr>
-            </a:lvl8pPr>
-            <a:lvl9pPr marL="3886200" indent="-228600" eaLnBrk="0" fontAlgn="base" hangingPunct="0">
-              <a:spcBef>
-                <a:spcPct val="30000"/>
-              </a:spcBef>
-              <a:spcAft>
-                <a:spcPct val="0"/>
-              </a:spcAft>
-              <a:defRPr sz="1200">
-                <a:solidFill>
-                  <a:schemeClr val="tx1"/>
-                </a:solidFill>
-                <a:latin typeface="Arial" charset="0"/>
-                <a:ea typeface="Arial" charset="0"/>
-                <a:cs typeface="Arial" charset="0"/>
-              </a:defRPr>
-            </a:lvl9pPr>
-          </a:lstStyle>
-          <a:p>
-            <a:fld id="{D4056121-04F8-BF4E-8AC2-18F650BC8FCA}" type="datetime1">
-              <a:rPr lang="en-US"/>
-              <a:pPr/>
-              <a:t>9/9/15</a:t>
-            </a:fld>
-            <a:endParaRPr lang="en-US"/>
-          </a:p>
-        </p:txBody>
-      </p:sp>
-      <p:sp>
-        <p:nvSpPr>
-          <p:cNvPr id="22531" name="Rectangle 12"/>
-          <p:cNvSpPr>
-            <a:spLocks noGrp="1" noChangeArrowheads="1"/>
-          </p:cNvSpPr>
-          <p:nvPr>
-            <p:ph type="ftr" sz="quarter" idx="4"/>
-          </p:nvPr>
-        </p:nvSpPr>
-        <p:spPr>
-          <a:noFill/>
-          <a:ln/>
-          <a:extLst>
-            <a:ext uri="{909E8E84-426E-40dd-AFC4-6F175D3DCCD1}">
-              <a14:hiddenFill xmlns:a14="http://schemas.microsoft.com/office/drawing/2010/main">
-                <a:solidFill>
-                  <a:srgbClr val="FFFFFF"/>
-                </a:solidFill>
-              </a14:hiddenFill>
-            </a:ext>
-            <a:ext uri="{91240B29-F687-4f45-9708-019B960494DF}">
-              <a14:hiddenLine xmlns:a14="http://schemas.microsoft.com/office/drawing/2010/main" w="9525">
-                <a:solidFill>
-                  <a:srgbClr val="000000"/>
-                </a:solidFill>
-                <a:miter lim="800000"/>
-                <a:headEnd/>
-                <a:tailEnd/>
-              </a14:hiddenLine>
-            </a:ext>
-          </a:extLst>
-        </p:spPr>
-        <p:txBody>
-          <a:bodyPr/>
-          <a:lstStyle>
-            <a:lvl1pPr>
-              <a:defRPr sz="1200">
-                <a:solidFill>
-                  <a:schemeClr val="tx1"/>
-                </a:solidFill>
-                <a:latin typeface="Arial" charset="0"/>
-                <a:ea typeface="ＭＳ Ｐゴシック" charset="0"/>
-                <a:cs typeface="Arial" charset="0"/>
-              </a:defRPr>
-            </a:lvl1pPr>
-            <a:lvl2pPr marL="742950" indent="-285750">
-              <a:defRPr sz="1200">
-                <a:solidFill>
-                  <a:schemeClr val="tx1"/>
-                </a:solidFill>
-                <a:latin typeface="Arial" charset="0"/>
-                <a:ea typeface="Arial" charset="0"/>
-                <a:cs typeface="Arial" charset="0"/>
-              </a:defRPr>
-            </a:lvl2pPr>
-            <a:lvl3pPr marL="1143000" indent="-228600">
-              <a:defRPr sz="1200">
-                <a:solidFill>
-                  <a:schemeClr val="tx1"/>
-                </a:solidFill>
-                <a:latin typeface="Arial" charset="0"/>
-                <a:ea typeface="Arial" charset="0"/>
-                <a:cs typeface="Arial" charset="0"/>
-              </a:defRPr>
-            </a:lvl3pPr>
-            <a:lvl4pPr marL="1600200" indent="-228600">
-              <a:defRPr sz="1200">
-                <a:solidFill>
-                  <a:schemeClr val="tx1"/>
-                </a:solidFill>
-                <a:latin typeface="Arial" charset="0"/>
-                <a:ea typeface="Arial" charset="0"/>
-                <a:cs typeface="Arial" charset="0"/>
-              </a:defRPr>
-            </a:lvl4pPr>
-            <a:lvl5pPr marL="2057400" indent="-228600">
-              <a:defRPr sz="1200">
-                <a:solidFill>
-                  <a:schemeClr val="tx1"/>
-                </a:solidFill>
-                <a:latin typeface="Arial" charset="0"/>
-                <a:ea typeface="Arial" charset="0"/>
-                <a:cs typeface="Arial" charset="0"/>
-              </a:defRPr>
-            </a:lvl5pPr>
-            <a:lvl6pPr marL="2514600" indent="-228600" eaLnBrk="0" fontAlgn="base" hangingPunct="0">
-              <a:spcBef>
-                <a:spcPct val="30000"/>
-              </a:spcBef>
-              <a:spcAft>
-                <a:spcPct val="0"/>
-              </a:spcAft>
-              <a:defRPr sz="1200">
-                <a:solidFill>
-                  <a:schemeClr val="tx1"/>
-                </a:solidFill>
-                <a:latin typeface="Arial" charset="0"/>
-                <a:ea typeface="Arial" charset="0"/>
-                <a:cs typeface="Arial" charset="0"/>
-              </a:defRPr>
-            </a:lvl6pPr>
-            <a:lvl7pPr marL="2971800" indent="-228600" eaLnBrk="0" fontAlgn="base" hangingPunct="0">
-              <a:spcBef>
-                <a:spcPct val="30000"/>
-              </a:spcBef>
-              <a:spcAft>
-                <a:spcPct val="0"/>
-              </a:spcAft>
-              <a:defRPr sz="1200">
-                <a:solidFill>
-                  <a:schemeClr val="tx1"/>
-                </a:solidFill>
-                <a:latin typeface="Arial" charset="0"/>
-                <a:ea typeface="Arial" charset="0"/>
-                <a:cs typeface="Arial" charset="0"/>
-              </a:defRPr>
-            </a:lvl7pPr>
-            <a:lvl8pPr marL="3429000" indent="-228600" eaLnBrk="0" fontAlgn="base" hangingPunct="0">
-              <a:spcBef>
-                <a:spcPct val="30000"/>
-              </a:spcBef>
-              <a:spcAft>
-                <a:spcPct val="0"/>
-              </a:spcAft>
-              <a:defRPr sz="1200">
-                <a:solidFill>
-                  <a:schemeClr val="tx1"/>
-                </a:solidFill>
-                <a:latin typeface="Arial" charset="0"/>
-                <a:ea typeface="Arial" charset="0"/>
-                <a:cs typeface="Arial" charset="0"/>
-              </a:defRPr>
-            </a:lvl8pPr>
-            <a:lvl9pPr marL="3886200" indent="-228600" eaLnBrk="0" fontAlgn="base" hangingPunct="0">
-              <a:spcBef>
-                <a:spcPct val="30000"/>
-              </a:spcBef>
-              <a:spcAft>
-                <a:spcPct val="0"/>
-              </a:spcAft>
-              <a:defRPr sz="1200">
-                <a:solidFill>
-                  <a:schemeClr val="tx1"/>
-                </a:solidFill>
-                <a:latin typeface="Arial" charset="0"/>
-                <a:ea typeface="Arial" charset="0"/>
-                <a:cs typeface="Arial" charset="0"/>
-              </a:defRPr>
-            </a:lvl9pPr>
-          </a:lstStyle>
-          <a:p>
-            <a:r>
-              <a:rPr lang="en-US"/>
-              <a:t>Chapter 3</a:t>
-            </a:r>
-          </a:p>
-        </p:txBody>
-      </p:sp>
-      <p:sp>
-        <p:nvSpPr>
-          <p:cNvPr id="22532" name="Rectangle 13"/>
-          <p:cNvSpPr>
-            <a:spLocks noGrp="1" noChangeArrowheads="1"/>
-          </p:cNvSpPr>
-          <p:nvPr>
-            <p:ph type="sldNum" sz="quarter" idx="5"/>
-          </p:nvPr>
-        </p:nvSpPr>
-        <p:spPr>
-          <a:noFill/>
-          <a:ln/>
-          <a:extLst>
-            <a:ext uri="{909E8E84-426E-40dd-AFC4-6F175D3DCCD1}">
-              <a14:hiddenFill xmlns:a14="http://schemas.microsoft.com/office/drawing/2010/main">
-                <a:solidFill>
-                  <a:srgbClr val="FFFFFF"/>
-                </a:solidFill>
-              </a14:hiddenFill>
-            </a:ext>
-            <a:ext uri="{91240B29-F687-4f45-9708-019B960494DF}">
-              <a14:hiddenLine xmlns:a14="http://schemas.microsoft.com/office/drawing/2010/main" w="9525">
-                <a:solidFill>
-                  <a:srgbClr val="000000"/>
-                </a:solidFill>
-                <a:miter lim="800000"/>
-                <a:headEnd/>
-                <a:tailEnd/>
-              </a14:hiddenLine>
-            </a:ext>
-          </a:extLst>
-        </p:spPr>
-        <p:txBody>
-          <a:bodyPr/>
-          <a:lstStyle>
-            <a:lvl1pPr>
-              <a:defRPr sz="1200">
-                <a:solidFill>
-                  <a:schemeClr val="tx1"/>
-                </a:solidFill>
-                <a:latin typeface="Arial" charset="0"/>
-                <a:ea typeface="ＭＳ Ｐゴシック" charset="0"/>
-                <a:cs typeface="Arial" charset="0"/>
-              </a:defRPr>
-            </a:lvl1pPr>
-            <a:lvl2pPr marL="742950" indent="-285750">
-              <a:defRPr sz="1200">
-                <a:solidFill>
-                  <a:schemeClr val="tx1"/>
-                </a:solidFill>
-                <a:latin typeface="Arial" charset="0"/>
-                <a:ea typeface="Arial" charset="0"/>
-                <a:cs typeface="Arial" charset="0"/>
-              </a:defRPr>
-            </a:lvl2pPr>
-            <a:lvl3pPr marL="1143000" indent="-228600">
-              <a:defRPr sz="1200">
-                <a:solidFill>
-                  <a:schemeClr val="tx1"/>
-                </a:solidFill>
-                <a:latin typeface="Arial" charset="0"/>
-                <a:ea typeface="Arial" charset="0"/>
-                <a:cs typeface="Arial" charset="0"/>
-              </a:defRPr>
-            </a:lvl3pPr>
-            <a:lvl4pPr marL="1600200" indent="-228600">
-              <a:defRPr sz="1200">
-                <a:solidFill>
-                  <a:schemeClr val="tx1"/>
-                </a:solidFill>
-                <a:latin typeface="Arial" charset="0"/>
-                <a:ea typeface="Arial" charset="0"/>
-                <a:cs typeface="Arial" charset="0"/>
-              </a:defRPr>
-            </a:lvl4pPr>
-            <a:lvl5pPr marL="2057400" indent="-228600">
-              <a:defRPr sz="1200">
-                <a:solidFill>
-                  <a:schemeClr val="tx1"/>
-                </a:solidFill>
-                <a:latin typeface="Arial" charset="0"/>
-                <a:ea typeface="Arial" charset="0"/>
-                <a:cs typeface="Arial" charset="0"/>
-              </a:defRPr>
-            </a:lvl5pPr>
-            <a:lvl6pPr marL="2514600" indent="-228600" eaLnBrk="0" fontAlgn="base" hangingPunct="0">
-              <a:spcBef>
-                <a:spcPct val="30000"/>
-              </a:spcBef>
-              <a:spcAft>
-                <a:spcPct val="0"/>
-              </a:spcAft>
-              <a:defRPr sz="1200">
-                <a:solidFill>
-                  <a:schemeClr val="tx1"/>
-                </a:solidFill>
-                <a:latin typeface="Arial" charset="0"/>
-                <a:ea typeface="Arial" charset="0"/>
-                <a:cs typeface="Arial" charset="0"/>
-              </a:defRPr>
-            </a:lvl6pPr>
-            <a:lvl7pPr marL="2971800" indent="-228600" eaLnBrk="0" fontAlgn="base" hangingPunct="0">
-              <a:spcBef>
-                <a:spcPct val="30000"/>
-              </a:spcBef>
-              <a:spcAft>
-                <a:spcPct val="0"/>
-              </a:spcAft>
-              <a:defRPr sz="1200">
-                <a:solidFill>
-                  <a:schemeClr val="tx1"/>
-                </a:solidFill>
-                <a:latin typeface="Arial" charset="0"/>
-                <a:ea typeface="Arial" charset="0"/>
-                <a:cs typeface="Arial" charset="0"/>
-              </a:defRPr>
-            </a:lvl7pPr>
-            <a:lvl8pPr marL="3429000" indent="-228600" eaLnBrk="0" fontAlgn="base" hangingPunct="0">
-              <a:spcBef>
-                <a:spcPct val="30000"/>
-              </a:spcBef>
-              <a:spcAft>
-                <a:spcPct val="0"/>
-              </a:spcAft>
-              <a:defRPr sz="1200">
-                <a:solidFill>
-                  <a:schemeClr val="tx1"/>
-                </a:solidFill>
-                <a:latin typeface="Arial" charset="0"/>
-                <a:ea typeface="Arial" charset="0"/>
-                <a:cs typeface="Arial" charset="0"/>
-              </a:defRPr>
-            </a:lvl8pPr>
-            <a:lvl9pPr marL="3886200" indent="-228600" eaLnBrk="0" fontAlgn="base" hangingPunct="0">
-              <a:spcBef>
-                <a:spcPct val="30000"/>
-              </a:spcBef>
-              <a:spcAft>
-                <a:spcPct val="0"/>
-              </a:spcAft>
-              <a:defRPr sz="1200">
-                <a:solidFill>
-                  <a:schemeClr val="tx1"/>
-                </a:solidFill>
-                <a:latin typeface="Arial" charset="0"/>
-                <a:ea typeface="Arial" charset="0"/>
-                <a:cs typeface="Arial" charset="0"/>
-              </a:defRPr>
-            </a:lvl9pPr>
-          </a:lstStyle>
-          <a:p>
-            <a:fld id="{6C7810D5-8CF0-3B4E-9A81-BEE0B14EC7EB}" type="slidenum">
-              <a:rPr lang="en-US"/>
-              <a:pPr/>
-              <a:t>22</a:t>
-            </a:fld>
-            <a:endParaRPr lang="en-US"/>
-          </a:p>
-        </p:txBody>
-      </p:sp>
-      <p:sp>
-        <p:nvSpPr>
-          <p:cNvPr id="22533" name="Rectangle 2"/>
-          <p:cNvSpPr>
-            <a:spLocks noGrp="1" noRot="1" noChangeAspect="1" noChangeArrowheads="1" noTextEdit="1"/>
-          </p:cNvSpPr>
-          <p:nvPr>
-            <p:ph type="sldImg"/>
-          </p:nvPr>
-        </p:nvSpPr>
-        <p:spPr>
-          <a:xfrm>
-            <a:off x="2857500" y="514350"/>
-            <a:ext cx="3430588" cy="2571750"/>
-          </a:xfrm>
-          <a:solidFill>
-            <a:srgbClr val="FFFFFF"/>
-          </a:solidFill>
-          <a:ln/>
-        </p:spPr>
-      </p:sp>
-      <p:sp>
-        <p:nvSpPr>
-          <p:cNvPr id="22534" name="Rectangle 3"/>
-          <p:cNvSpPr>
-            <a:spLocks noGrp="1" noChangeArrowheads="1"/>
-          </p:cNvSpPr>
-          <p:nvPr>
-            <p:ph type="body" idx="1"/>
-          </p:nvPr>
-        </p:nvSpPr>
-        <p:spPr>
-          <a:xfrm>
-            <a:off x="1220788" y="3257550"/>
-            <a:ext cx="6702425" cy="3086100"/>
-          </a:xfrm>
-          <a:solidFill>
-            <a:srgbClr val="FFFFFF"/>
-          </a:solidFill>
-          <a:ln>
-            <a:solidFill>
-              <a:srgbClr val="000000"/>
-            </a:solidFill>
-          </a:ln>
-          <a:extLst>
-            <a:ext uri="{FAA26D3D-D897-4be2-8F04-BA451C77F1D7}">
-              <ma14:placeholderFlag xmlns:ma14="http://schemas.microsoft.com/office/mac/drawingml/2011/main" val="1"/>
-            </a:ext>
-          </a:extLst>
-        </p:spPr>
-        <p:txBody>
-          <a:bodyPr lIns="91588" tIns="45794" rIns="91588" bIns="45794"/>
           <a:lstStyle/>
           <a:p>
             <a:endParaRPr lang="en-US"/>
@@ -6984,7 +5283,7 @@
             <a:fld id="{EB82A0D3-13C8-634E-BD95-1D9CFB393177}" type="datetime1">
               <a:rPr lang="en-US"/>
               <a:pPr/>
-              <a:t>9/9/15</a:t>
+              <a:t>9/13/15</a:t>
             </a:fld>
             <a:endParaRPr lang="en-US"/>
           </a:p>
@@ -7181,7 +5480,7 @@
             <a:fld id="{3D3D8A3D-B6F5-2D45-BBC4-8369847A283B}" type="datetime1">
               <a:rPr lang="en-US"/>
               <a:pPr/>
-              <a:t>9/9/15</a:t>
+              <a:t>9/13/15</a:t>
             </a:fld>
             <a:endParaRPr lang="en-US"/>
           </a:p>
@@ -7387,7 +5686,7 @@
             <a:fld id="{733A2E38-192D-FB4F-96AF-9F56081D55A3}" type="datetime1">
               <a:rPr lang="en-US"/>
               <a:pPr/>
-              <a:t>9/9/15</a:t>
+              <a:t>9/13/15</a:t>
             </a:fld>
             <a:endParaRPr lang="en-US"/>
           </a:p>
@@ -7650,7 +5949,7 @@
             <a:fld id="{D6D8DC0E-F6BF-A44E-BF7E-AC044278C0F4}" type="datetime1">
               <a:rPr lang="en-US"/>
               <a:pPr/>
-              <a:t>9/9/15</a:t>
+              <a:t>9/13/15</a:t>
             </a:fld>
             <a:endParaRPr lang="en-US"/>
           </a:p>
@@ -7913,7 +6212,7 @@
             <a:fld id="{71BA0D76-4F51-2D40-8519-85D2E0F0B190}" type="datetime1">
               <a:rPr lang="en-US"/>
               <a:pPr/>
-              <a:t>9/9/15</a:t>
+              <a:t>9/13/15</a:t>
             </a:fld>
             <a:endParaRPr lang="en-US"/>
           </a:p>
@@ -8109,7 +6408,7 @@
             <a:fld id="{D449A2BF-6E72-6A48-B240-A998196C7AF8}" type="datetime1">
               <a:rPr lang="en-US"/>
               <a:pPr/>
-              <a:t>9/9/15</a:t>
+              <a:t>9/13/15</a:t>
             </a:fld>
             <a:endParaRPr lang="en-US"/>
           </a:p>
@@ -8327,7 +6626,7 @@
             <a:fld id="{9B953C9C-5CA9-3B48-8CAE-F3DBCC5C914F}" type="datetime1">
               <a:rPr lang="en-US"/>
               <a:pPr/>
-              <a:t>9/9/15</a:t>
+              <a:t>9/13/15</a:t>
             </a:fld>
             <a:endParaRPr lang="en-US"/>
           </a:p>
@@ -8641,7 +6940,7 @@
             <a:fld id="{65618229-99C2-A542-BD39-DAC1D7ECB8B8}" type="datetime1">
               <a:rPr lang="en-US"/>
               <a:pPr/>
-              <a:t>9/9/15</a:t>
+              <a:t>9/13/15</a:t>
             </a:fld>
             <a:endParaRPr lang="en-US"/>
           </a:p>
@@ -9094,7 +7393,7 @@
             <a:fld id="{FB7A9F6D-23F1-8C43-A548-318D0B8F99DC}" type="datetime1">
               <a:rPr lang="en-US"/>
               <a:pPr/>
-              <a:t>9/9/15</a:t>
+              <a:t>9/13/15</a:t>
             </a:fld>
             <a:endParaRPr lang="en-US"/>
           </a:p>
@@ -9238,7 +7537,7 @@
             <a:fld id="{8A16DFEC-C4D7-894D-9104-5E0548057E1C}" type="datetime1">
               <a:rPr lang="en-US"/>
               <a:pPr/>
-              <a:t>9/9/15</a:t>
+              <a:t>9/13/15</a:t>
             </a:fld>
             <a:endParaRPr lang="en-US"/>
           </a:p>
@@ -9359,7 +7658,7 @@
             <a:fld id="{B86A42DB-00DC-EB41-8A70-1FC9718E4D13}" type="datetime1">
               <a:rPr lang="en-US"/>
               <a:pPr/>
-              <a:t>9/9/15</a:t>
+              <a:t>9/13/15</a:t>
             </a:fld>
             <a:endParaRPr lang="en-US"/>
           </a:p>
@@ -9662,7 +7961,7 @@
             <a:fld id="{48D8BB0F-2F49-8D45-8136-121E1839066D}" type="datetime1">
               <a:rPr lang="en-US"/>
               <a:pPr/>
-              <a:t>9/9/15</a:t>
+              <a:t>9/13/15</a:t>
             </a:fld>
             <a:endParaRPr lang="en-US"/>
           </a:p>
@@ -9942,7 +8241,7 @@
             <a:fld id="{4D66051E-FE04-9040-AA3F-B175AD001C35}" type="datetime1">
               <a:rPr lang="en-US"/>
               <a:pPr/>
-              <a:t>9/9/15</a:t>
+              <a:t>9/13/15</a:t>
             </a:fld>
             <a:endParaRPr lang="en-US"/>
           </a:p>
@@ -10241,7 +8540,7 @@
             <a:fld id="{38F41A52-A2AA-BB44-B810-62BC5136F899}" type="datetime1">
               <a:rPr lang="en-US"/>
               <a:pPr/>
-              <a:t>9/9/15</a:t>
+              <a:t>9/13/15</a:t>
             </a:fld>
             <a:endParaRPr lang="en-US"/>
           </a:p>
@@ -11075,26 +9374,14 @@
               <a:buNone/>
             </a:pPr>
             <a:r>
-              <a:rPr lang="en-US" dirty="0">
-                <a:latin typeface="Arial" charset="0"/>
-              </a:rPr>
-              <a:t>Assembly basics</a:t>
-            </a:r>
-          </a:p>
-          <a:p>
-            <a:pPr algn="ctr" eaLnBrk="1" hangingPunct="1">
-              <a:lnSpc>
-                <a:spcPct val="90000"/>
-              </a:lnSpc>
-              <a:buFont typeface="Wingdings" charset="0"/>
-              <a:buNone/>
-            </a:pPr>
-            <a:r>
-              <a:rPr lang="en-US" dirty="0">
-                <a:latin typeface="Arial" charset="0"/>
-              </a:rPr>
-              <a:t>Data transfer instructions</a:t>
-            </a:r>
+              <a:rPr lang="en-US" dirty="0" smtClean="0">
+                <a:latin typeface="Arial" charset="0"/>
+              </a:rPr>
+              <a:t>x86 intro</a:t>
+            </a:r>
+            <a:endParaRPr lang="en-US" dirty="0">
+              <a:latin typeface="Arial" charset="0"/>
+            </a:endParaRPr>
           </a:p>
         </p:txBody>
       </p:sp>
@@ -11573,7 +9860,7 @@
                 <a:latin typeface="Garamond" charset="0"/>
               </a:rPr>
               <a:pPr eaLnBrk="1" hangingPunct="1"/>
-              <a:t>9/9/15</a:t>
+              <a:t>9/13/15</a:t>
             </a:fld>
             <a:endParaRPr lang="en-US">
               <a:latin typeface="Garamond" charset="0"/>
@@ -12083,7 +10370,7 @@
                 <a:latin typeface="Garamond" charset="0"/>
               </a:rPr>
               <a:pPr eaLnBrk="1" hangingPunct="1"/>
-              <a:t>9/9/15</a:t>
+              <a:t>9/13/15</a:t>
             </a:fld>
             <a:endParaRPr lang="en-US">
               <a:latin typeface="Garamond" charset="0"/>
@@ -12603,7 +10890,7 @@
                 <a:latin typeface="Garamond" charset="0"/>
               </a:rPr>
               <a:pPr eaLnBrk="1" hangingPunct="1"/>
-              <a:t>9/9/15</a:t>
+              <a:t>9/13/15</a:t>
             </a:fld>
             <a:endParaRPr lang="en-US">
               <a:latin typeface="Garamond" charset="0"/>
@@ -13125,7 +11412,7 @@
                 <a:latin typeface="Garamond" charset="0"/>
               </a:rPr>
               <a:pPr eaLnBrk="1" hangingPunct="1"/>
-              <a:t>9/9/15</a:t>
+              <a:t>9/13/15</a:t>
             </a:fld>
             <a:endParaRPr lang="en-US">
               <a:latin typeface="Garamond" charset="0"/>
@@ -13715,7 +12002,7 @@
                 <a:latin typeface="Garamond" charset="0"/>
               </a:rPr>
               <a:pPr eaLnBrk="1" hangingPunct="1"/>
-              <a:t>9/9/15</a:t>
+              <a:t>9/13/15</a:t>
             </a:fld>
             <a:endParaRPr lang="en-US">
               <a:latin typeface="Garamond" charset="0"/>
@@ -14235,7 +12522,7 @@
                 <a:latin typeface="Garamond" charset="0"/>
               </a:rPr>
               <a:pPr eaLnBrk="1" hangingPunct="1"/>
-              <a:t>9/9/15</a:t>
+              <a:t>9/13/15</a:t>
             </a:fld>
             <a:endParaRPr lang="en-US">
               <a:latin typeface="Garamond" charset="0"/>
@@ -14659,7 +12946,7 @@
                 <a:latin typeface="Garamond" charset="0"/>
               </a:rPr>
               <a:pPr eaLnBrk="1" hangingPunct="1"/>
-              <a:t>9/9/15</a:t>
+              <a:t>9/13/15</a:t>
             </a:fld>
             <a:endParaRPr lang="en-US">
               <a:latin typeface="Garamond" charset="0"/>
@@ -15288,7 +13575,7 @@
                 <a:latin typeface="Garamond" charset="0"/>
               </a:rPr>
               <a:pPr eaLnBrk="1" hangingPunct="1"/>
-              <a:t>9/9/15</a:t>
+              <a:t>9/13/15</a:t>
             </a:fld>
             <a:endParaRPr lang="en-US">
               <a:latin typeface="Garamond" charset="0"/>
@@ -15852,7 +14139,7 @@
                 <a:latin typeface="Garamond" charset="0"/>
               </a:rPr>
               <a:pPr eaLnBrk="1" hangingPunct="1"/>
-              <a:t>9/9/15</a:t>
+              <a:t>9/13/15</a:t>
             </a:fld>
             <a:endParaRPr lang="en-US">
               <a:latin typeface="Garamond" charset="0"/>
@@ -16450,7 +14737,7 @@
                 <a:latin typeface="Garamond" charset="0"/>
               </a:rPr>
               <a:pPr eaLnBrk="1" hangingPunct="1"/>
-              <a:t>9/9/15</a:t>
+              <a:t>9/13/15</a:t>
             </a:fld>
             <a:endParaRPr lang="en-US">
               <a:latin typeface="Garamond" charset="0"/>
@@ -16697,7 +14984,7 @@
         <p:spPr/>
         <p:txBody>
           <a:bodyPr>
-            <a:normAutofit fontScale="92500" lnSpcReduction="20000"/>
+            <a:normAutofit lnSpcReduction="10000"/>
           </a:bodyPr>
           <a:lstStyle/>
           <a:p>
@@ -16723,13 +15010,13 @@
               <a:rPr lang="en-US" dirty="0">
                 <a:latin typeface="Arial" charset="0"/>
               </a:rPr>
-              <a:t>HW 1 to be posted; due </a:t>
+              <a:t>HW 1 to be posted; </a:t>
             </a:r>
             <a:r>
               <a:rPr lang="en-US" dirty="0" smtClean="0">
                 <a:latin typeface="Arial" charset="0"/>
               </a:rPr>
-              <a:t>9/18</a:t>
+              <a:t>due 2:00 PM, 9/18</a:t>
             </a:r>
             <a:endParaRPr lang="en-US" dirty="0">
               <a:latin typeface="Arial" charset="0"/>
@@ -16810,26 +15097,17 @@
               <a:rPr lang="en-US" dirty="0">
                 <a:latin typeface="Arial" charset="0"/>
               </a:rPr>
-              <a:t>memory accesses</a:t>
-            </a:r>
-          </a:p>
-          <a:p>
-            <a:pPr lvl="1"/>
-            <a:r>
-              <a:rPr lang="en-US" dirty="0">
-                <a:latin typeface="Arial" charset="0"/>
-              </a:rPr>
-              <a:t>Assembly basics</a:t>
-            </a:r>
-          </a:p>
-          <a:p>
-            <a:pPr lvl="1"/>
-            <a:r>
-              <a:rPr lang="en-US" dirty="0">
-                <a:latin typeface="Arial" charset="0"/>
-              </a:rPr>
-              <a:t>Data transfer instructions</a:t>
-            </a:r>
+              <a:t>memory </a:t>
+            </a:r>
+            <a:r>
+              <a:rPr lang="en-US" dirty="0" smtClean="0">
+                <a:latin typeface="Arial" charset="0"/>
+              </a:rPr>
+              <a:t>accesses</a:t>
+            </a:r>
+            <a:endParaRPr lang="en-US" dirty="0">
+              <a:latin typeface="Arial" charset="0"/>
+            </a:endParaRPr>
           </a:p>
         </p:txBody>
       </p:sp>
@@ -16969,7 +15247,7 @@
                 <a:latin typeface="Garamond" charset="0"/>
               </a:rPr>
               <a:pPr eaLnBrk="1" hangingPunct="1"/>
-              <a:t>9/9/15</a:t>
+              <a:t>9/13/15</a:t>
             </a:fld>
             <a:endParaRPr lang="en-US">
               <a:latin typeface="Garamond" charset="0"/>
@@ -17370,7 +15648,7 @@
                   <a:srgbClr val="FF0000"/>
                 </a:solidFill>
               </a:rPr>
-              <a:t>		= 00000200h + 00006000h</a:t>
+              <a:t>		= 00000200h + 00000600h</a:t>
             </a:r>
           </a:p>
           <a:p>
@@ -17592,7 +15870,7 @@
                 <a:latin typeface="Garamond" charset="0"/>
               </a:rPr>
               <a:pPr eaLnBrk="1" hangingPunct="1"/>
-              <a:t>9/9/15</a:t>
+              <a:t>9/13/15</a:t>
             </a:fld>
             <a:endParaRPr lang="en-US">
               <a:latin typeface="Garamond" charset="0"/>
@@ -17804,7 +16082,7 @@
       </p:grpSpPr>
       <p:sp>
         <p:nvSpPr>
-          <p:cNvPr id="10242" name="Title 12"/>
+          <p:cNvPr id="19458" name="Title 1"/>
           <p:cNvSpPr>
             <a:spLocks noGrp="1"/>
           </p:cNvSpPr>
@@ -17821,22 +16099,14 @@
               <a:rPr lang="en-US">
                 <a:latin typeface="Garamond" charset="0"/>
               </a:rPr>
-              <a:t>Instruction Assembly Notation</a:t>
-            </a:r>
-            <a:br>
-              <a:rPr lang="en-US">
-                <a:latin typeface="Garamond" charset="0"/>
-              </a:rPr>
-            </a:br>
-            <a:endParaRPr lang="en-US">
-              <a:latin typeface="Garamond" charset="0"/>
-            </a:endParaRPr>
-          </a:p>
-        </p:txBody>
-      </p:sp>
-      <p:sp>
-        <p:nvSpPr>
-          <p:cNvPr id="14" name="Content Placeholder 13"/>
+              <a:t>Final notes</a:t>
+            </a:r>
+          </a:p>
+        </p:txBody>
+      </p:sp>
+      <p:sp>
+        <p:nvSpPr>
+          <p:cNvPr id="19459" name="Content Placeholder 2"/>
           <p:cNvSpPr>
             <a:spLocks noGrp="1"/>
           </p:cNvSpPr>
@@ -17846,142 +16116,89 @@
         </p:nvSpPr>
         <p:spPr/>
         <p:txBody>
-          <a:bodyPr>
-            <a:normAutofit/>
-          </a:bodyPr>
+          <a:bodyPr/>
           <a:lstStyle/>
           <a:p>
-            <a:pPr>
-              <a:lnSpc>
-                <a:spcPct val="80000"/>
-              </a:lnSpc>
-            </a:pPr>
-            <a:r>
-              <a:rPr lang="en-US" sz="2800">
-                <a:latin typeface="Arial" charset="0"/>
-              </a:rPr>
-              <a:t>Each instruction is represented by a mnemonic that describes its operation—called its operation code (opcode)</a:t>
-            </a:r>
-          </a:p>
-          <a:p>
-            <a:pPr lvl="1">
-              <a:lnSpc>
-                <a:spcPct val="80000"/>
-              </a:lnSpc>
-            </a:pPr>
-            <a:r>
-              <a:rPr lang="en-US" sz="2400">
-                <a:latin typeface="Arial" charset="0"/>
-              </a:rPr>
-              <a:t>MOV  = move (data transfer)</a:t>
-            </a:r>
-          </a:p>
-          <a:p>
-            <a:pPr lvl="1">
-              <a:lnSpc>
-                <a:spcPct val="80000"/>
-              </a:lnSpc>
-            </a:pPr>
-            <a:r>
-              <a:rPr lang="en-US" sz="2400">
-                <a:latin typeface="Arial" charset="0"/>
-              </a:rPr>
-              <a:t>ADD = add (arithmetic)</a:t>
-            </a:r>
-          </a:p>
-          <a:p>
-            <a:pPr lvl="1">
-              <a:lnSpc>
-                <a:spcPct val="80000"/>
-              </a:lnSpc>
-            </a:pPr>
-            <a:r>
-              <a:rPr lang="en-US" sz="2400">
-                <a:latin typeface="Arial" charset="0"/>
-              </a:rPr>
-              <a:t>AND = logical AND (logic)</a:t>
-            </a:r>
-          </a:p>
-          <a:p>
-            <a:pPr lvl="1">
-              <a:lnSpc>
-                <a:spcPct val="80000"/>
-              </a:lnSpc>
-            </a:pPr>
-            <a:r>
-              <a:rPr lang="en-US" sz="2400">
-                <a:latin typeface="Arial" charset="0"/>
-              </a:rPr>
-              <a:t>JMP = unconditional jump (control transfer)</a:t>
-            </a:r>
-          </a:p>
-          <a:p>
-            <a:pPr>
-              <a:lnSpc>
-                <a:spcPct val="80000"/>
-              </a:lnSpc>
-            </a:pPr>
-            <a:r>
-              <a:rPr lang="en-US" sz="2800">
-                <a:latin typeface="Arial" charset="0"/>
-              </a:rPr>
-              <a:t>Operands are the other parts of an assembly language instructions</a:t>
-            </a:r>
-          </a:p>
-          <a:p>
-            <a:pPr lvl="2">
-              <a:lnSpc>
-                <a:spcPct val="80000"/>
-              </a:lnSpc>
-            </a:pPr>
-            <a:r>
-              <a:rPr lang="en-US" sz="2000">
-                <a:latin typeface="Arial" charset="0"/>
-              </a:rPr>
-              <a:t>Identify whether the elements of data to be processed are in registers or memory </a:t>
-            </a:r>
-          </a:p>
-          <a:p>
-            <a:pPr lvl="3">
-              <a:lnSpc>
-                <a:spcPct val="80000"/>
-              </a:lnSpc>
-            </a:pPr>
-            <a:r>
-              <a:rPr lang="en-US" sz="1900">
-                <a:latin typeface="Arial" charset="0"/>
-              </a:rPr>
-              <a:t>Source operand– location of one operand to be processed</a:t>
-            </a:r>
-          </a:p>
-          <a:p>
-            <a:pPr lvl="3">
-              <a:lnSpc>
-                <a:spcPct val="80000"/>
-              </a:lnSpc>
-            </a:pPr>
-            <a:r>
-              <a:rPr lang="en-US" sz="1900">
-                <a:latin typeface="Arial" charset="0"/>
-              </a:rPr>
-              <a:t>Destination operand—location of the other operand to be processed and the location of the result</a:t>
-            </a:r>
-          </a:p>
-          <a:p>
-            <a:pPr>
-              <a:lnSpc>
-                <a:spcPct val="80000"/>
-              </a:lnSpc>
-            </a:pPr>
-            <a:endParaRPr lang="en-US" sz="2800">
+            <a:r>
+              <a:rPr lang="en-US" dirty="0">
+                <a:latin typeface="Arial" charset="0"/>
+              </a:rPr>
+              <a:t>Next time:</a:t>
+            </a:r>
+          </a:p>
+          <a:p>
+            <a:pPr lvl="1"/>
+            <a:r>
+              <a:rPr lang="en-US" dirty="0" smtClean="0">
+                <a:latin typeface="Arial" charset="0"/>
+              </a:rPr>
+              <a:t>Assembly basics</a:t>
+            </a:r>
+          </a:p>
+          <a:p>
+            <a:pPr lvl="1"/>
+            <a:r>
+              <a:rPr lang="en-US" dirty="0" smtClean="0">
+                <a:latin typeface="Arial" charset="0"/>
+              </a:rPr>
+              <a:t>Data transfer instructions</a:t>
+            </a:r>
+            <a:endParaRPr lang="en-US" dirty="0">
               <a:latin typeface="Arial" charset="0"/>
             </a:endParaRPr>
           </a:p>
-        </p:txBody>
-      </p:sp>
-      <p:sp>
-        <p:nvSpPr>
-          <p:cNvPr id="2" name="Date Placeholder 1"/>
+          <a:p>
+            <a:r>
+              <a:rPr lang="en-US" dirty="0" smtClean="0">
+                <a:latin typeface="Arial" charset="0"/>
+              </a:rPr>
+              <a:t>Reminders</a:t>
+            </a:r>
+            <a:r>
+              <a:rPr lang="en-US" dirty="0">
+                <a:latin typeface="Arial" charset="0"/>
+              </a:rPr>
+              <a:t>:</a:t>
+            </a:r>
+          </a:p>
+          <a:p>
+            <a:pPr lvl="1"/>
+            <a:r>
+              <a:rPr lang="en-US" dirty="0">
+                <a:latin typeface="Arial" charset="0"/>
+              </a:rPr>
+              <a:t>Sign up for the course discussion group on Piazza</a:t>
+            </a:r>
+          </a:p>
+          <a:p>
+            <a:pPr lvl="1"/>
+            <a:r>
+              <a:rPr lang="en-US" dirty="0">
+                <a:latin typeface="Arial" charset="0"/>
+              </a:rPr>
+              <a:t>HW 1 to be posted; </a:t>
+            </a:r>
+            <a:r>
+              <a:rPr lang="en-US" dirty="0" smtClean="0">
+                <a:latin typeface="Arial" charset="0"/>
+              </a:rPr>
+              <a:t>due 2:00 PM, 9/18</a:t>
+            </a:r>
+            <a:endParaRPr lang="en-US" dirty="0">
+              <a:latin typeface="Arial" charset="0"/>
+            </a:endParaRPr>
+          </a:p>
+          <a:p>
+            <a:pPr lvl="1"/>
+            <a:endParaRPr lang="en-US" dirty="0">
+              <a:latin typeface="Arial" charset="0"/>
+            </a:endParaRPr>
+          </a:p>
+        </p:txBody>
+      </p:sp>
+      <p:sp>
+        <p:nvSpPr>
+          <p:cNvPr id="4" name="Date Placeholder 3"/>
           <p:cNvSpPr>
             <a:spLocks noGrp="1"/>
           </p:cNvSpPr>
@@ -18110,12 +16327,12 @@
           </a:lstStyle>
           <a:p>
             <a:pPr eaLnBrk="1" hangingPunct="1"/>
-            <a:fld id="{B0D787D5-D9A3-204F-A9C6-D476A7BA43D8}" type="datetime1">
+            <a:fld id="{FC7C85E8-0885-5B47-BA49-51A242E24168}" type="datetime1">
               <a:rPr lang="en-US">
                 <a:latin typeface="Garamond" charset="0"/>
               </a:rPr>
               <a:pPr eaLnBrk="1" hangingPunct="1"/>
-              <a:t>9/9/15</a:t>
+              <a:t>9/13/15</a:t>
             </a:fld>
             <a:endParaRPr lang="en-US">
               <a:latin typeface="Garamond" charset="0"/>
@@ -18142,7 +16359,7 @@
               <a:defRPr/>
             </a:pPr>
             <a:r>
-              <a:rPr lang="en-US"/>
+              <a:rPr lang="en-US" altLang="en-US"/>
               <a:t>Microprocessors I:  Lecture 4</a:t>
             </a:r>
           </a:p>
@@ -18279,7 +16496,7 @@
           </a:lstStyle>
           <a:p>
             <a:pPr eaLnBrk="1" hangingPunct="1"/>
-            <a:fld id="{C56AC05B-0803-B24D-BC06-09A5447FBCAB}" type="slidenum">
+            <a:fld id="{7318A6F9-97BD-0640-AE56-DA2FF8060FFA}" type="slidenum">
               <a:rPr lang="en-US">
                 <a:latin typeface="Garamond" charset="0"/>
               </a:rPr>
@@ -18292,4479 +16509,11 @@
           </a:p>
         </p:txBody>
       </p:sp>
-      <p:sp>
-        <p:nvSpPr>
-          <p:cNvPr id="10247" name="Rectangle 1028"/>
-          <p:cNvSpPr>
-            <a:spLocks noChangeArrowheads="1"/>
-          </p:cNvSpPr>
-          <p:nvPr/>
-        </p:nvSpPr>
-        <p:spPr bwMode="auto">
-          <a:xfrm>
-            <a:off x="1295400" y="381000"/>
-            <a:ext cx="6781800" cy="990600"/>
-          </a:xfrm>
-          <a:prstGeom prst="rect">
-            <a:avLst/>
-          </a:prstGeom>
-          <a:noFill/>
-          <a:ln>
-            <a:noFill/>
-          </a:ln>
-          <a:effectLst/>
-          <a:extLst>
-            <a:ext uri="{909E8E84-426E-40dd-AFC4-6F175D3DCCD1}">
-              <a14:hiddenFill xmlns:a14="http://schemas.microsoft.com/office/drawing/2010/main">
-                <a:solidFill>
-                  <a:schemeClr val="accent1"/>
-                </a:solidFill>
-              </a14:hiddenFill>
-            </a:ext>
-            <a:ext uri="{91240B29-F687-4f45-9708-019B960494DF}">
-              <a14:hiddenLine xmlns:a14="http://schemas.microsoft.com/office/drawing/2010/main" w="9525">
-                <a:solidFill>
-                  <a:schemeClr val="tx1"/>
-                </a:solidFill>
-                <a:miter lim="800000"/>
-                <a:headEnd/>
-                <a:tailEnd/>
-              </a14:hiddenLine>
-            </a:ext>
-            <a:ext uri="{AF507438-7753-43e0-B8FC-AC1667EBCBE1}">
-              <a14:hiddenEffects xmlns:a14="http://schemas.microsoft.com/office/drawing/2010/main">
-                <a:effectLst>
-                  <a:outerShdw blurRad="63500" dist="38099" dir="2700000" algn="ctr" rotWithShape="0">
-                    <a:schemeClr val="bg2">
-                      <a:alpha val="74998"/>
-                    </a:schemeClr>
-                  </a:outerShdw>
-                </a:effectLst>
-              </a14:hiddenEffects>
-            </a:ext>
-          </a:extLst>
-        </p:spPr>
-        <p:txBody>
-          <a:bodyPr anchor="b"/>
-          <a:lstStyle/>
-          <a:p>
-            <a:endParaRPr lang="en-US" sz="3600">
-              <a:solidFill>
-                <a:schemeClr val="folHlink"/>
-              </a:solidFill>
-            </a:endParaRPr>
-          </a:p>
-        </p:txBody>
-      </p:sp>
     </p:spTree>
   </p:cSld>
   <p:clrMapOvr>
     <a:masterClrMapping/>
   </p:clrMapOvr>
-  <p:timing>
-    <p:tnLst>
-      <p:par>
-        <p:cTn xmlns:p14="http://schemas.microsoft.com/office/powerpoint/2010/main" id="1" dur="indefinite" restart="never" nodeType="tmRoot"/>
-      </p:par>
-    </p:tnLst>
-  </p:timing>
-</p:sld>
-</file>
-
-<file path=ppt/slides/slide22.xml><?xml version="1.0" encoding="utf-8"?>
-<p:sld xmlns:a="http://schemas.openxmlformats.org/drawingml/2006/main" xmlns:r="http://schemas.openxmlformats.org/officeDocument/2006/relationships" xmlns:p="http://schemas.openxmlformats.org/presentationml/2006/main">
-  <p:cSld>
-    <p:spTree>
-      <p:nvGrpSpPr>
-        <p:cNvPr id="1" name=""/>
-        <p:cNvGrpSpPr/>
-        <p:nvPr/>
-      </p:nvGrpSpPr>
-      <p:grpSpPr>
-        <a:xfrm>
-          <a:off x="0" y="0"/>
-          <a:ext cx="0" cy="0"/>
-          <a:chOff x="0" y="0"/>
-          <a:chExt cx="0" cy="0"/>
-        </a:xfrm>
-      </p:grpSpPr>
-      <p:sp>
-        <p:nvSpPr>
-          <p:cNvPr id="34820" name="Rectangle 2"/>
-          <p:cNvSpPr>
-            <a:spLocks noGrp="1" noChangeArrowheads="1"/>
-          </p:cNvSpPr>
-          <p:nvPr>
-            <p:ph type="title"/>
-          </p:nvPr>
-        </p:nvSpPr>
-        <p:spPr/>
-        <p:txBody>
-          <a:bodyPr>
-            <a:normAutofit fontScale="90000"/>
-          </a:bodyPr>
-          <a:lstStyle/>
-          <a:p>
-            <a:pPr>
-              <a:defRPr/>
-            </a:pPr>
-            <a:r>
-              <a:rPr lang="en-US" dirty="0" smtClean="0">
-                <a:ea typeface="+mj-ea"/>
-              </a:rPr>
-              <a:t>Assembly Language Statements</a:t>
-            </a:r>
-          </a:p>
-        </p:txBody>
-      </p:sp>
-      <p:sp>
-        <p:nvSpPr>
-          <p:cNvPr id="11267" name="Rectangle 3"/>
-          <p:cNvSpPr>
-            <a:spLocks noGrp="1" noChangeArrowheads="1"/>
-          </p:cNvSpPr>
-          <p:nvPr>
-            <p:ph idx="1"/>
-          </p:nvPr>
-        </p:nvSpPr>
-        <p:spPr/>
-        <p:txBody>
-          <a:bodyPr/>
-          <a:lstStyle/>
-          <a:p>
-            <a:pPr>
-              <a:buSzPct val="150000"/>
-              <a:buFontTx/>
-              <a:buChar char="•"/>
-            </a:pPr>
-            <a:r>
-              <a:rPr lang="en-US">
-                <a:latin typeface="Arial" charset="0"/>
-              </a:rPr>
-              <a:t> </a:t>
-            </a:r>
-            <a:r>
-              <a:rPr lang="en-US" sz="2000">
-                <a:latin typeface="Arial" charset="0"/>
-              </a:rPr>
-              <a:t>General structure of an assembly language statement</a:t>
-            </a:r>
-          </a:p>
-          <a:p>
-            <a:pPr>
-              <a:buSzPct val="150000"/>
-              <a:buFontTx/>
-              <a:buNone/>
-            </a:pPr>
-            <a:r>
-              <a:rPr lang="en-US" sz="2000">
-                <a:latin typeface="Arial" charset="0"/>
-              </a:rPr>
-              <a:t>		</a:t>
-            </a:r>
-            <a:r>
-              <a:rPr lang="en-US" sz="2000" b="1">
-                <a:latin typeface="Courier New" charset="0"/>
-              </a:rPr>
-              <a:t>LABEL:    INSTRUCTION     ;COMMENT</a:t>
-            </a:r>
-          </a:p>
-          <a:p>
-            <a:pPr lvl="1">
-              <a:buSzPct val="150000"/>
-              <a:buFontTx/>
-              <a:buChar char="•"/>
-            </a:pPr>
-            <a:r>
-              <a:rPr lang="en-US" sz="1800">
-                <a:latin typeface="Arial" charset="0"/>
-              </a:rPr>
-              <a:t>Label—address identifier for the statement</a:t>
-            </a:r>
-          </a:p>
-          <a:p>
-            <a:pPr lvl="1">
-              <a:buSzPct val="150000"/>
-              <a:buFontTx/>
-              <a:buChar char="•"/>
-            </a:pPr>
-            <a:r>
-              <a:rPr lang="en-US" sz="1800">
-                <a:latin typeface="Arial" charset="0"/>
-              </a:rPr>
-              <a:t>Instruction—the operation to be performed</a:t>
-            </a:r>
-          </a:p>
-          <a:p>
-            <a:pPr lvl="1">
-              <a:buSzPct val="150000"/>
-              <a:buFontTx/>
-              <a:buChar char="•"/>
-            </a:pPr>
-            <a:r>
-              <a:rPr lang="en-US" sz="1800">
-                <a:latin typeface="Arial" charset="0"/>
-              </a:rPr>
-              <a:t>Comment—documents the purpose of the statement</a:t>
-            </a:r>
-          </a:p>
-          <a:p>
-            <a:pPr lvl="1">
-              <a:buSzPct val="150000"/>
-              <a:buFontTx/>
-              <a:buChar char="•"/>
-            </a:pPr>
-            <a:r>
-              <a:rPr lang="en-US" sz="1800">
-                <a:latin typeface="Arial" charset="0"/>
-              </a:rPr>
-              <a:t>Example:</a:t>
-            </a:r>
-          </a:p>
-          <a:p>
-            <a:pPr>
-              <a:buSzPct val="150000"/>
-              <a:buFontTx/>
-              <a:buNone/>
-            </a:pPr>
-            <a:r>
-              <a:rPr lang="en-US" sz="2000">
-                <a:latin typeface="Arial" charset="0"/>
-              </a:rPr>
-              <a:t>		</a:t>
-            </a:r>
-            <a:r>
-              <a:rPr lang="en-US" sz="2000" b="1">
-                <a:latin typeface="Courier New" charset="0"/>
-              </a:rPr>
-              <a:t>START:   MOV  AX, BX   ; Copy BX into AX</a:t>
-            </a:r>
-            <a:r>
-              <a:rPr lang="en-US" sz="2000">
-                <a:latin typeface="Arial" charset="0"/>
-              </a:rPr>
-              <a:t>  </a:t>
-            </a:r>
-          </a:p>
-          <a:p>
-            <a:pPr>
-              <a:buSzPct val="150000"/>
-              <a:buFontTx/>
-              <a:buChar char="•"/>
-            </a:pPr>
-            <a:r>
-              <a:rPr lang="en-US" sz="2000">
-                <a:latin typeface="Arial" charset="0"/>
-              </a:rPr>
-              <a:t>Other examples:</a:t>
-            </a:r>
-          </a:p>
-          <a:p>
-            <a:pPr lvl="1">
-              <a:buSzPct val="150000"/>
-              <a:buFontTx/>
-              <a:buNone/>
-            </a:pPr>
-            <a:r>
-              <a:rPr lang="en-US" sz="1800" b="1">
-                <a:latin typeface="Arial" charset="0"/>
-              </a:rPr>
-              <a:t>	   </a:t>
-            </a:r>
-            <a:r>
-              <a:rPr lang="en-US" sz="2000" b="1">
-                <a:latin typeface="Courier New" charset="0"/>
-              </a:rPr>
-              <a:t>INC SI    ;Update pointer</a:t>
-            </a:r>
-          </a:p>
-          <a:p>
-            <a:pPr>
-              <a:buSzPct val="150000"/>
-              <a:buFontTx/>
-              <a:buNone/>
-            </a:pPr>
-            <a:r>
-              <a:rPr lang="en-US" sz="2000" b="1">
-                <a:latin typeface="Courier New" charset="0"/>
-              </a:rPr>
-              <a:t>		ADD  AX, BX</a:t>
-            </a:r>
-          </a:p>
-          <a:p>
-            <a:pPr lvl="1">
-              <a:buSzPct val="150000"/>
-              <a:buFontTx/>
-              <a:buChar char="•"/>
-            </a:pPr>
-            <a:r>
-              <a:rPr lang="en-US" sz="1800">
-                <a:latin typeface="Arial" charset="0"/>
-              </a:rPr>
-              <a:t>Few instructions have a label—usually marks a jump to point</a:t>
-            </a:r>
-          </a:p>
-          <a:p>
-            <a:pPr lvl="1">
-              <a:buSzPct val="150000"/>
-              <a:buFontTx/>
-              <a:buChar char="•"/>
-            </a:pPr>
-            <a:r>
-              <a:rPr lang="en-US" sz="1800">
-                <a:latin typeface="Arial" charset="0"/>
-              </a:rPr>
-              <a:t>Not all instructions need a comment</a:t>
-            </a:r>
-          </a:p>
-        </p:txBody>
-      </p:sp>
-      <p:sp>
-        <p:nvSpPr>
-          <p:cNvPr id="2" name="Date Placeholder 1"/>
-          <p:cNvSpPr>
-            <a:spLocks noGrp="1"/>
-          </p:cNvSpPr>
-          <p:nvPr>
-            <p:ph type="dt" sz="quarter" idx="10"/>
-          </p:nvPr>
-        </p:nvSpPr>
-        <p:spPr/>
-        <p:txBody>
-          <a:bodyPr/>
-          <a:lstStyle>
-            <a:lvl1pPr eaLnBrk="0" hangingPunct="0">
-              <a:defRPr>
-                <a:solidFill>
-                  <a:schemeClr val="tx1"/>
-                </a:solidFill>
-                <a:latin typeface="Arial" charset="0"/>
-                <a:ea typeface="ＭＳ Ｐゴシック" charset="0"/>
-                <a:cs typeface="Arial" charset="0"/>
-              </a:defRPr>
-            </a:lvl1pPr>
-            <a:lvl2pPr marL="742950" indent="-285750" eaLnBrk="0" hangingPunct="0">
-              <a:defRPr>
-                <a:solidFill>
-                  <a:schemeClr val="tx1"/>
-                </a:solidFill>
-                <a:latin typeface="Arial" charset="0"/>
-                <a:ea typeface="Arial" charset="0"/>
-                <a:cs typeface="Arial" charset="0"/>
-              </a:defRPr>
-            </a:lvl2pPr>
-            <a:lvl3pPr marL="1143000" indent="-228600" eaLnBrk="0" hangingPunct="0">
-              <a:defRPr>
-                <a:solidFill>
-                  <a:schemeClr val="tx1"/>
-                </a:solidFill>
-                <a:latin typeface="Arial" charset="0"/>
-                <a:ea typeface="Arial" charset="0"/>
-                <a:cs typeface="Arial" charset="0"/>
-              </a:defRPr>
-            </a:lvl3pPr>
-            <a:lvl4pPr marL="1600200" indent="-228600" eaLnBrk="0" hangingPunct="0">
-              <a:defRPr>
-                <a:solidFill>
-                  <a:schemeClr val="tx1"/>
-                </a:solidFill>
-                <a:latin typeface="Arial" charset="0"/>
-                <a:ea typeface="Arial" charset="0"/>
-                <a:cs typeface="Arial" charset="0"/>
-              </a:defRPr>
-            </a:lvl4pPr>
-            <a:lvl5pPr marL="2057400" indent="-228600" eaLnBrk="0" hangingPunct="0">
-              <a:defRPr>
-                <a:solidFill>
-                  <a:schemeClr val="tx1"/>
-                </a:solidFill>
-                <a:latin typeface="Arial" charset="0"/>
-                <a:ea typeface="Arial" charset="0"/>
-                <a:cs typeface="Arial" charset="0"/>
-              </a:defRPr>
-            </a:lvl5pPr>
-            <a:lvl6pPr marL="2514600" indent="-228600" eaLnBrk="0" fontAlgn="base" hangingPunct="0">
-              <a:spcBef>
-                <a:spcPct val="0"/>
-              </a:spcBef>
-              <a:spcAft>
-                <a:spcPct val="0"/>
-              </a:spcAft>
-              <a:defRPr>
-                <a:solidFill>
-                  <a:schemeClr val="tx1"/>
-                </a:solidFill>
-                <a:latin typeface="Arial" charset="0"/>
-                <a:ea typeface="Arial" charset="0"/>
-                <a:cs typeface="Arial" charset="0"/>
-              </a:defRPr>
-            </a:lvl6pPr>
-            <a:lvl7pPr marL="2971800" indent="-228600" eaLnBrk="0" fontAlgn="base" hangingPunct="0">
-              <a:spcBef>
-                <a:spcPct val="0"/>
-              </a:spcBef>
-              <a:spcAft>
-                <a:spcPct val="0"/>
-              </a:spcAft>
-              <a:defRPr>
-                <a:solidFill>
-                  <a:schemeClr val="tx1"/>
-                </a:solidFill>
-                <a:latin typeface="Arial" charset="0"/>
-                <a:ea typeface="Arial" charset="0"/>
-                <a:cs typeface="Arial" charset="0"/>
-              </a:defRPr>
-            </a:lvl7pPr>
-            <a:lvl8pPr marL="3429000" indent="-228600" eaLnBrk="0" fontAlgn="base" hangingPunct="0">
-              <a:spcBef>
-                <a:spcPct val="0"/>
-              </a:spcBef>
-              <a:spcAft>
-                <a:spcPct val="0"/>
-              </a:spcAft>
-              <a:defRPr>
-                <a:solidFill>
-                  <a:schemeClr val="tx1"/>
-                </a:solidFill>
-                <a:latin typeface="Arial" charset="0"/>
-                <a:ea typeface="Arial" charset="0"/>
-                <a:cs typeface="Arial" charset="0"/>
-              </a:defRPr>
-            </a:lvl8pPr>
-            <a:lvl9pPr marL="3886200" indent="-228600" eaLnBrk="0" fontAlgn="base" hangingPunct="0">
-              <a:spcBef>
-                <a:spcPct val="0"/>
-              </a:spcBef>
-              <a:spcAft>
-                <a:spcPct val="0"/>
-              </a:spcAft>
-              <a:defRPr>
-                <a:solidFill>
-                  <a:schemeClr val="tx1"/>
-                </a:solidFill>
-                <a:latin typeface="Arial" charset="0"/>
-                <a:ea typeface="Arial" charset="0"/>
-                <a:cs typeface="Arial" charset="0"/>
-              </a:defRPr>
-            </a:lvl9pPr>
-          </a:lstStyle>
-          <a:p>
-            <a:pPr eaLnBrk="1" hangingPunct="1"/>
-            <a:fld id="{199F9AB4-4E3F-8D40-9E13-EC602ED63F17}" type="datetime1">
-              <a:rPr lang="en-US">
-                <a:latin typeface="Garamond" charset="0"/>
-              </a:rPr>
-              <a:pPr eaLnBrk="1" hangingPunct="1"/>
-              <a:t>9/9/15</a:t>
-            </a:fld>
-            <a:endParaRPr lang="en-US">
-              <a:latin typeface="Garamond" charset="0"/>
-            </a:endParaRPr>
-          </a:p>
-        </p:txBody>
-      </p:sp>
-      <p:sp>
-        <p:nvSpPr>
-          <p:cNvPr id="5" name="Footer Placeholder 5"/>
-          <p:cNvSpPr>
-            <a:spLocks noGrp="1"/>
-          </p:cNvSpPr>
-          <p:nvPr>
-            <p:ph type="ftr" sz="quarter" idx="11"/>
-          </p:nvPr>
-        </p:nvSpPr>
-        <p:spPr/>
-        <p:txBody>
-          <a:bodyPr/>
-          <a:lstStyle/>
-          <a:p>
-            <a:pPr>
-              <a:defRPr/>
-            </a:pPr>
-            <a:r>
-              <a:rPr lang="en-US"/>
-              <a:t>Microprocessors I:  Lecture 4</a:t>
-            </a:r>
-          </a:p>
-        </p:txBody>
-      </p:sp>
-      <p:sp>
-        <p:nvSpPr>
-          <p:cNvPr id="6" name="Slide Number Placeholder 6"/>
-          <p:cNvSpPr>
-            <a:spLocks noGrp="1"/>
-          </p:cNvSpPr>
-          <p:nvPr>
-            <p:ph type="sldNum" sz="quarter" idx="12"/>
-          </p:nvPr>
-        </p:nvSpPr>
-        <p:spPr/>
-        <p:txBody>
-          <a:bodyPr/>
-          <a:lstStyle>
-            <a:lvl1pPr eaLnBrk="0" hangingPunct="0">
-              <a:defRPr>
-                <a:solidFill>
-                  <a:schemeClr val="tx1"/>
-                </a:solidFill>
-                <a:latin typeface="Arial" charset="0"/>
-                <a:ea typeface="ＭＳ Ｐゴシック" charset="0"/>
-                <a:cs typeface="Arial" charset="0"/>
-              </a:defRPr>
-            </a:lvl1pPr>
-            <a:lvl2pPr marL="742950" indent="-285750" eaLnBrk="0" hangingPunct="0">
-              <a:defRPr>
-                <a:solidFill>
-                  <a:schemeClr val="tx1"/>
-                </a:solidFill>
-                <a:latin typeface="Arial" charset="0"/>
-                <a:ea typeface="Arial" charset="0"/>
-                <a:cs typeface="Arial" charset="0"/>
-              </a:defRPr>
-            </a:lvl2pPr>
-            <a:lvl3pPr marL="1143000" indent="-228600" eaLnBrk="0" hangingPunct="0">
-              <a:defRPr>
-                <a:solidFill>
-                  <a:schemeClr val="tx1"/>
-                </a:solidFill>
-                <a:latin typeface="Arial" charset="0"/>
-                <a:ea typeface="Arial" charset="0"/>
-                <a:cs typeface="Arial" charset="0"/>
-              </a:defRPr>
-            </a:lvl3pPr>
-            <a:lvl4pPr marL="1600200" indent="-228600" eaLnBrk="0" hangingPunct="0">
-              <a:defRPr>
-                <a:solidFill>
-                  <a:schemeClr val="tx1"/>
-                </a:solidFill>
-                <a:latin typeface="Arial" charset="0"/>
-                <a:ea typeface="Arial" charset="0"/>
-                <a:cs typeface="Arial" charset="0"/>
-              </a:defRPr>
-            </a:lvl4pPr>
-            <a:lvl5pPr marL="2057400" indent="-228600" eaLnBrk="0" hangingPunct="0">
-              <a:defRPr>
-                <a:solidFill>
-                  <a:schemeClr val="tx1"/>
-                </a:solidFill>
-                <a:latin typeface="Arial" charset="0"/>
-                <a:ea typeface="Arial" charset="0"/>
-                <a:cs typeface="Arial" charset="0"/>
-              </a:defRPr>
-            </a:lvl5pPr>
-            <a:lvl6pPr marL="2514600" indent="-228600" eaLnBrk="0" fontAlgn="base" hangingPunct="0">
-              <a:spcBef>
-                <a:spcPct val="0"/>
-              </a:spcBef>
-              <a:spcAft>
-                <a:spcPct val="0"/>
-              </a:spcAft>
-              <a:defRPr>
-                <a:solidFill>
-                  <a:schemeClr val="tx1"/>
-                </a:solidFill>
-                <a:latin typeface="Arial" charset="0"/>
-                <a:ea typeface="Arial" charset="0"/>
-                <a:cs typeface="Arial" charset="0"/>
-              </a:defRPr>
-            </a:lvl6pPr>
-            <a:lvl7pPr marL="2971800" indent="-228600" eaLnBrk="0" fontAlgn="base" hangingPunct="0">
-              <a:spcBef>
-                <a:spcPct val="0"/>
-              </a:spcBef>
-              <a:spcAft>
-                <a:spcPct val="0"/>
-              </a:spcAft>
-              <a:defRPr>
-                <a:solidFill>
-                  <a:schemeClr val="tx1"/>
-                </a:solidFill>
-                <a:latin typeface="Arial" charset="0"/>
-                <a:ea typeface="Arial" charset="0"/>
-                <a:cs typeface="Arial" charset="0"/>
-              </a:defRPr>
-            </a:lvl7pPr>
-            <a:lvl8pPr marL="3429000" indent="-228600" eaLnBrk="0" fontAlgn="base" hangingPunct="0">
-              <a:spcBef>
-                <a:spcPct val="0"/>
-              </a:spcBef>
-              <a:spcAft>
-                <a:spcPct val="0"/>
-              </a:spcAft>
-              <a:defRPr>
-                <a:solidFill>
-                  <a:schemeClr val="tx1"/>
-                </a:solidFill>
-                <a:latin typeface="Arial" charset="0"/>
-                <a:ea typeface="Arial" charset="0"/>
-                <a:cs typeface="Arial" charset="0"/>
-              </a:defRPr>
-            </a:lvl8pPr>
-            <a:lvl9pPr marL="3886200" indent="-228600" eaLnBrk="0" fontAlgn="base" hangingPunct="0">
-              <a:spcBef>
-                <a:spcPct val="0"/>
-              </a:spcBef>
-              <a:spcAft>
-                <a:spcPct val="0"/>
-              </a:spcAft>
-              <a:defRPr>
-                <a:solidFill>
-                  <a:schemeClr val="tx1"/>
-                </a:solidFill>
-                <a:latin typeface="Arial" charset="0"/>
-                <a:ea typeface="Arial" charset="0"/>
-                <a:cs typeface="Arial" charset="0"/>
-              </a:defRPr>
-            </a:lvl9pPr>
-          </a:lstStyle>
-          <a:p>
-            <a:pPr eaLnBrk="1" hangingPunct="1"/>
-            <a:fld id="{AF8F8532-264C-284D-A863-C04465B98A4A}" type="slidenum">
-              <a:rPr lang="en-US">
-                <a:latin typeface="Garamond" charset="0"/>
-              </a:rPr>
-              <a:pPr eaLnBrk="1" hangingPunct="1"/>
-              <a:t>22</a:t>
-            </a:fld>
-            <a:endParaRPr lang="en-US">
-              <a:latin typeface="Garamond" charset="0"/>
-            </a:endParaRPr>
-          </a:p>
-        </p:txBody>
-      </p:sp>
-    </p:spTree>
-  </p:cSld>
-  <p:clrMapOvr>
-    <a:masterClrMapping/>
-  </p:clrMapOvr>
-  <p:transition xmlns:p14="http://schemas.microsoft.com/office/powerpoint/2010/main">
-    <p:cut/>
-  </p:transition>
-  <p:timing>
-    <p:tnLst>
-      <p:par>
-        <p:cTn xmlns:p14="http://schemas.microsoft.com/office/powerpoint/2010/main" id="1" dur="indefinite" restart="never" nodeType="tmRoot"/>
-      </p:par>
-    </p:tnLst>
-  </p:timing>
-</p:sld>
-</file>
-
-<file path=ppt/slides/slide23.xml><?xml version="1.0" encoding="utf-8"?>
-<p:sld xmlns:a="http://schemas.openxmlformats.org/drawingml/2006/main" xmlns:r="http://schemas.openxmlformats.org/officeDocument/2006/relationships" xmlns:p="http://schemas.openxmlformats.org/presentationml/2006/main">
-  <p:cSld>
-    <p:spTree>
-      <p:nvGrpSpPr>
-        <p:cNvPr id="1" name=""/>
-        <p:cNvGrpSpPr/>
-        <p:nvPr/>
-      </p:nvGrpSpPr>
-      <p:grpSpPr>
-        <a:xfrm>
-          <a:off x="0" y="0"/>
-          <a:ext cx="0" cy="0"/>
-          <a:chOff x="0" y="0"/>
-          <a:chExt cx="0" cy="0"/>
-        </a:xfrm>
-      </p:grpSpPr>
-      <p:sp>
-        <p:nvSpPr>
-          <p:cNvPr id="12290" name="Title 1"/>
-          <p:cNvSpPr>
-            <a:spLocks noGrp="1"/>
-          </p:cNvSpPr>
-          <p:nvPr>
-            <p:ph type="title"/>
-          </p:nvPr>
-        </p:nvSpPr>
-        <p:spPr/>
-        <p:txBody>
-          <a:bodyPr/>
-          <a:lstStyle/>
-          <a:p>
-            <a:r>
-              <a:rPr lang="en-US">
-                <a:latin typeface="Garamond" charset="0"/>
-              </a:rPr>
-              <a:t>x86 data types (“review”)</a:t>
-            </a:r>
-          </a:p>
-        </p:txBody>
-      </p:sp>
-      <p:sp>
-        <p:nvSpPr>
-          <p:cNvPr id="3" name="Content Placeholder 2"/>
-          <p:cNvSpPr>
-            <a:spLocks noGrp="1"/>
-          </p:cNvSpPr>
-          <p:nvPr>
-            <p:ph idx="1"/>
-          </p:nvPr>
-        </p:nvSpPr>
-        <p:spPr/>
-        <p:txBody>
-          <a:bodyPr>
-            <a:normAutofit/>
-          </a:bodyPr>
-          <a:lstStyle/>
-          <a:p>
-            <a:r>
-              <a:rPr lang="en-US" sz="2800">
-                <a:latin typeface="Arial" charset="0"/>
-              </a:rPr>
-              <a:t>Refresher on x86 registers</a:t>
-            </a:r>
-          </a:p>
-          <a:p>
-            <a:pPr lvl="1"/>
-            <a:r>
-              <a:rPr lang="en-US" sz="2400">
-                <a:latin typeface="Arial" charset="0"/>
-              </a:rPr>
-              <a:t>Gen. purpose registers: 16 or 32 bits</a:t>
-            </a:r>
-          </a:p>
-          <a:p>
-            <a:pPr lvl="1"/>
-            <a:r>
-              <a:rPr lang="en-US" sz="2400">
-                <a:latin typeface="Arial" charset="0"/>
-              </a:rPr>
-              <a:t>Data registers can hold 8 bit data as well</a:t>
-            </a:r>
-          </a:p>
-          <a:p>
-            <a:pPr lvl="1"/>
-            <a:r>
-              <a:rPr lang="en-US" sz="2400">
-                <a:latin typeface="Arial" charset="0"/>
-              </a:rPr>
-              <a:t>Determining size: register name</a:t>
-            </a:r>
-          </a:p>
-          <a:p>
-            <a:pPr lvl="1"/>
-            <a:r>
-              <a:rPr lang="en-US" sz="2400">
-                <a:latin typeface="Arial" charset="0"/>
-              </a:rPr>
-              <a:t>Example: </a:t>
-            </a:r>
-            <a:r>
-              <a:rPr lang="ja-JP" altLang="en-US" sz="2400">
-                <a:latin typeface="Arial" charset="0"/>
-              </a:rPr>
-              <a:t>“</a:t>
-            </a:r>
-            <a:r>
-              <a:rPr lang="en-US" sz="2400">
-                <a:latin typeface="Arial" charset="0"/>
-              </a:rPr>
-              <a:t>accumulator</a:t>
-            </a:r>
-            <a:r>
-              <a:rPr lang="ja-JP" altLang="en-US" sz="2400">
-                <a:latin typeface="Arial" charset="0"/>
-              </a:rPr>
-              <a:t>”</a:t>
-            </a:r>
-            <a:r>
-              <a:rPr lang="en-US" sz="2400">
-                <a:latin typeface="Arial" charset="0"/>
-              </a:rPr>
-              <a:t> register</a:t>
-            </a:r>
-          </a:p>
-          <a:p>
-            <a:pPr lvl="2"/>
-            <a:r>
-              <a:rPr lang="en-US" sz="2000">
-                <a:latin typeface="Arial" charset="0"/>
-              </a:rPr>
-              <a:t>8 bit data: AL = lowest byte; AH = next lowest byte</a:t>
-            </a:r>
-          </a:p>
-          <a:p>
-            <a:pPr lvl="2"/>
-            <a:r>
-              <a:rPr lang="en-US" sz="2000">
-                <a:latin typeface="Arial" charset="0"/>
-              </a:rPr>
-              <a:t>16 bit data: AX = lowest 16 bits (AH/AL together as word)</a:t>
-            </a:r>
-          </a:p>
-          <a:p>
-            <a:pPr lvl="2"/>
-            <a:r>
-              <a:rPr lang="en-US" sz="2000">
-                <a:latin typeface="Arial" charset="0"/>
-              </a:rPr>
-              <a:t>32 bit data: EAX = entire 32 bits</a:t>
-            </a:r>
-          </a:p>
-          <a:p>
-            <a:r>
-              <a:rPr lang="en-US" sz="2800">
-                <a:latin typeface="Arial" charset="0"/>
-              </a:rPr>
-              <a:t>Say EAX = 1A2B3C4DH</a:t>
-            </a:r>
-          </a:p>
-          <a:p>
-            <a:pPr lvl="1"/>
-            <a:r>
-              <a:rPr lang="en-US" sz="2400">
-                <a:latin typeface="Arial" charset="0"/>
-              </a:rPr>
-              <a:t>What are AL, AH, and AX?</a:t>
-            </a:r>
-          </a:p>
-          <a:p>
-            <a:pPr lvl="1"/>
-            <a:r>
-              <a:rPr lang="en-US" sz="2400">
-                <a:solidFill>
-                  <a:srgbClr val="FF0000"/>
-                </a:solidFill>
-                <a:latin typeface="Arial" charset="0"/>
-              </a:rPr>
-              <a:t>AL = 4DH, AH = 3CH, AX = 3C4DH</a:t>
-            </a:r>
-          </a:p>
-        </p:txBody>
-      </p:sp>
-      <p:sp>
-        <p:nvSpPr>
-          <p:cNvPr id="4" name="Date Placeholder 3"/>
-          <p:cNvSpPr>
-            <a:spLocks noGrp="1"/>
-          </p:cNvSpPr>
-          <p:nvPr>
-            <p:ph type="dt" sz="quarter" idx="10"/>
-          </p:nvPr>
-        </p:nvSpPr>
-        <p:spPr/>
-        <p:txBody>
-          <a:bodyPr/>
-          <a:lstStyle>
-            <a:lvl1pPr eaLnBrk="0" hangingPunct="0">
-              <a:defRPr>
-                <a:solidFill>
-                  <a:schemeClr val="tx1"/>
-                </a:solidFill>
-                <a:latin typeface="Arial" charset="0"/>
-                <a:ea typeface="ＭＳ Ｐゴシック" charset="0"/>
-                <a:cs typeface="Arial" charset="0"/>
-              </a:defRPr>
-            </a:lvl1pPr>
-            <a:lvl2pPr marL="742950" indent="-285750" eaLnBrk="0" hangingPunct="0">
-              <a:defRPr>
-                <a:solidFill>
-                  <a:schemeClr val="tx1"/>
-                </a:solidFill>
-                <a:latin typeface="Arial" charset="0"/>
-                <a:ea typeface="Arial" charset="0"/>
-                <a:cs typeface="Arial" charset="0"/>
-              </a:defRPr>
-            </a:lvl2pPr>
-            <a:lvl3pPr marL="1143000" indent="-228600" eaLnBrk="0" hangingPunct="0">
-              <a:defRPr>
-                <a:solidFill>
-                  <a:schemeClr val="tx1"/>
-                </a:solidFill>
-                <a:latin typeface="Arial" charset="0"/>
-                <a:ea typeface="Arial" charset="0"/>
-                <a:cs typeface="Arial" charset="0"/>
-              </a:defRPr>
-            </a:lvl3pPr>
-            <a:lvl4pPr marL="1600200" indent="-228600" eaLnBrk="0" hangingPunct="0">
-              <a:defRPr>
-                <a:solidFill>
-                  <a:schemeClr val="tx1"/>
-                </a:solidFill>
-                <a:latin typeface="Arial" charset="0"/>
-                <a:ea typeface="Arial" charset="0"/>
-                <a:cs typeface="Arial" charset="0"/>
-              </a:defRPr>
-            </a:lvl4pPr>
-            <a:lvl5pPr marL="2057400" indent="-228600" eaLnBrk="0" hangingPunct="0">
-              <a:defRPr>
-                <a:solidFill>
-                  <a:schemeClr val="tx1"/>
-                </a:solidFill>
-                <a:latin typeface="Arial" charset="0"/>
-                <a:ea typeface="Arial" charset="0"/>
-                <a:cs typeface="Arial" charset="0"/>
-              </a:defRPr>
-            </a:lvl5pPr>
-            <a:lvl6pPr marL="2514600" indent="-228600" eaLnBrk="0" fontAlgn="base" hangingPunct="0">
-              <a:spcBef>
-                <a:spcPct val="0"/>
-              </a:spcBef>
-              <a:spcAft>
-                <a:spcPct val="0"/>
-              </a:spcAft>
-              <a:defRPr>
-                <a:solidFill>
-                  <a:schemeClr val="tx1"/>
-                </a:solidFill>
-                <a:latin typeface="Arial" charset="0"/>
-                <a:ea typeface="Arial" charset="0"/>
-                <a:cs typeface="Arial" charset="0"/>
-              </a:defRPr>
-            </a:lvl6pPr>
-            <a:lvl7pPr marL="2971800" indent="-228600" eaLnBrk="0" fontAlgn="base" hangingPunct="0">
-              <a:spcBef>
-                <a:spcPct val="0"/>
-              </a:spcBef>
-              <a:spcAft>
-                <a:spcPct val="0"/>
-              </a:spcAft>
-              <a:defRPr>
-                <a:solidFill>
-                  <a:schemeClr val="tx1"/>
-                </a:solidFill>
-                <a:latin typeface="Arial" charset="0"/>
-                <a:ea typeface="Arial" charset="0"/>
-                <a:cs typeface="Arial" charset="0"/>
-              </a:defRPr>
-            </a:lvl7pPr>
-            <a:lvl8pPr marL="3429000" indent="-228600" eaLnBrk="0" fontAlgn="base" hangingPunct="0">
-              <a:spcBef>
-                <a:spcPct val="0"/>
-              </a:spcBef>
-              <a:spcAft>
-                <a:spcPct val="0"/>
-              </a:spcAft>
-              <a:defRPr>
-                <a:solidFill>
-                  <a:schemeClr val="tx1"/>
-                </a:solidFill>
-                <a:latin typeface="Arial" charset="0"/>
-                <a:ea typeface="Arial" charset="0"/>
-                <a:cs typeface="Arial" charset="0"/>
-              </a:defRPr>
-            </a:lvl8pPr>
-            <a:lvl9pPr marL="3886200" indent="-228600" eaLnBrk="0" fontAlgn="base" hangingPunct="0">
-              <a:spcBef>
-                <a:spcPct val="0"/>
-              </a:spcBef>
-              <a:spcAft>
-                <a:spcPct val="0"/>
-              </a:spcAft>
-              <a:defRPr>
-                <a:solidFill>
-                  <a:schemeClr val="tx1"/>
-                </a:solidFill>
-                <a:latin typeface="Arial" charset="0"/>
-                <a:ea typeface="Arial" charset="0"/>
-                <a:cs typeface="Arial" charset="0"/>
-              </a:defRPr>
-            </a:lvl9pPr>
-          </a:lstStyle>
-          <a:p>
-            <a:pPr eaLnBrk="1" hangingPunct="1"/>
-            <a:fld id="{DAB3124A-A5D4-314A-A158-28A5B6A9A05E}" type="datetime1">
-              <a:rPr lang="en-US">
-                <a:latin typeface="Garamond" charset="0"/>
-              </a:rPr>
-              <a:pPr eaLnBrk="1" hangingPunct="1"/>
-              <a:t>9/9/15</a:t>
-            </a:fld>
-            <a:endParaRPr lang="en-US">
-              <a:latin typeface="Garamond" charset="0"/>
-            </a:endParaRPr>
-          </a:p>
-        </p:txBody>
-      </p:sp>
-      <p:sp>
-        <p:nvSpPr>
-          <p:cNvPr id="5" name="Footer Placeholder 4"/>
-          <p:cNvSpPr>
-            <a:spLocks noGrp="1"/>
-          </p:cNvSpPr>
-          <p:nvPr>
-            <p:ph type="ftr" sz="quarter" idx="11"/>
-          </p:nvPr>
-        </p:nvSpPr>
-        <p:spPr/>
-        <p:txBody>
-          <a:bodyPr/>
-          <a:lstStyle/>
-          <a:p>
-            <a:pPr>
-              <a:defRPr/>
-            </a:pPr>
-            <a:r>
-              <a:rPr lang="en-US" altLang="en-US"/>
-              <a:t>Microprocessors I:  Lecture 4</a:t>
-            </a:r>
-          </a:p>
-        </p:txBody>
-      </p:sp>
-      <p:sp>
-        <p:nvSpPr>
-          <p:cNvPr id="6" name="Slide Number Placeholder 5"/>
-          <p:cNvSpPr>
-            <a:spLocks noGrp="1"/>
-          </p:cNvSpPr>
-          <p:nvPr>
-            <p:ph type="sldNum" sz="quarter" idx="12"/>
-          </p:nvPr>
-        </p:nvSpPr>
-        <p:spPr/>
-        <p:txBody>
-          <a:bodyPr/>
-          <a:lstStyle>
-            <a:lvl1pPr eaLnBrk="0" hangingPunct="0">
-              <a:defRPr>
-                <a:solidFill>
-                  <a:schemeClr val="tx1"/>
-                </a:solidFill>
-                <a:latin typeface="Arial" charset="0"/>
-                <a:ea typeface="ＭＳ Ｐゴシック" charset="0"/>
-                <a:cs typeface="Arial" charset="0"/>
-              </a:defRPr>
-            </a:lvl1pPr>
-            <a:lvl2pPr marL="742950" indent="-285750" eaLnBrk="0" hangingPunct="0">
-              <a:defRPr>
-                <a:solidFill>
-                  <a:schemeClr val="tx1"/>
-                </a:solidFill>
-                <a:latin typeface="Arial" charset="0"/>
-                <a:ea typeface="Arial" charset="0"/>
-                <a:cs typeface="Arial" charset="0"/>
-              </a:defRPr>
-            </a:lvl2pPr>
-            <a:lvl3pPr marL="1143000" indent="-228600" eaLnBrk="0" hangingPunct="0">
-              <a:defRPr>
-                <a:solidFill>
-                  <a:schemeClr val="tx1"/>
-                </a:solidFill>
-                <a:latin typeface="Arial" charset="0"/>
-                <a:ea typeface="Arial" charset="0"/>
-                <a:cs typeface="Arial" charset="0"/>
-              </a:defRPr>
-            </a:lvl3pPr>
-            <a:lvl4pPr marL="1600200" indent="-228600" eaLnBrk="0" hangingPunct="0">
-              <a:defRPr>
-                <a:solidFill>
-                  <a:schemeClr val="tx1"/>
-                </a:solidFill>
-                <a:latin typeface="Arial" charset="0"/>
-                <a:ea typeface="Arial" charset="0"/>
-                <a:cs typeface="Arial" charset="0"/>
-              </a:defRPr>
-            </a:lvl4pPr>
-            <a:lvl5pPr marL="2057400" indent="-228600" eaLnBrk="0" hangingPunct="0">
-              <a:defRPr>
-                <a:solidFill>
-                  <a:schemeClr val="tx1"/>
-                </a:solidFill>
-                <a:latin typeface="Arial" charset="0"/>
-                <a:ea typeface="Arial" charset="0"/>
-                <a:cs typeface="Arial" charset="0"/>
-              </a:defRPr>
-            </a:lvl5pPr>
-            <a:lvl6pPr marL="2514600" indent="-228600" eaLnBrk="0" fontAlgn="base" hangingPunct="0">
-              <a:spcBef>
-                <a:spcPct val="0"/>
-              </a:spcBef>
-              <a:spcAft>
-                <a:spcPct val="0"/>
-              </a:spcAft>
-              <a:defRPr>
-                <a:solidFill>
-                  <a:schemeClr val="tx1"/>
-                </a:solidFill>
-                <a:latin typeface="Arial" charset="0"/>
-                <a:ea typeface="Arial" charset="0"/>
-                <a:cs typeface="Arial" charset="0"/>
-              </a:defRPr>
-            </a:lvl6pPr>
-            <a:lvl7pPr marL="2971800" indent="-228600" eaLnBrk="0" fontAlgn="base" hangingPunct="0">
-              <a:spcBef>
-                <a:spcPct val="0"/>
-              </a:spcBef>
-              <a:spcAft>
-                <a:spcPct val="0"/>
-              </a:spcAft>
-              <a:defRPr>
-                <a:solidFill>
-                  <a:schemeClr val="tx1"/>
-                </a:solidFill>
-                <a:latin typeface="Arial" charset="0"/>
-                <a:ea typeface="Arial" charset="0"/>
-                <a:cs typeface="Arial" charset="0"/>
-              </a:defRPr>
-            </a:lvl7pPr>
-            <a:lvl8pPr marL="3429000" indent="-228600" eaLnBrk="0" fontAlgn="base" hangingPunct="0">
-              <a:spcBef>
-                <a:spcPct val="0"/>
-              </a:spcBef>
-              <a:spcAft>
-                <a:spcPct val="0"/>
-              </a:spcAft>
-              <a:defRPr>
-                <a:solidFill>
-                  <a:schemeClr val="tx1"/>
-                </a:solidFill>
-                <a:latin typeface="Arial" charset="0"/>
-                <a:ea typeface="Arial" charset="0"/>
-                <a:cs typeface="Arial" charset="0"/>
-              </a:defRPr>
-            </a:lvl8pPr>
-            <a:lvl9pPr marL="3886200" indent="-228600" eaLnBrk="0" fontAlgn="base" hangingPunct="0">
-              <a:spcBef>
-                <a:spcPct val="0"/>
-              </a:spcBef>
-              <a:spcAft>
-                <a:spcPct val="0"/>
-              </a:spcAft>
-              <a:defRPr>
-                <a:solidFill>
-                  <a:schemeClr val="tx1"/>
-                </a:solidFill>
-                <a:latin typeface="Arial" charset="0"/>
-                <a:ea typeface="Arial" charset="0"/>
-                <a:cs typeface="Arial" charset="0"/>
-              </a:defRPr>
-            </a:lvl9pPr>
-          </a:lstStyle>
-          <a:p>
-            <a:pPr eaLnBrk="1" hangingPunct="1"/>
-            <a:fld id="{A516B637-299A-AA46-BB89-D97D166C14A8}" type="slidenum">
-              <a:rPr lang="en-US">
-                <a:latin typeface="Garamond" charset="0"/>
-              </a:rPr>
-              <a:pPr eaLnBrk="1" hangingPunct="1"/>
-              <a:t>23</a:t>
-            </a:fld>
-            <a:endParaRPr lang="en-US">
-              <a:latin typeface="Garamond" charset="0"/>
-            </a:endParaRPr>
-          </a:p>
-        </p:txBody>
-      </p:sp>
-    </p:spTree>
-  </p:cSld>
-  <p:clrMapOvr>
-    <a:masterClrMapping/>
-  </p:clrMapOvr>
-  <p:timing>
-    <p:tnLst>
-      <p:par>
-        <p:cTn xmlns:p14="http://schemas.microsoft.com/office/powerpoint/2010/main" id="1" dur="indefinite" restart="never" nodeType="tmRoot">
-          <p:childTnLst>
-            <p:seq concurrent="1" nextAc="seek">
-              <p:cTn id="2" dur="indefinite" nodeType="mainSeq">
-                <p:childTnLst>
-                  <p:par>
-                    <p:cTn id="3" fill="hold" nodeType="clickPar">
-                      <p:stCondLst>
-                        <p:cond delay="indefinite"/>
-                      </p:stCondLst>
-                      <p:childTnLst>
-                        <p:par>
-                          <p:cTn id="4" fill="hold" nodeType="withGroup">
-                            <p:stCondLst>
-                              <p:cond delay="0"/>
-                            </p:stCondLst>
-                            <p:childTnLst>
-                              <p:par>
-                                <p:cTn id="5" presetID="1" presetClass="entr" presetSubtype="0" fill="hold" nodeType="clickEffect">
-                                  <p:stCondLst>
-                                    <p:cond delay="0"/>
-                                  </p:stCondLst>
-                                  <p:childTnLst>
-                                    <p:set>
-                                      <p:cBhvr>
-                                        <p:cTn id="6" dur="1" fill="hold">
-                                          <p:stCondLst>
-                                            <p:cond delay="0"/>
-                                          </p:stCondLst>
-                                        </p:cTn>
-                                        <p:tgtEl>
-                                          <p:spTgt spid="3">
-                                            <p:txEl>
-                                              <p:pRg st="10" end="10"/>
-                                            </p:txEl>
-                                          </p:spTgt>
-                                        </p:tgtEl>
-                                        <p:attrNameLst>
-                                          <p:attrName>style.visibility</p:attrName>
-                                        </p:attrNameLst>
-                                      </p:cBhvr>
-                                      <p:to>
-                                        <p:strVal val="visible"/>
-                                      </p:to>
-                                    </p:set>
-                                  </p:childTnLst>
-                                </p:cTn>
-                              </p:par>
-                            </p:childTnLst>
-                          </p:cTn>
-                        </p:par>
-                      </p:childTnLst>
-                    </p:cTn>
-                  </p:par>
-                </p:childTnLst>
-              </p:cTn>
-              <p:prevCondLst>
-                <p:cond evt="onPrev" delay="0">
-                  <p:tgtEl>
-                    <p:sldTgt/>
-                  </p:tgtEl>
-                </p:cond>
-              </p:prevCondLst>
-              <p:nextCondLst>
-                <p:cond evt="onNext" delay="0">
-                  <p:tgtEl>
-                    <p:sldTgt/>
-                  </p:tgtEl>
-                </p:cond>
-              </p:nextCondLst>
-            </p:seq>
-          </p:childTnLst>
-        </p:cTn>
-      </p:par>
-    </p:tnLst>
-  </p:timing>
-</p:sld>
-</file>
-
-<file path=ppt/slides/slide24.xml><?xml version="1.0" encoding="utf-8"?>
-<p:sld xmlns:a="http://schemas.openxmlformats.org/drawingml/2006/main" xmlns:r="http://schemas.openxmlformats.org/officeDocument/2006/relationships" xmlns:p="http://schemas.openxmlformats.org/presentationml/2006/main">
-  <p:cSld>
-    <p:spTree>
-      <p:nvGrpSpPr>
-        <p:cNvPr id="1" name=""/>
-        <p:cNvGrpSpPr/>
-        <p:nvPr/>
-      </p:nvGrpSpPr>
-      <p:grpSpPr>
-        <a:xfrm>
-          <a:off x="0" y="0"/>
-          <a:ext cx="0" cy="0"/>
-          <a:chOff x="0" y="0"/>
-          <a:chExt cx="0" cy="0"/>
-        </a:xfrm>
-      </p:grpSpPr>
-      <p:sp>
-        <p:nvSpPr>
-          <p:cNvPr id="13314" name="Title 1"/>
-          <p:cNvSpPr>
-            <a:spLocks noGrp="1"/>
-          </p:cNvSpPr>
-          <p:nvPr>
-            <p:ph type="title"/>
-          </p:nvPr>
-        </p:nvSpPr>
-        <p:spPr/>
-        <p:txBody>
-          <a:bodyPr/>
-          <a:lstStyle/>
-          <a:p>
-            <a:r>
-              <a:rPr lang="en-US">
-                <a:latin typeface="Garamond" charset="0"/>
-              </a:rPr>
-              <a:t>x86 memory accesses</a:t>
-            </a:r>
-          </a:p>
-        </p:txBody>
-      </p:sp>
-      <p:sp>
-        <p:nvSpPr>
-          <p:cNvPr id="3" name="Content Placeholder 2"/>
-          <p:cNvSpPr>
-            <a:spLocks noGrp="1"/>
-          </p:cNvSpPr>
-          <p:nvPr>
-            <p:ph idx="1"/>
-          </p:nvPr>
-        </p:nvSpPr>
-        <p:spPr/>
-        <p:txBody>
-          <a:bodyPr>
-            <a:normAutofit/>
-          </a:bodyPr>
-          <a:lstStyle/>
-          <a:p>
-            <a:pPr>
-              <a:lnSpc>
-                <a:spcPct val="90000"/>
-              </a:lnSpc>
-            </a:pPr>
-            <a:r>
-              <a:rPr lang="en-US" sz="2800">
-                <a:latin typeface="Arial" charset="0"/>
-              </a:rPr>
-              <a:t># bytes from memory usually = # bytes in register</a:t>
-            </a:r>
-          </a:p>
-          <a:p>
-            <a:pPr>
-              <a:lnSpc>
-                <a:spcPct val="90000"/>
-              </a:lnSpc>
-            </a:pPr>
-            <a:r>
-              <a:rPr lang="en-US" sz="2800">
-                <a:latin typeface="Arial" charset="0"/>
-              </a:rPr>
-              <a:t>Example: MOV AX, [100H]</a:t>
-            </a:r>
-          </a:p>
-          <a:p>
-            <a:pPr lvl="1">
-              <a:lnSpc>
-                <a:spcPct val="90000"/>
-              </a:lnSpc>
-            </a:pPr>
-            <a:r>
-              <a:rPr lang="en-US" sz="2400">
-                <a:latin typeface="Arial" charset="0"/>
-              </a:rPr>
-              <a:t>AX is 16-bit register </a:t>
-            </a:r>
-            <a:r>
-              <a:rPr lang="en-US" sz="2400">
-                <a:latin typeface="Arial" charset="0"/>
-                <a:sym typeface="Wingdings" charset="0"/>
-              </a:rPr>
-              <a:t>	 move word from address 100H to AX</a:t>
-            </a:r>
-          </a:p>
-          <a:p>
-            <a:pPr>
-              <a:lnSpc>
-                <a:spcPct val="90000"/>
-              </a:lnSpc>
-            </a:pPr>
-            <a:r>
-              <a:rPr lang="en-US" sz="2800">
-                <a:latin typeface="Arial" charset="0"/>
-                <a:sym typeface="Wingdings" charset="0"/>
-              </a:rPr>
-              <a:t>Sometimes necessary to specify size</a:t>
-            </a:r>
-          </a:p>
-          <a:p>
-            <a:pPr lvl="1">
-              <a:lnSpc>
-                <a:spcPct val="90000"/>
-              </a:lnSpc>
-            </a:pPr>
-            <a:r>
-              <a:rPr lang="en-US" sz="2400">
-                <a:latin typeface="Arial" charset="0"/>
-                <a:sym typeface="Wingdings" charset="0"/>
-              </a:rPr>
-              <a:t>Use </a:t>
-            </a:r>
-            <a:r>
-              <a:rPr lang="ja-JP" altLang="en-US" sz="2400">
-                <a:latin typeface="Arial" charset="0"/>
-                <a:sym typeface="Wingdings" charset="0"/>
-              </a:rPr>
-              <a:t>“</a:t>
-            </a:r>
-            <a:r>
-              <a:rPr lang="en-US" sz="2400">
-                <a:latin typeface="Arial" charset="0"/>
-                <a:sym typeface="Wingdings" charset="0"/>
-              </a:rPr>
-              <a:t>&lt;size&gt; PTR</a:t>
-            </a:r>
-            <a:r>
-              <a:rPr lang="ja-JP" altLang="en-US" sz="2400">
-                <a:latin typeface="Arial" charset="0"/>
-                <a:sym typeface="Wingdings" charset="0"/>
-              </a:rPr>
-              <a:t>”</a:t>
-            </a:r>
-            <a:r>
-              <a:rPr lang="en-US" sz="2400">
-                <a:latin typeface="Arial" charset="0"/>
-                <a:sym typeface="Wingdings" charset="0"/>
-              </a:rPr>
-              <a:t>: BYTE PTR, WORD PTR, DWORD PTR</a:t>
-            </a:r>
-          </a:p>
-          <a:p>
-            <a:pPr lvl="1">
-              <a:lnSpc>
-                <a:spcPct val="90000"/>
-              </a:lnSpc>
-            </a:pPr>
-            <a:r>
-              <a:rPr lang="en-US" sz="2400">
-                <a:latin typeface="Arial" charset="0"/>
-                <a:sym typeface="Wingdings" charset="0"/>
-              </a:rPr>
-              <a:t>Example: MOVZX EAX, BYTE PTR [100H]</a:t>
-            </a:r>
-          </a:p>
-          <a:p>
-            <a:pPr lvl="2">
-              <a:lnSpc>
-                <a:spcPct val="90000"/>
-              </a:lnSpc>
-            </a:pPr>
-            <a:r>
-              <a:rPr lang="en-US" sz="2000">
-                <a:latin typeface="Arial" charset="0"/>
-                <a:sym typeface="Wingdings" charset="0"/>
-              </a:rPr>
-              <a:t>Take byte from memory</a:t>
-            </a:r>
-          </a:p>
-          <a:p>
-            <a:pPr lvl="2">
-              <a:lnSpc>
-                <a:spcPct val="90000"/>
-              </a:lnSpc>
-            </a:pPr>
-            <a:r>
-              <a:rPr lang="en-US" sz="2000">
-                <a:latin typeface="Arial" charset="0"/>
-                <a:sym typeface="Wingdings" charset="0"/>
-              </a:rPr>
-              <a:t>Zero-extend data to 32 bits and store in EAX</a:t>
-            </a:r>
-          </a:p>
-          <a:p>
-            <a:pPr>
-              <a:lnSpc>
-                <a:spcPct val="90000"/>
-              </a:lnSpc>
-            </a:pPr>
-            <a:r>
-              <a:rPr lang="en-US" sz="2800">
-                <a:latin typeface="Arial" charset="0"/>
-                <a:sym typeface="Wingdings" charset="0"/>
-              </a:rPr>
-              <a:t>Remember, x86 uses little-endian data</a:t>
-            </a:r>
-          </a:p>
-          <a:p>
-            <a:pPr lvl="1">
-              <a:lnSpc>
-                <a:spcPct val="90000"/>
-              </a:lnSpc>
-            </a:pPr>
-            <a:endParaRPr lang="en-US" sz="2400">
-              <a:latin typeface="Arial" charset="0"/>
-            </a:endParaRPr>
-          </a:p>
-        </p:txBody>
-      </p:sp>
-      <p:sp>
-        <p:nvSpPr>
-          <p:cNvPr id="4" name="Date Placeholder 3"/>
-          <p:cNvSpPr>
-            <a:spLocks noGrp="1"/>
-          </p:cNvSpPr>
-          <p:nvPr>
-            <p:ph type="dt" sz="quarter" idx="10"/>
-          </p:nvPr>
-        </p:nvSpPr>
-        <p:spPr/>
-        <p:txBody>
-          <a:bodyPr/>
-          <a:lstStyle>
-            <a:lvl1pPr eaLnBrk="0" hangingPunct="0">
-              <a:defRPr>
-                <a:solidFill>
-                  <a:schemeClr val="tx1"/>
-                </a:solidFill>
-                <a:latin typeface="Arial" charset="0"/>
-                <a:ea typeface="ＭＳ Ｐゴシック" charset="0"/>
-                <a:cs typeface="Arial" charset="0"/>
-              </a:defRPr>
-            </a:lvl1pPr>
-            <a:lvl2pPr marL="742950" indent="-285750" eaLnBrk="0" hangingPunct="0">
-              <a:defRPr>
-                <a:solidFill>
-                  <a:schemeClr val="tx1"/>
-                </a:solidFill>
-                <a:latin typeface="Arial" charset="0"/>
-                <a:ea typeface="Arial" charset="0"/>
-                <a:cs typeface="Arial" charset="0"/>
-              </a:defRPr>
-            </a:lvl2pPr>
-            <a:lvl3pPr marL="1143000" indent="-228600" eaLnBrk="0" hangingPunct="0">
-              <a:defRPr>
-                <a:solidFill>
-                  <a:schemeClr val="tx1"/>
-                </a:solidFill>
-                <a:latin typeface="Arial" charset="0"/>
-                <a:ea typeface="Arial" charset="0"/>
-                <a:cs typeface="Arial" charset="0"/>
-              </a:defRPr>
-            </a:lvl3pPr>
-            <a:lvl4pPr marL="1600200" indent="-228600" eaLnBrk="0" hangingPunct="0">
-              <a:defRPr>
-                <a:solidFill>
-                  <a:schemeClr val="tx1"/>
-                </a:solidFill>
-                <a:latin typeface="Arial" charset="0"/>
-                <a:ea typeface="Arial" charset="0"/>
-                <a:cs typeface="Arial" charset="0"/>
-              </a:defRPr>
-            </a:lvl4pPr>
-            <a:lvl5pPr marL="2057400" indent="-228600" eaLnBrk="0" hangingPunct="0">
-              <a:defRPr>
-                <a:solidFill>
-                  <a:schemeClr val="tx1"/>
-                </a:solidFill>
-                <a:latin typeface="Arial" charset="0"/>
-                <a:ea typeface="Arial" charset="0"/>
-                <a:cs typeface="Arial" charset="0"/>
-              </a:defRPr>
-            </a:lvl5pPr>
-            <a:lvl6pPr marL="2514600" indent="-228600" eaLnBrk="0" fontAlgn="base" hangingPunct="0">
-              <a:spcBef>
-                <a:spcPct val="0"/>
-              </a:spcBef>
-              <a:spcAft>
-                <a:spcPct val="0"/>
-              </a:spcAft>
-              <a:defRPr>
-                <a:solidFill>
-                  <a:schemeClr val="tx1"/>
-                </a:solidFill>
-                <a:latin typeface="Arial" charset="0"/>
-                <a:ea typeface="Arial" charset="0"/>
-                <a:cs typeface="Arial" charset="0"/>
-              </a:defRPr>
-            </a:lvl6pPr>
-            <a:lvl7pPr marL="2971800" indent="-228600" eaLnBrk="0" fontAlgn="base" hangingPunct="0">
-              <a:spcBef>
-                <a:spcPct val="0"/>
-              </a:spcBef>
-              <a:spcAft>
-                <a:spcPct val="0"/>
-              </a:spcAft>
-              <a:defRPr>
-                <a:solidFill>
-                  <a:schemeClr val="tx1"/>
-                </a:solidFill>
-                <a:latin typeface="Arial" charset="0"/>
-                <a:ea typeface="Arial" charset="0"/>
-                <a:cs typeface="Arial" charset="0"/>
-              </a:defRPr>
-            </a:lvl7pPr>
-            <a:lvl8pPr marL="3429000" indent="-228600" eaLnBrk="0" fontAlgn="base" hangingPunct="0">
-              <a:spcBef>
-                <a:spcPct val="0"/>
-              </a:spcBef>
-              <a:spcAft>
-                <a:spcPct val="0"/>
-              </a:spcAft>
-              <a:defRPr>
-                <a:solidFill>
-                  <a:schemeClr val="tx1"/>
-                </a:solidFill>
-                <a:latin typeface="Arial" charset="0"/>
-                <a:ea typeface="Arial" charset="0"/>
-                <a:cs typeface="Arial" charset="0"/>
-              </a:defRPr>
-            </a:lvl8pPr>
-            <a:lvl9pPr marL="3886200" indent="-228600" eaLnBrk="0" fontAlgn="base" hangingPunct="0">
-              <a:spcBef>
-                <a:spcPct val="0"/>
-              </a:spcBef>
-              <a:spcAft>
-                <a:spcPct val="0"/>
-              </a:spcAft>
-              <a:defRPr>
-                <a:solidFill>
-                  <a:schemeClr val="tx1"/>
-                </a:solidFill>
-                <a:latin typeface="Arial" charset="0"/>
-                <a:ea typeface="Arial" charset="0"/>
-                <a:cs typeface="Arial" charset="0"/>
-              </a:defRPr>
-            </a:lvl9pPr>
-          </a:lstStyle>
-          <a:p>
-            <a:pPr eaLnBrk="1" hangingPunct="1"/>
-            <a:fld id="{553A5629-41A3-CE42-8D74-293462589D98}" type="datetime1">
-              <a:rPr lang="en-US">
-                <a:latin typeface="Garamond" charset="0"/>
-              </a:rPr>
-              <a:pPr eaLnBrk="1" hangingPunct="1"/>
-              <a:t>9/9/15</a:t>
-            </a:fld>
-            <a:endParaRPr lang="en-US">
-              <a:latin typeface="Garamond" charset="0"/>
-            </a:endParaRPr>
-          </a:p>
-        </p:txBody>
-      </p:sp>
-      <p:sp>
-        <p:nvSpPr>
-          <p:cNvPr id="5" name="Footer Placeholder 4"/>
-          <p:cNvSpPr>
-            <a:spLocks noGrp="1"/>
-          </p:cNvSpPr>
-          <p:nvPr>
-            <p:ph type="ftr" sz="quarter" idx="11"/>
-          </p:nvPr>
-        </p:nvSpPr>
-        <p:spPr/>
-        <p:txBody>
-          <a:bodyPr/>
-          <a:lstStyle/>
-          <a:p>
-            <a:pPr>
-              <a:defRPr/>
-            </a:pPr>
-            <a:r>
-              <a:rPr lang="en-US" altLang="en-US"/>
-              <a:t>Microprocessors I:  Lecture 4</a:t>
-            </a:r>
-          </a:p>
-        </p:txBody>
-      </p:sp>
-      <p:sp>
-        <p:nvSpPr>
-          <p:cNvPr id="6" name="Slide Number Placeholder 5"/>
-          <p:cNvSpPr>
-            <a:spLocks noGrp="1"/>
-          </p:cNvSpPr>
-          <p:nvPr>
-            <p:ph type="sldNum" sz="quarter" idx="12"/>
-          </p:nvPr>
-        </p:nvSpPr>
-        <p:spPr/>
-        <p:txBody>
-          <a:bodyPr/>
-          <a:lstStyle>
-            <a:lvl1pPr eaLnBrk="0" hangingPunct="0">
-              <a:defRPr>
-                <a:solidFill>
-                  <a:schemeClr val="tx1"/>
-                </a:solidFill>
-                <a:latin typeface="Arial" charset="0"/>
-                <a:ea typeface="ＭＳ Ｐゴシック" charset="0"/>
-                <a:cs typeface="Arial" charset="0"/>
-              </a:defRPr>
-            </a:lvl1pPr>
-            <a:lvl2pPr marL="742950" indent="-285750" eaLnBrk="0" hangingPunct="0">
-              <a:defRPr>
-                <a:solidFill>
-                  <a:schemeClr val="tx1"/>
-                </a:solidFill>
-                <a:latin typeface="Arial" charset="0"/>
-                <a:ea typeface="Arial" charset="0"/>
-                <a:cs typeface="Arial" charset="0"/>
-              </a:defRPr>
-            </a:lvl2pPr>
-            <a:lvl3pPr marL="1143000" indent="-228600" eaLnBrk="0" hangingPunct="0">
-              <a:defRPr>
-                <a:solidFill>
-                  <a:schemeClr val="tx1"/>
-                </a:solidFill>
-                <a:latin typeface="Arial" charset="0"/>
-                <a:ea typeface="Arial" charset="0"/>
-                <a:cs typeface="Arial" charset="0"/>
-              </a:defRPr>
-            </a:lvl3pPr>
-            <a:lvl4pPr marL="1600200" indent="-228600" eaLnBrk="0" hangingPunct="0">
-              <a:defRPr>
-                <a:solidFill>
-                  <a:schemeClr val="tx1"/>
-                </a:solidFill>
-                <a:latin typeface="Arial" charset="0"/>
-                <a:ea typeface="Arial" charset="0"/>
-                <a:cs typeface="Arial" charset="0"/>
-              </a:defRPr>
-            </a:lvl4pPr>
-            <a:lvl5pPr marL="2057400" indent="-228600" eaLnBrk="0" hangingPunct="0">
-              <a:defRPr>
-                <a:solidFill>
-                  <a:schemeClr val="tx1"/>
-                </a:solidFill>
-                <a:latin typeface="Arial" charset="0"/>
-                <a:ea typeface="Arial" charset="0"/>
-                <a:cs typeface="Arial" charset="0"/>
-              </a:defRPr>
-            </a:lvl5pPr>
-            <a:lvl6pPr marL="2514600" indent="-228600" eaLnBrk="0" fontAlgn="base" hangingPunct="0">
-              <a:spcBef>
-                <a:spcPct val="0"/>
-              </a:spcBef>
-              <a:spcAft>
-                <a:spcPct val="0"/>
-              </a:spcAft>
-              <a:defRPr>
-                <a:solidFill>
-                  <a:schemeClr val="tx1"/>
-                </a:solidFill>
-                <a:latin typeface="Arial" charset="0"/>
-                <a:ea typeface="Arial" charset="0"/>
-                <a:cs typeface="Arial" charset="0"/>
-              </a:defRPr>
-            </a:lvl6pPr>
-            <a:lvl7pPr marL="2971800" indent="-228600" eaLnBrk="0" fontAlgn="base" hangingPunct="0">
-              <a:spcBef>
-                <a:spcPct val="0"/>
-              </a:spcBef>
-              <a:spcAft>
-                <a:spcPct val="0"/>
-              </a:spcAft>
-              <a:defRPr>
-                <a:solidFill>
-                  <a:schemeClr val="tx1"/>
-                </a:solidFill>
-                <a:latin typeface="Arial" charset="0"/>
-                <a:ea typeface="Arial" charset="0"/>
-                <a:cs typeface="Arial" charset="0"/>
-              </a:defRPr>
-            </a:lvl7pPr>
-            <a:lvl8pPr marL="3429000" indent="-228600" eaLnBrk="0" fontAlgn="base" hangingPunct="0">
-              <a:spcBef>
-                <a:spcPct val="0"/>
-              </a:spcBef>
-              <a:spcAft>
-                <a:spcPct val="0"/>
-              </a:spcAft>
-              <a:defRPr>
-                <a:solidFill>
-                  <a:schemeClr val="tx1"/>
-                </a:solidFill>
-                <a:latin typeface="Arial" charset="0"/>
-                <a:ea typeface="Arial" charset="0"/>
-                <a:cs typeface="Arial" charset="0"/>
-              </a:defRPr>
-            </a:lvl8pPr>
-            <a:lvl9pPr marL="3886200" indent="-228600" eaLnBrk="0" fontAlgn="base" hangingPunct="0">
-              <a:spcBef>
-                <a:spcPct val="0"/>
-              </a:spcBef>
-              <a:spcAft>
-                <a:spcPct val="0"/>
-              </a:spcAft>
-              <a:defRPr>
-                <a:solidFill>
-                  <a:schemeClr val="tx1"/>
-                </a:solidFill>
-                <a:latin typeface="Arial" charset="0"/>
-                <a:ea typeface="Arial" charset="0"/>
-                <a:cs typeface="Arial" charset="0"/>
-              </a:defRPr>
-            </a:lvl9pPr>
-          </a:lstStyle>
-          <a:p>
-            <a:pPr eaLnBrk="1" hangingPunct="1"/>
-            <a:fld id="{8534413B-4DCB-6F49-A08F-5F51529B846A}" type="slidenum">
-              <a:rPr lang="en-US">
-                <a:latin typeface="Garamond" charset="0"/>
-              </a:rPr>
-              <a:pPr eaLnBrk="1" hangingPunct="1"/>
-              <a:t>24</a:t>
-            </a:fld>
-            <a:endParaRPr lang="en-US">
-              <a:latin typeface="Garamond" charset="0"/>
-            </a:endParaRPr>
-          </a:p>
-        </p:txBody>
-      </p:sp>
-    </p:spTree>
-  </p:cSld>
-  <p:clrMapOvr>
-    <a:masterClrMapping/>
-  </p:clrMapOvr>
-  <p:timing>
-    <p:tnLst>
-      <p:par>
-        <p:cTn xmlns:p14="http://schemas.microsoft.com/office/powerpoint/2010/main" id="1" dur="indefinite" restart="never" nodeType="tmRoot"/>
-      </p:par>
-    </p:tnLst>
-  </p:timing>
-</p:sld>
-</file>
-
-<file path=ppt/slides/slide25.xml><?xml version="1.0" encoding="utf-8"?>
-<p:sld xmlns:a="http://schemas.openxmlformats.org/drawingml/2006/main" xmlns:r="http://schemas.openxmlformats.org/officeDocument/2006/relationships" xmlns:p="http://schemas.openxmlformats.org/presentationml/2006/main">
-  <p:cSld>
-    <p:spTree>
-      <p:nvGrpSpPr>
-        <p:cNvPr id="1" name=""/>
-        <p:cNvGrpSpPr/>
-        <p:nvPr/>
-      </p:nvGrpSpPr>
-      <p:grpSpPr>
-        <a:xfrm>
-          <a:off x="0" y="0"/>
-          <a:ext cx="0" cy="0"/>
-          <a:chOff x="0" y="0"/>
-          <a:chExt cx="0" cy="0"/>
-        </a:xfrm>
-      </p:grpSpPr>
-      <p:sp>
-        <p:nvSpPr>
-          <p:cNvPr id="14338" name="Title 1"/>
-          <p:cNvSpPr>
-            <a:spLocks noGrp="1"/>
-          </p:cNvSpPr>
-          <p:nvPr>
-            <p:ph type="title"/>
-          </p:nvPr>
-        </p:nvSpPr>
-        <p:spPr/>
-        <p:txBody>
-          <a:bodyPr/>
-          <a:lstStyle/>
-          <a:p>
-            <a:r>
-              <a:rPr lang="en-US">
-                <a:latin typeface="Garamond" charset="0"/>
-              </a:rPr>
-              <a:t>Data transfer instructions</a:t>
-            </a:r>
-          </a:p>
-        </p:txBody>
-      </p:sp>
-      <p:sp>
-        <p:nvSpPr>
-          <p:cNvPr id="49155" name="Content Placeholder 2"/>
-          <p:cNvSpPr>
-            <a:spLocks noGrp="1"/>
-          </p:cNvSpPr>
-          <p:nvPr>
-            <p:ph idx="1"/>
-          </p:nvPr>
-        </p:nvSpPr>
-        <p:spPr/>
-        <p:txBody>
-          <a:bodyPr>
-            <a:normAutofit fontScale="77500" lnSpcReduction="20000"/>
-          </a:bodyPr>
-          <a:lstStyle/>
-          <a:p>
-            <a:pPr>
-              <a:buFont typeface="Wingdings" pitchFamily="2" charset="2"/>
-              <a:buChar char="n"/>
-              <a:defRPr/>
-            </a:pPr>
-            <a:r>
-              <a:rPr lang="en-US" dirty="0" smtClean="0">
-                <a:ea typeface="+mn-ea"/>
-              </a:rPr>
-              <a:t>MOV</a:t>
-            </a:r>
-          </a:p>
-          <a:p>
-            <a:pPr>
-              <a:buFont typeface="Wingdings" pitchFamily="2" charset="2"/>
-              <a:buChar char="n"/>
-              <a:defRPr/>
-            </a:pPr>
-            <a:r>
-              <a:rPr lang="en-US" dirty="0" smtClean="0">
-                <a:ea typeface="+mn-ea"/>
-              </a:rPr>
-              <a:t>MOVSX</a:t>
-            </a:r>
-          </a:p>
-          <a:p>
-            <a:pPr>
-              <a:buFont typeface="Wingdings" pitchFamily="2" charset="2"/>
-              <a:buChar char="n"/>
-              <a:defRPr/>
-            </a:pPr>
-            <a:r>
-              <a:rPr lang="en-US" dirty="0" smtClean="0">
-                <a:ea typeface="+mn-ea"/>
-              </a:rPr>
-              <a:t>MOVZX</a:t>
-            </a:r>
-          </a:p>
-          <a:p>
-            <a:pPr>
-              <a:buFont typeface="Wingdings" pitchFamily="2" charset="2"/>
-              <a:buChar char="n"/>
-              <a:defRPr/>
-            </a:pPr>
-            <a:r>
-              <a:rPr lang="en-US" dirty="0" smtClean="0">
-                <a:ea typeface="+mn-ea"/>
-              </a:rPr>
-              <a:t>XCHG</a:t>
-            </a:r>
-          </a:p>
-          <a:p>
-            <a:pPr>
-              <a:buFont typeface="Wingdings" pitchFamily="2" charset="2"/>
-              <a:buChar char="n"/>
-              <a:defRPr/>
-            </a:pPr>
-            <a:r>
-              <a:rPr lang="en-US" dirty="0" smtClean="0">
-                <a:ea typeface="+mn-ea"/>
-              </a:rPr>
-              <a:t>LEA</a:t>
-            </a:r>
-          </a:p>
-          <a:p>
-            <a:pPr>
-              <a:buFont typeface="Wingdings" pitchFamily="2" charset="2"/>
-              <a:buChar char="n"/>
-              <a:defRPr/>
-            </a:pPr>
-            <a:r>
-              <a:rPr lang="en-US" dirty="0" smtClean="0">
-                <a:ea typeface="+mn-ea"/>
-              </a:rPr>
-              <a:t>Load full pointer</a:t>
-            </a:r>
-          </a:p>
-          <a:p>
-            <a:pPr>
-              <a:buFont typeface="Wingdings" pitchFamily="2" charset="2"/>
-              <a:buChar char="n"/>
-              <a:defRPr/>
-            </a:pPr>
-            <a:endParaRPr lang="en-US" dirty="0">
-              <a:ea typeface="+mn-ea"/>
-            </a:endParaRPr>
-          </a:p>
-          <a:p>
-            <a:pPr>
-              <a:buFont typeface="Wingdings" pitchFamily="2" charset="2"/>
-              <a:buChar char="n"/>
-              <a:defRPr/>
-            </a:pPr>
-            <a:r>
-              <a:rPr lang="en-US" dirty="0" smtClean="0">
-                <a:ea typeface="+mn-ea"/>
-              </a:rPr>
-              <a:t>Additional data transfer instructions (covered later, if at all)</a:t>
-            </a:r>
-          </a:p>
-          <a:p>
-            <a:pPr lvl="1">
-              <a:buFont typeface="Wingdings" pitchFamily="2" charset="2"/>
-              <a:buChar char="q"/>
-              <a:defRPr/>
-            </a:pPr>
-            <a:r>
-              <a:rPr lang="en-US" dirty="0" smtClean="0"/>
-              <a:t>PUSH/POP (stack transfers)</a:t>
-            </a:r>
-          </a:p>
-          <a:p>
-            <a:pPr lvl="1">
-              <a:buFont typeface="Wingdings" pitchFamily="2" charset="2"/>
-              <a:buChar char="q"/>
-              <a:defRPr/>
-            </a:pPr>
-            <a:r>
-              <a:rPr lang="en-US" dirty="0" smtClean="0"/>
-              <a:t>INS/OUTS (I/O)</a:t>
-            </a:r>
-          </a:p>
-          <a:p>
-            <a:pPr lvl="1">
-              <a:buFont typeface="Wingdings" pitchFamily="2" charset="2"/>
-              <a:buChar char="q"/>
-              <a:defRPr/>
-            </a:pPr>
-            <a:r>
-              <a:rPr lang="en-US" dirty="0" smtClean="0"/>
-              <a:t>MOVS/LODS/STOS (string instructions)</a:t>
-            </a:r>
-          </a:p>
-          <a:p>
-            <a:pPr lvl="1">
-              <a:buFont typeface="Wingdings" pitchFamily="2" charset="2"/>
-              <a:buChar char="q"/>
-              <a:defRPr/>
-            </a:pPr>
-            <a:r>
-              <a:rPr lang="en-US" dirty="0" smtClean="0"/>
-              <a:t>BSWAP (switch from little endian to big endian)</a:t>
-            </a:r>
-          </a:p>
-          <a:p>
-            <a:pPr lvl="1">
-              <a:buFont typeface="Wingdings" pitchFamily="2" charset="2"/>
-              <a:buChar char="q"/>
-              <a:defRPr/>
-            </a:pPr>
-            <a:r>
-              <a:rPr lang="en-US" dirty="0" smtClean="0"/>
-              <a:t>XLAT (table lookup)</a:t>
-            </a:r>
-          </a:p>
-          <a:p>
-            <a:pPr lvl="1">
-              <a:buFont typeface="Wingdings" pitchFamily="2" charset="2"/>
-              <a:buChar char="q"/>
-              <a:defRPr/>
-            </a:pPr>
-            <a:r>
-              <a:rPr lang="en-US" dirty="0" smtClean="0"/>
-              <a:t>CMOV (conditional move)</a:t>
-            </a:r>
-          </a:p>
-        </p:txBody>
-      </p:sp>
-      <p:sp>
-        <p:nvSpPr>
-          <p:cNvPr id="4" name="Date Placeholder 3"/>
-          <p:cNvSpPr>
-            <a:spLocks noGrp="1"/>
-          </p:cNvSpPr>
-          <p:nvPr>
-            <p:ph type="dt" sz="quarter" idx="10"/>
-          </p:nvPr>
-        </p:nvSpPr>
-        <p:spPr/>
-        <p:txBody>
-          <a:bodyPr/>
-          <a:lstStyle>
-            <a:lvl1pPr eaLnBrk="0" hangingPunct="0">
-              <a:defRPr>
-                <a:solidFill>
-                  <a:schemeClr val="tx1"/>
-                </a:solidFill>
-                <a:latin typeface="Arial" charset="0"/>
-                <a:ea typeface="ＭＳ Ｐゴシック" charset="0"/>
-                <a:cs typeface="Arial" charset="0"/>
-              </a:defRPr>
-            </a:lvl1pPr>
-            <a:lvl2pPr marL="742950" indent="-285750" eaLnBrk="0" hangingPunct="0">
-              <a:defRPr>
-                <a:solidFill>
-                  <a:schemeClr val="tx1"/>
-                </a:solidFill>
-                <a:latin typeface="Arial" charset="0"/>
-                <a:ea typeface="Arial" charset="0"/>
-                <a:cs typeface="Arial" charset="0"/>
-              </a:defRPr>
-            </a:lvl2pPr>
-            <a:lvl3pPr marL="1143000" indent="-228600" eaLnBrk="0" hangingPunct="0">
-              <a:defRPr>
-                <a:solidFill>
-                  <a:schemeClr val="tx1"/>
-                </a:solidFill>
-                <a:latin typeface="Arial" charset="0"/>
-                <a:ea typeface="Arial" charset="0"/>
-                <a:cs typeface="Arial" charset="0"/>
-              </a:defRPr>
-            </a:lvl3pPr>
-            <a:lvl4pPr marL="1600200" indent="-228600" eaLnBrk="0" hangingPunct="0">
-              <a:defRPr>
-                <a:solidFill>
-                  <a:schemeClr val="tx1"/>
-                </a:solidFill>
-                <a:latin typeface="Arial" charset="0"/>
-                <a:ea typeface="Arial" charset="0"/>
-                <a:cs typeface="Arial" charset="0"/>
-              </a:defRPr>
-            </a:lvl4pPr>
-            <a:lvl5pPr marL="2057400" indent="-228600" eaLnBrk="0" hangingPunct="0">
-              <a:defRPr>
-                <a:solidFill>
-                  <a:schemeClr val="tx1"/>
-                </a:solidFill>
-                <a:latin typeface="Arial" charset="0"/>
-                <a:ea typeface="Arial" charset="0"/>
-                <a:cs typeface="Arial" charset="0"/>
-              </a:defRPr>
-            </a:lvl5pPr>
-            <a:lvl6pPr marL="2514600" indent="-228600" eaLnBrk="0" fontAlgn="base" hangingPunct="0">
-              <a:spcBef>
-                <a:spcPct val="0"/>
-              </a:spcBef>
-              <a:spcAft>
-                <a:spcPct val="0"/>
-              </a:spcAft>
-              <a:defRPr>
-                <a:solidFill>
-                  <a:schemeClr val="tx1"/>
-                </a:solidFill>
-                <a:latin typeface="Arial" charset="0"/>
-                <a:ea typeface="Arial" charset="0"/>
-                <a:cs typeface="Arial" charset="0"/>
-              </a:defRPr>
-            </a:lvl6pPr>
-            <a:lvl7pPr marL="2971800" indent="-228600" eaLnBrk="0" fontAlgn="base" hangingPunct="0">
-              <a:spcBef>
-                <a:spcPct val="0"/>
-              </a:spcBef>
-              <a:spcAft>
-                <a:spcPct val="0"/>
-              </a:spcAft>
-              <a:defRPr>
-                <a:solidFill>
-                  <a:schemeClr val="tx1"/>
-                </a:solidFill>
-                <a:latin typeface="Arial" charset="0"/>
-                <a:ea typeface="Arial" charset="0"/>
-                <a:cs typeface="Arial" charset="0"/>
-              </a:defRPr>
-            </a:lvl7pPr>
-            <a:lvl8pPr marL="3429000" indent="-228600" eaLnBrk="0" fontAlgn="base" hangingPunct="0">
-              <a:spcBef>
-                <a:spcPct val="0"/>
-              </a:spcBef>
-              <a:spcAft>
-                <a:spcPct val="0"/>
-              </a:spcAft>
-              <a:defRPr>
-                <a:solidFill>
-                  <a:schemeClr val="tx1"/>
-                </a:solidFill>
-                <a:latin typeface="Arial" charset="0"/>
-                <a:ea typeface="Arial" charset="0"/>
-                <a:cs typeface="Arial" charset="0"/>
-              </a:defRPr>
-            </a:lvl8pPr>
-            <a:lvl9pPr marL="3886200" indent="-228600" eaLnBrk="0" fontAlgn="base" hangingPunct="0">
-              <a:spcBef>
-                <a:spcPct val="0"/>
-              </a:spcBef>
-              <a:spcAft>
-                <a:spcPct val="0"/>
-              </a:spcAft>
-              <a:defRPr>
-                <a:solidFill>
-                  <a:schemeClr val="tx1"/>
-                </a:solidFill>
-                <a:latin typeface="Arial" charset="0"/>
-                <a:ea typeface="Arial" charset="0"/>
-                <a:cs typeface="Arial" charset="0"/>
-              </a:defRPr>
-            </a:lvl9pPr>
-          </a:lstStyle>
-          <a:p>
-            <a:pPr eaLnBrk="1" hangingPunct="1"/>
-            <a:fld id="{4DCC040F-9922-F142-B924-33D97EEDF5EF}" type="datetime1">
-              <a:rPr lang="en-US">
-                <a:latin typeface="Garamond" charset="0"/>
-              </a:rPr>
-              <a:pPr eaLnBrk="1" hangingPunct="1"/>
-              <a:t>9/9/15</a:t>
-            </a:fld>
-            <a:endParaRPr lang="en-US">
-              <a:latin typeface="Garamond" charset="0"/>
-            </a:endParaRPr>
-          </a:p>
-        </p:txBody>
-      </p:sp>
-      <p:sp>
-        <p:nvSpPr>
-          <p:cNvPr id="5" name="Footer Placeholder 4"/>
-          <p:cNvSpPr>
-            <a:spLocks noGrp="1"/>
-          </p:cNvSpPr>
-          <p:nvPr>
-            <p:ph type="ftr" sz="quarter" idx="11"/>
-          </p:nvPr>
-        </p:nvSpPr>
-        <p:spPr/>
-        <p:txBody>
-          <a:bodyPr/>
-          <a:lstStyle/>
-          <a:p>
-            <a:pPr>
-              <a:defRPr/>
-            </a:pPr>
-            <a:r>
-              <a:rPr lang="en-US" altLang="en-US"/>
-              <a:t>Microprocessors I:  Lecture 6</a:t>
-            </a:r>
-          </a:p>
-        </p:txBody>
-      </p:sp>
-      <p:sp>
-        <p:nvSpPr>
-          <p:cNvPr id="6" name="Slide Number Placeholder 5"/>
-          <p:cNvSpPr>
-            <a:spLocks noGrp="1"/>
-          </p:cNvSpPr>
-          <p:nvPr>
-            <p:ph type="sldNum" sz="quarter" idx="12"/>
-          </p:nvPr>
-        </p:nvSpPr>
-        <p:spPr/>
-        <p:txBody>
-          <a:bodyPr/>
-          <a:lstStyle>
-            <a:lvl1pPr eaLnBrk="0" hangingPunct="0">
-              <a:defRPr>
-                <a:solidFill>
-                  <a:schemeClr val="tx1"/>
-                </a:solidFill>
-                <a:latin typeface="Arial" charset="0"/>
-                <a:ea typeface="ＭＳ Ｐゴシック" charset="0"/>
-                <a:cs typeface="Arial" charset="0"/>
-              </a:defRPr>
-            </a:lvl1pPr>
-            <a:lvl2pPr marL="742950" indent="-285750" eaLnBrk="0" hangingPunct="0">
-              <a:defRPr>
-                <a:solidFill>
-                  <a:schemeClr val="tx1"/>
-                </a:solidFill>
-                <a:latin typeface="Arial" charset="0"/>
-                <a:ea typeface="Arial" charset="0"/>
-                <a:cs typeface="Arial" charset="0"/>
-              </a:defRPr>
-            </a:lvl2pPr>
-            <a:lvl3pPr marL="1143000" indent="-228600" eaLnBrk="0" hangingPunct="0">
-              <a:defRPr>
-                <a:solidFill>
-                  <a:schemeClr val="tx1"/>
-                </a:solidFill>
-                <a:latin typeface="Arial" charset="0"/>
-                <a:ea typeface="Arial" charset="0"/>
-                <a:cs typeface="Arial" charset="0"/>
-              </a:defRPr>
-            </a:lvl3pPr>
-            <a:lvl4pPr marL="1600200" indent="-228600" eaLnBrk="0" hangingPunct="0">
-              <a:defRPr>
-                <a:solidFill>
-                  <a:schemeClr val="tx1"/>
-                </a:solidFill>
-                <a:latin typeface="Arial" charset="0"/>
-                <a:ea typeface="Arial" charset="0"/>
-                <a:cs typeface="Arial" charset="0"/>
-              </a:defRPr>
-            </a:lvl4pPr>
-            <a:lvl5pPr marL="2057400" indent="-228600" eaLnBrk="0" hangingPunct="0">
-              <a:defRPr>
-                <a:solidFill>
-                  <a:schemeClr val="tx1"/>
-                </a:solidFill>
-                <a:latin typeface="Arial" charset="0"/>
-                <a:ea typeface="Arial" charset="0"/>
-                <a:cs typeface="Arial" charset="0"/>
-              </a:defRPr>
-            </a:lvl5pPr>
-            <a:lvl6pPr marL="2514600" indent="-228600" eaLnBrk="0" fontAlgn="base" hangingPunct="0">
-              <a:spcBef>
-                <a:spcPct val="0"/>
-              </a:spcBef>
-              <a:spcAft>
-                <a:spcPct val="0"/>
-              </a:spcAft>
-              <a:defRPr>
-                <a:solidFill>
-                  <a:schemeClr val="tx1"/>
-                </a:solidFill>
-                <a:latin typeface="Arial" charset="0"/>
-                <a:ea typeface="Arial" charset="0"/>
-                <a:cs typeface="Arial" charset="0"/>
-              </a:defRPr>
-            </a:lvl6pPr>
-            <a:lvl7pPr marL="2971800" indent="-228600" eaLnBrk="0" fontAlgn="base" hangingPunct="0">
-              <a:spcBef>
-                <a:spcPct val="0"/>
-              </a:spcBef>
-              <a:spcAft>
-                <a:spcPct val="0"/>
-              </a:spcAft>
-              <a:defRPr>
-                <a:solidFill>
-                  <a:schemeClr val="tx1"/>
-                </a:solidFill>
-                <a:latin typeface="Arial" charset="0"/>
-                <a:ea typeface="Arial" charset="0"/>
-                <a:cs typeface="Arial" charset="0"/>
-              </a:defRPr>
-            </a:lvl7pPr>
-            <a:lvl8pPr marL="3429000" indent="-228600" eaLnBrk="0" fontAlgn="base" hangingPunct="0">
-              <a:spcBef>
-                <a:spcPct val="0"/>
-              </a:spcBef>
-              <a:spcAft>
-                <a:spcPct val="0"/>
-              </a:spcAft>
-              <a:defRPr>
-                <a:solidFill>
-                  <a:schemeClr val="tx1"/>
-                </a:solidFill>
-                <a:latin typeface="Arial" charset="0"/>
-                <a:ea typeface="Arial" charset="0"/>
-                <a:cs typeface="Arial" charset="0"/>
-              </a:defRPr>
-            </a:lvl8pPr>
-            <a:lvl9pPr marL="3886200" indent="-228600" eaLnBrk="0" fontAlgn="base" hangingPunct="0">
-              <a:spcBef>
-                <a:spcPct val="0"/>
-              </a:spcBef>
-              <a:spcAft>
-                <a:spcPct val="0"/>
-              </a:spcAft>
-              <a:defRPr>
-                <a:solidFill>
-                  <a:schemeClr val="tx1"/>
-                </a:solidFill>
-                <a:latin typeface="Arial" charset="0"/>
-                <a:ea typeface="Arial" charset="0"/>
-                <a:cs typeface="Arial" charset="0"/>
-              </a:defRPr>
-            </a:lvl9pPr>
-          </a:lstStyle>
-          <a:p>
-            <a:pPr eaLnBrk="1" hangingPunct="1"/>
-            <a:fld id="{E63DDBFC-8C49-7240-B84F-22512C691873}" type="slidenum">
-              <a:rPr lang="en-US">
-                <a:latin typeface="Garamond" charset="0"/>
-              </a:rPr>
-              <a:pPr eaLnBrk="1" hangingPunct="1"/>
-              <a:t>25</a:t>
-            </a:fld>
-            <a:endParaRPr lang="en-US">
-              <a:latin typeface="Garamond" charset="0"/>
-            </a:endParaRPr>
-          </a:p>
-        </p:txBody>
-      </p:sp>
-    </p:spTree>
-  </p:cSld>
-  <p:clrMapOvr>
-    <a:masterClrMapping/>
-  </p:clrMapOvr>
-  <p:timing>
-    <p:tnLst>
-      <p:par>
-        <p:cTn xmlns:p14="http://schemas.microsoft.com/office/powerpoint/2010/main" id="1" dur="indefinite" restart="never" nodeType="tmRoot"/>
-      </p:par>
-    </p:tnLst>
-  </p:timing>
-</p:sld>
-</file>
-
-<file path=ppt/slides/slide26.xml><?xml version="1.0" encoding="utf-8"?>
-<p:sld xmlns:a="http://schemas.openxmlformats.org/drawingml/2006/main" xmlns:r="http://schemas.openxmlformats.org/officeDocument/2006/relationships" xmlns:p="http://schemas.openxmlformats.org/presentationml/2006/main">
-  <p:cSld>
-    <p:spTree>
-      <p:nvGrpSpPr>
-        <p:cNvPr id="1" name=""/>
-        <p:cNvGrpSpPr/>
-        <p:nvPr/>
-      </p:nvGrpSpPr>
-      <p:grpSpPr>
-        <a:xfrm>
-          <a:off x="0" y="0"/>
-          <a:ext cx="0" cy="0"/>
-          <a:chOff x="0" y="0"/>
-          <a:chExt cx="0" cy="0"/>
-        </a:xfrm>
-      </p:grpSpPr>
-      <p:sp>
-        <p:nvSpPr>
-          <p:cNvPr id="15362" name="Title 1"/>
-          <p:cNvSpPr>
-            <a:spLocks noGrp="1"/>
-          </p:cNvSpPr>
-          <p:nvPr>
-            <p:ph type="title"/>
-          </p:nvPr>
-        </p:nvSpPr>
-        <p:spPr/>
-        <p:txBody>
-          <a:bodyPr/>
-          <a:lstStyle/>
-          <a:p>
-            <a:r>
-              <a:rPr lang="en-US">
-                <a:latin typeface="Garamond" charset="0"/>
-              </a:rPr>
-              <a:t>MOV</a:t>
-            </a:r>
-          </a:p>
-        </p:txBody>
-      </p:sp>
-      <p:sp>
-        <p:nvSpPr>
-          <p:cNvPr id="3" name="Content Placeholder 2"/>
-          <p:cNvSpPr>
-            <a:spLocks noGrp="1"/>
-          </p:cNvSpPr>
-          <p:nvPr>
-            <p:ph idx="1"/>
-          </p:nvPr>
-        </p:nvSpPr>
-        <p:spPr/>
-        <p:txBody>
-          <a:bodyPr/>
-          <a:lstStyle/>
-          <a:p>
-            <a:pPr>
-              <a:buFont typeface="Wingdings" pitchFamily="2" charset="2"/>
-              <a:buChar char="n"/>
-              <a:defRPr/>
-            </a:pPr>
-            <a:r>
-              <a:rPr lang="en-US" dirty="0" smtClean="0">
-                <a:ea typeface="+mn-ea"/>
-              </a:rPr>
-              <a:t>Used to copy data between</a:t>
-            </a:r>
-          </a:p>
-          <a:p>
-            <a:pPr lvl="1">
-              <a:buFont typeface="Wingdings" pitchFamily="2" charset="2"/>
-              <a:buChar char="q"/>
-              <a:defRPr/>
-            </a:pPr>
-            <a:r>
-              <a:rPr lang="en-US" dirty="0" smtClean="0"/>
-              <a:t>Registers</a:t>
-            </a:r>
-          </a:p>
-          <a:p>
-            <a:pPr lvl="1">
-              <a:buFont typeface="Wingdings" pitchFamily="2" charset="2"/>
-              <a:buChar char="q"/>
-              <a:defRPr/>
-            </a:pPr>
-            <a:r>
-              <a:rPr lang="en-US" dirty="0" smtClean="0"/>
-              <a:t>Registers/memory</a:t>
-            </a:r>
-          </a:p>
-          <a:p>
-            <a:pPr lvl="1">
-              <a:buFont typeface="Wingdings" pitchFamily="2" charset="2"/>
-              <a:buChar char="q"/>
-              <a:defRPr/>
-            </a:pPr>
-            <a:r>
-              <a:rPr lang="en-US" dirty="0" smtClean="0"/>
-              <a:t>Immediate value (source only) to register/memory</a:t>
-            </a:r>
-          </a:p>
-          <a:p>
-            <a:pPr>
-              <a:buFont typeface="Wingdings" pitchFamily="2" charset="2"/>
-              <a:buChar char="n"/>
-              <a:defRPr/>
-            </a:pPr>
-            <a:r>
-              <a:rPr lang="en-US" dirty="0" smtClean="0">
-                <a:ea typeface="+mn-ea"/>
-              </a:rPr>
-              <a:t>Format: MOV D, S</a:t>
-            </a:r>
-          </a:p>
-          <a:p>
-            <a:pPr>
-              <a:buFont typeface="Wingdings" pitchFamily="2" charset="2"/>
-              <a:buChar char="n"/>
-              <a:defRPr/>
-            </a:pPr>
-            <a:r>
-              <a:rPr lang="en-US" dirty="0" smtClean="0">
-                <a:ea typeface="+mn-ea"/>
-              </a:rPr>
-              <a:t>Operation: (D) = (S)</a:t>
-            </a:r>
-          </a:p>
-          <a:p>
-            <a:pPr>
-              <a:buFont typeface="Wingdings" pitchFamily="2" charset="2"/>
-              <a:buChar char="n"/>
-              <a:defRPr/>
-            </a:pPr>
-            <a:r>
-              <a:rPr lang="en-US" dirty="0" smtClean="0">
-                <a:ea typeface="+mn-ea"/>
-              </a:rPr>
-              <a:t>Restrictions</a:t>
-            </a:r>
-          </a:p>
-          <a:p>
-            <a:pPr lvl="1">
-              <a:buFont typeface="Wingdings" pitchFamily="2" charset="2"/>
-              <a:buChar char="q"/>
-              <a:defRPr/>
-            </a:pPr>
-            <a:r>
-              <a:rPr lang="en-US" dirty="0" smtClean="0"/>
-              <a:t>Immediate value can only be used as source</a:t>
-            </a:r>
-          </a:p>
-          <a:p>
-            <a:pPr lvl="1">
-              <a:buFont typeface="Wingdings" pitchFamily="2" charset="2"/>
-              <a:buChar char="q"/>
-              <a:defRPr/>
-            </a:pPr>
-            <a:r>
-              <a:rPr lang="en-US" dirty="0" smtClean="0"/>
-              <a:t>If segment register is destination, source must be memory or register (no immediate)</a:t>
-            </a:r>
-          </a:p>
-          <a:p>
-            <a:pPr marL="0" indent="0">
-              <a:buFont typeface="Wingdings" pitchFamily="2" charset="2"/>
-              <a:buNone/>
-              <a:defRPr/>
-            </a:pPr>
-            <a:endParaRPr lang="en-US" dirty="0">
-              <a:ea typeface="+mn-ea"/>
-            </a:endParaRPr>
-          </a:p>
-        </p:txBody>
-      </p:sp>
-      <p:sp>
-        <p:nvSpPr>
-          <p:cNvPr id="4" name="Date Placeholder 3"/>
-          <p:cNvSpPr>
-            <a:spLocks noGrp="1"/>
-          </p:cNvSpPr>
-          <p:nvPr>
-            <p:ph type="dt" sz="quarter" idx="10"/>
-          </p:nvPr>
-        </p:nvSpPr>
-        <p:spPr/>
-        <p:txBody>
-          <a:bodyPr/>
-          <a:lstStyle>
-            <a:lvl1pPr eaLnBrk="0" hangingPunct="0">
-              <a:defRPr>
-                <a:solidFill>
-                  <a:schemeClr val="tx1"/>
-                </a:solidFill>
-                <a:latin typeface="Arial" charset="0"/>
-                <a:ea typeface="ＭＳ Ｐゴシック" charset="0"/>
-                <a:cs typeface="Arial" charset="0"/>
-              </a:defRPr>
-            </a:lvl1pPr>
-            <a:lvl2pPr marL="742950" indent="-285750" eaLnBrk="0" hangingPunct="0">
-              <a:defRPr>
-                <a:solidFill>
-                  <a:schemeClr val="tx1"/>
-                </a:solidFill>
-                <a:latin typeface="Arial" charset="0"/>
-                <a:ea typeface="Arial" charset="0"/>
-                <a:cs typeface="Arial" charset="0"/>
-              </a:defRPr>
-            </a:lvl2pPr>
-            <a:lvl3pPr marL="1143000" indent="-228600" eaLnBrk="0" hangingPunct="0">
-              <a:defRPr>
-                <a:solidFill>
-                  <a:schemeClr val="tx1"/>
-                </a:solidFill>
-                <a:latin typeface="Arial" charset="0"/>
-                <a:ea typeface="Arial" charset="0"/>
-                <a:cs typeface="Arial" charset="0"/>
-              </a:defRPr>
-            </a:lvl3pPr>
-            <a:lvl4pPr marL="1600200" indent="-228600" eaLnBrk="0" hangingPunct="0">
-              <a:defRPr>
-                <a:solidFill>
-                  <a:schemeClr val="tx1"/>
-                </a:solidFill>
-                <a:latin typeface="Arial" charset="0"/>
-                <a:ea typeface="Arial" charset="0"/>
-                <a:cs typeface="Arial" charset="0"/>
-              </a:defRPr>
-            </a:lvl4pPr>
-            <a:lvl5pPr marL="2057400" indent="-228600" eaLnBrk="0" hangingPunct="0">
-              <a:defRPr>
-                <a:solidFill>
-                  <a:schemeClr val="tx1"/>
-                </a:solidFill>
-                <a:latin typeface="Arial" charset="0"/>
-                <a:ea typeface="Arial" charset="0"/>
-                <a:cs typeface="Arial" charset="0"/>
-              </a:defRPr>
-            </a:lvl5pPr>
-            <a:lvl6pPr marL="2514600" indent="-228600" eaLnBrk="0" fontAlgn="base" hangingPunct="0">
-              <a:spcBef>
-                <a:spcPct val="0"/>
-              </a:spcBef>
-              <a:spcAft>
-                <a:spcPct val="0"/>
-              </a:spcAft>
-              <a:defRPr>
-                <a:solidFill>
-                  <a:schemeClr val="tx1"/>
-                </a:solidFill>
-                <a:latin typeface="Arial" charset="0"/>
-                <a:ea typeface="Arial" charset="0"/>
-                <a:cs typeface="Arial" charset="0"/>
-              </a:defRPr>
-            </a:lvl6pPr>
-            <a:lvl7pPr marL="2971800" indent="-228600" eaLnBrk="0" fontAlgn="base" hangingPunct="0">
-              <a:spcBef>
-                <a:spcPct val="0"/>
-              </a:spcBef>
-              <a:spcAft>
-                <a:spcPct val="0"/>
-              </a:spcAft>
-              <a:defRPr>
-                <a:solidFill>
-                  <a:schemeClr val="tx1"/>
-                </a:solidFill>
-                <a:latin typeface="Arial" charset="0"/>
-                <a:ea typeface="Arial" charset="0"/>
-                <a:cs typeface="Arial" charset="0"/>
-              </a:defRPr>
-            </a:lvl7pPr>
-            <a:lvl8pPr marL="3429000" indent="-228600" eaLnBrk="0" fontAlgn="base" hangingPunct="0">
-              <a:spcBef>
-                <a:spcPct val="0"/>
-              </a:spcBef>
-              <a:spcAft>
-                <a:spcPct val="0"/>
-              </a:spcAft>
-              <a:defRPr>
-                <a:solidFill>
-                  <a:schemeClr val="tx1"/>
-                </a:solidFill>
-                <a:latin typeface="Arial" charset="0"/>
-                <a:ea typeface="Arial" charset="0"/>
-                <a:cs typeface="Arial" charset="0"/>
-              </a:defRPr>
-            </a:lvl8pPr>
-            <a:lvl9pPr marL="3886200" indent="-228600" eaLnBrk="0" fontAlgn="base" hangingPunct="0">
-              <a:spcBef>
-                <a:spcPct val="0"/>
-              </a:spcBef>
-              <a:spcAft>
-                <a:spcPct val="0"/>
-              </a:spcAft>
-              <a:defRPr>
-                <a:solidFill>
-                  <a:schemeClr val="tx1"/>
-                </a:solidFill>
-                <a:latin typeface="Arial" charset="0"/>
-                <a:ea typeface="Arial" charset="0"/>
-                <a:cs typeface="Arial" charset="0"/>
-              </a:defRPr>
-            </a:lvl9pPr>
-          </a:lstStyle>
-          <a:p>
-            <a:pPr eaLnBrk="1" hangingPunct="1"/>
-            <a:fld id="{A7ADFEA0-2F8B-6D4D-B2C0-D26F83F14657}" type="datetime1">
-              <a:rPr lang="en-US">
-                <a:latin typeface="Garamond" charset="0"/>
-              </a:rPr>
-              <a:pPr eaLnBrk="1" hangingPunct="1"/>
-              <a:t>9/9/15</a:t>
-            </a:fld>
-            <a:endParaRPr lang="en-US">
-              <a:latin typeface="Garamond" charset="0"/>
-            </a:endParaRPr>
-          </a:p>
-        </p:txBody>
-      </p:sp>
-      <p:sp>
-        <p:nvSpPr>
-          <p:cNvPr id="5" name="Footer Placeholder 4"/>
-          <p:cNvSpPr>
-            <a:spLocks noGrp="1"/>
-          </p:cNvSpPr>
-          <p:nvPr>
-            <p:ph type="ftr" sz="quarter" idx="11"/>
-          </p:nvPr>
-        </p:nvSpPr>
-        <p:spPr/>
-        <p:txBody>
-          <a:bodyPr/>
-          <a:lstStyle/>
-          <a:p>
-            <a:pPr>
-              <a:defRPr/>
-            </a:pPr>
-            <a:r>
-              <a:rPr lang="en-US" altLang="en-US"/>
-              <a:t>Microprocessors I:  Lecture 6</a:t>
-            </a:r>
-          </a:p>
-        </p:txBody>
-      </p:sp>
-      <p:sp>
-        <p:nvSpPr>
-          <p:cNvPr id="6" name="Slide Number Placeholder 5"/>
-          <p:cNvSpPr>
-            <a:spLocks noGrp="1"/>
-          </p:cNvSpPr>
-          <p:nvPr>
-            <p:ph type="sldNum" sz="quarter" idx="12"/>
-          </p:nvPr>
-        </p:nvSpPr>
-        <p:spPr/>
-        <p:txBody>
-          <a:bodyPr/>
-          <a:lstStyle>
-            <a:lvl1pPr eaLnBrk="0" hangingPunct="0">
-              <a:defRPr>
-                <a:solidFill>
-                  <a:schemeClr val="tx1"/>
-                </a:solidFill>
-                <a:latin typeface="Arial" charset="0"/>
-                <a:ea typeface="ＭＳ Ｐゴシック" charset="0"/>
-                <a:cs typeface="Arial" charset="0"/>
-              </a:defRPr>
-            </a:lvl1pPr>
-            <a:lvl2pPr marL="742950" indent="-285750" eaLnBrk="0" hangingPunct="0">
-              <a:defRPr>
-                <a:solidFill>
-                  <a:schemeClr val="tx1"/>
-                </a:solidFill>
-                <a:latin typeface="Arial" charset="0"/>
-                <a:ea typeface="Arial" charset="0"/>
-                <a:cs typeface="Arial" charset="0"/>
-              </a:defRPr>
-            </a:lvl2pPr>
-            <a:lvl3pPr marL="1143000" indent="-228600" eaLnBrk="0" hangingPunct="0">
-              <a:defRPr>
-                <a:solidFill>
-                  <a:schemeClr val="tx1"/>
-                </a:solidFill>
-                <a:latin typeface="Arial" charset="0"/>
-                <a:ea typeface="Arial" charset="0"/>
-                <a:cs typeface="Arial" charset="0"/>
-              </a:defRPr>
-            </a:lvl3pPr>
-            <a:lvl4pPr marL="1600200" indent="-228600" eaLnBrk="0" hangingPunct="0">
-              <a:defRPr>
-                <a:solidFill>
-                  <a:schemeClr val="tx1"/>
-                </a:solidFill>
-                <a:latin typeface="Arial" charset="0"/>
-                <a:ea typeface="Arial" charset="0"/>
-                <a:cs typeface="Arial" charset="0"/>
-              </a:defRPr>
-            </a:lvl4pPr>
-            <a:lvl5pPr marL="2057400" indent="-228600" eaLnBrk="0" hangingPunct="0">
-              <a:defRPr>
-                <a:solidFill>
-                  <a:schemeClr val="tx1"/>
-                </a:solidFill>
-                <a:latin typeface="Arial" charset="0"/>
-                <a:ea typeface="Arial" charset="0"/>
-                <a:cs typeface="Arial" charset="0"/>
-              </a:defRPr>
-            </a:lvl5pPr>
-            <a:lvl6pPr marL="2514600" indent="-228600" eaLnBrk="0" fontAlgn="base" hangingPunct="0">
-              <a:spcBef>
-                <a:spcPct val="0"/>
-              </a:spcBef>
-              <a:spcAft>
-                <a:spcPct val="0"/>
-              </a:spcAft>
-              <a:defRPr>
-                <a:solidFill>
-                  <a:schemeClr val="tx1"/>
-                </a:solidFill>
-                <a:latin typeface="Arial" charset="0"/>
-                <a:ea typeface="Arial" charset="0"/>
-                <a:cs typeface="Arial" charset="0"/>
-              </a:defRPr>
-            </a:lvl6pPr>
-            <a:lvl7pPr marL="2971800" indent="-228600" eaLnBrk="0" fontAlgn="base" hangingPunct="0">
-              <a:spcBef>
-                <a:spcPct val="0"/>
-              </a:spcBef>
-              <a:spcAft>
-                <a:spcPct val="0"/>
-              </a:spcAft>
-              <a:defRPr>
-                <a:solidFill>
-                  <a:schemeClr val="tx1"/>
-                </a:solidFill>
-                <a:latin typeface="Arial" charset="0"/>
-                <a:ea typeface="Arial" charset="0"/>
-                <a:cs typeface="Arial" charset="0"/>
-              </a:defRPr>
-            </a:lvl7pPr>
-            <a:lvl8pPr marL="3429000" indent="-228600" eaLnBrk="0" fontAlgn="base" hangingPunct="0">
-              <a:spcBef>
-                <a:spcPct val="0"/>
-              </a:spcBef>
-              <a:spcAft>
-                <a:spcPct val="0"/>
-              </a:spcAft>
-              <a:defRPr>
-                <a:solidFill>
-                  <a:schemeClr val="tx1"/>
-                </a:solidFill>
-                <a:latin typeface="Arial" charset="0"/>
-                <a:ea typeface="Arial" charset="0"/>
-                <a:cs typeface="Arial" charset="0"/>
-              </a:defRPr>
-            </a:lvl8pPr>
-            <a:lvl9pPr marL="3886200" indent="-228600" eaLnBrk="0" fontAlgn="base" hangingPunct="0">
-              <a:spcBef>
-                <a:spcPct val="0"/>
-              </a:spcBef>
-              <a:spcAft>
-                <a:spcPct val="0"/>
-              </a:spcAft>
-              <a:defRPr>
-                <a:solidFill>
-                  <a:schemeClr val="tx1"/>
-                </a:solidFill>
-                <a:latin typeface="Arial" charset="0"/>
-                <a:ea typeface="Arial" charset="0"/>
-                <a:cs typeface="Arial" charset="0"/>
-              </a:defRPr>
-            </a:lvl9pPr>
-          </a:lstStyle>
-          <a:p>
-            <a:pPr eaLnBrk="1" hangingPunct="1"/>
-            <a:fld id="{58173143-70F8-E84B-86BA-3CA35202FA1B}" type="slidenum">
-              <a:rPr lang="en-US">
-                <a:latin typeface="Garamond" charset="0"/>
-              </a:rPr>
-              <a:pPr eaLnBrk="1" hangingPunct="1"/>
-              <a:t>26</a:t>
-            </a:fld>
-            <a:endParaRPr lang="en-US">
-              <a:latin typeface="Garamond" charset="0"/>
-            </a:endParaRPr>
-          </a:p>
-        </p:txBody>
-      </p:sp>
-    </p:spTree>
-  </p:cSld>
-  <p:clrMapOvr>
-    <a:masterClrMapping/>
-  </p:clrMapOvr>
-  <p:timing>
-    <p:tnLst>
-      <p:par>
-        <p:cTn xmlns:p14="http://schemas.microsoft.com/office/powerpoint/2010/main" id="1" dur="indefinite" restart="never" nodeType="tmRoot"/>
-      </p:par>
-    </p:tnLst>
-  </p:timing>
-</p:sld>
-</file>
-
-<file path=ppt/slides/slide27.xml><?xml version="1.0" encoding="utf-8"?>
-<p:sld xmlns:a="http://schemas.openxmlformats.org/drawingml/2006/main" xmlns:r="http://schemas.openxmlformats.org/officeDocument/2006/relationships" xmlns:p="http://schemas.openxmlformats.org/presentationml/2006/main">
-  <p:cSld>
-    <p:spTree>
-      <p:nvGrpSpPr>
-        <p:cNvPr id="1" name=""/>
-        <p:cNvGrpSpPr/>
-        <p:nvPr/>
-      </p:nvGrpSpPr>
-      <p:grpSpPr>
-        <a:xfrm>
-          <a:off x="0" y="0"/>
-          <a:ext cx="0" cy="0"/>
-          <a:chOff x="0" y="0"/>
-          <a:chExt cx="0" cy="0"/>
-        </a:xfrm>
-      </p:grpSpPr>
-      <p:sp>
-        <p:nvSpPr>
-          <p:cNvPr id="16386" name="Title 1"/>
-          <p:cNvSpPr>
-            <a:spLocks noGrp="1"/>
-          </p:cNvSpPr>
-          <p:nvPr>
-            <p:ph type="title"/>
-          </p:nvPr>
-        </p:nvSpPr>
-        <p:spPr/>
-        <p:txBody>
-          <a:bodyPr/>
-          <a:lstStyle/>
-          <a:p>
-            <a:r>
-              <a:rPr lang="en-US">
-                <a:latin typeface="Garamond" charset="0"/>
-              </a:rPr>
-              <a:t>MOV examples</a:t>
-            </a:r>
-          </a:p>
-        </p:txBody>
-      </p:sp>
-      <p:sp>
-        <p:nvSpPr>
-          <p:cNvPr id="13315" name="Content Placeholder 2"/>
-          <p:cNvSpPr>
-            <a:spLocks noGrp="1"/>
-          </p:cNvSpPr>
-          <p:nvPr>
-            <p:ph idx="1"/>
-          </p:nvPr>
-        </p:nvSpPr>
-        <p:spPr/>
-        <p:txBody>
-          <a:bodyPr/>
-          <a:lstStyle/>
-          <a:p>
-            <a:pPr>
-              <a:buFont typeface="Wingdings" pitchFamily="2" charset="2"/>
-              <a:buChar char="n"/>
-              <a:defRPr/>
-            </a:pPr>
-            <a:r>
-              <a:rPr lang="en-US" dirty="0" smtClean="0">
-                <a:ea typeface="+mn-ea"/>
-              </a:rPr>
-              <a:t>Assume: AX = 0100H, CS = 3000H, </a:t>
-            </a:r>
-          </a:p>
-          <a:p>
-            <a:pPr marL="0" indent="0">
-              <a:buFont typeface="Wingdings" pitchFamily="2" charset="2"/>
-              <a:buNone/>
-              <a:defRPr/>
-            </a:pPr>
-            <a:r>
-              <a:rPr lang="en-US" dirty="0">
-                <a:ea typeface="+mn-ea"/>
-              </a:rPr>
-              <a:t>	</a:t>
-            </a:r>
-            <a:r>
-              <a:rPr lang="en-US" dirty="0" smtClean="0">
-                <a:ea typeface="+mn-ea"/>
-              </a:rPr>
-              <a:t>(100H) = 00H, (101H) = FFH</a:t>
-            </a:r>
-          </a:p>
-          <a:p>
-            <a:pPr>
-              <a:buFont typeface="Wingdings" pitchFamily="2" charset="2"/>
-              <a:buChar char="n"/>
-              <a:defRPr/>
-            </a:pPr>
-            <a:r>
-              <a:rPr lang="en-US" dirty="0" smtClean="0">
-                <a:ea typeface="+mn-ea"/>
-              </a:rPr>
-              <a:t>MOV BL, AL</a:t>
-            </a:r>
-          </a:p>
-          <a:p>
-            <a:pPr lvl="1">
-              <a:buFont typeface="Wingdings" pitchFamily="2" charset="2"/>
-              <a:buChar char="q"/>
-              <a:defRPr/>
-            </a:pPr>
-            <a:r>
-              <a:rPr lang="en-US" dirty="0" smtClean="0"/>
-              <a:t>BL = AL = 00H</a:t>
-            </a:r>
-          </a:p>
-          <a:p>
-            <a:pPr>
-              <a:buFont typeface="Wingdings" pitchFamily="2" charset="2"/>
-              <a:buChar char="n"/>
-              <a:defRPr/>
-            </a:pPr>
-            <a:r>
-              <a:rPr lang="en-US" dirty="0" smtClean="0">
-                <a:ea typeface="+mn-ea"/>
-              </a:rPr>
-              <a:t>MOV DX, CS</a:t>
-            </a:r>
-          </a:p>
-          <a:p>
-            <a:pPr lvl="1">
-              <a:buFont typeface="Wingdings" pitchFamily="2" charset="2"/>
-              <a:buChar char="q"/>
-              <a:defRPr/>
-            </a:pPr>
-            <a:r>
-              <a:rPr lang="en-US" dirty="0" smtClean="0"/>
-              <a:t>DX = CS = 3000H</a:t>
-            </a:r>
-          </a:p>
-          <a:p>
-            <a:pPr>
-              <a:buFont typeface="Wingdings" pitchFamily="2" charset="2"/>
-              <a:buChar char="n"/>
-              <a:defRPr/>
-            </a:pPr>
-            <a:r>
-              <a:rPr lang="en-US" dirty="0" smtClean="0">
-                <a:ea typeface="+mn-ea"/>
-              </a:rPr>
-              <a:t>MOV CX, [100H]</a:t>
-            </a:r>
-          </a:p>
-          <a:p>
-            <a:pPr lvl="1">
-              <a:buFont typeface="Wingdings" pitchFamily="2" charset="2"/>
-              <a:buChar char="q"/>
-              <a:defRPr/>
-            </a:pPr>
-            <a:r>
-              <a:rPr lang="en-US" dirty="0" smtClean="0"/>
-              <a:t>CX = word starting </a:t>
-            </a:r>
-            <a:r>
-              <a:rPr lang="en-US" smtClean="0"/>
-              <a:t>at 100H </a:t>
-            </a:r>
-            <a:r>
-              <a:rPr lang="en-US" dirty="0" smtClean="0"/>
-              <a:t>= FF00H</a:t>
-            </a:r>
-          </a:p>
-        </p:txBody>
-      </p:sp>
-      <p:sp>
-        <p:nvSpPr>
-          <p:cNvPr id="4" name="Date Placeholder 3"/>
-          <p:cNvSpPr>
-            <a:spLocks noGrp="1"/>
-          </p:cNvSpPr>
-          <p:nvPr>
-            <p:ph type="dt" sz="quarter" idx="10"/>
-          </p:nvPr>
-        </p:nvSpPr>
-        <p:spPr/>
-        <p:txBody>
-          <a:bodyPr/>
-          <a:lstStyle>
-            <a:lvl1pPr eaLnBrk="0" hangingPunct="0">
-              <a:defRPr>
-                <a:solidFill>
-                  <a:schemeClr val="tx1"/>
-                </a:solidFill>
-                <a:latin typeface="Arial" charset="0"/>
-                <a:ea typeface="ＭＳ Ｐゴシック" charset="0"/>
-                <a:cs typeface="Arial" charset="0"/>
-              </a:defRPr>
-            </a:lvl1pPr>
-            <a:lvl2pPr marL="742950" indent="-285750" eaLnBrk="0" hangingPunct="0">
-              <a:defRPr>
-                <a:solidFill>
-                  <a:schemeClr val="tx1"/>
-                </a:solidFill>
-                <a:latin typeface="Arial" charset="0"/>
-                <a:ea typeface="Arial" charset="0"/>
-                <a:cs typeface="Arial" charset="0"/>
-              </a:defRPr>
-            </a:lvl2pPr>
-            <a:lvl3pPr marL="1143000" indent="-228600" eaLnBrk="0" hangingPunct="0">
-              <a:defRPr>
-                <a:solidFill>
-                  <a:schemeClr val="tx1"/>
-                </a:solidFill>
-                <a:latin typeface="Arial" charset="0"/>
-                <a:ea typeface="Arial" charset="0"/>
-                <a:cs typeface="Arial" charset="0"/>
-              </a:defRPr>
-            </a:lvl3pPr>
-            <a:lvl4pPr marL="1600200" indent="-228600" eaLnBrk="0" hangingPunct="0">
-              <a:defRPr>
-                <a:solidFill>
-                  <a:schemeClr val="tx1"/>
-                </a:solidFill>
-                <a:latin typeface="Arial" charset="0"/>
-                <a:ea typeface="Arial" charset="0"/>
-                <a:cs typeface="Arial" charset="0"/>
-              </a:defRPr>
-            </a:lvl4pPr>
-            <a:lvl5pPr marL="2057400" indent="-228600" eaLnBrk="0" hangingPunct="0">
-              <a:defRPr>
-                <a:solidFill>
-                  <a:schemeClr val="tx1"/>
-                </a:solidFill>
-                <a:latin typeface="Arial" charset="0"/>
-                <a:ea typeface="Arial" charset="0"/>
-                <a:cs typeface="Arial" charset="0"/>
-              </a:defRPr>
-            </a:lvl5pPr>
-            <a:lvl6pPr marL="2514600" indent="-228600" eaLnBrk="0" fontAlgn="base" hangingPunct="0">
-              <a:spcBef>
-                <a:spcPct val="0"/>
-              </a:spcBef>
-              <a:spcAft>
-                <a:spcPct val="0"/>
-              </a:spcAft>
-              <a:defRPr>
-                <a:solidFill>
-                  <a:schemeClr val="tx1"/>
-                </a:solidFill>
-                <a:latin typeface="Arial" charset="0"/>
-                <a:ea typeface="Arial" charset="0"/>
-                <a:cs typeface="Arial" charset="0"/>
-              </a:defRPr>
-            </a:lvl6pPr>
-            <a:lvl7pPr marL="2971800" indent="-228600" eaLnBrk="0" fontAlgn="base" hangingPunct="0">
-              <a:spcBef>
-                <a:spcPct val="0"/>
-              </a:spcBef>
-              <a:spcAft>
-                <a:spcPct val="0"/>
-              </a:spcAft>
-              <a:defRPr>
-                <a:solidFill>
-                  <a:schemeClr val="tx1"/>
-                </a:solidFill>
-                <a:latin typeface="Arial" charset="0"/>
-                <a:ea typeface="Arial" charset="0"/>
-                <a:cs typeface="Arial" charset="0"/>
-              </a:defRPr>
-            </a:lvl7pPr>
-            <a:lvl8pPr marL="3429000" indent="-228600" eaLnBrk="0" fontAlgn="base" hangingPunct="0">
-              <a:spcBef>
-                <a:spcPct val="0"/>
-              </a:spcBef>
-              <a:spcAft>
-                <a:spcPct val="0"/>
-              </a:spcAft>
-              <a:defRPr>
-                <a:solidFill>
-                  <a:schemeClr val="tx1"/>
-                </a:solidFill>
-                <a:latin typeface="Arial" charset="0"/>
-                <a:ea typeface="Arial" charset="0"/>
-                <a:cs typeface="Arial" charset="0"/>
-              </a:defRPr>
-            </a:lvl8pPr>
-            <a:lvl9pPr marL="3886200" indent="-228600" eaLnBrk="0" fontAlgn="base" hangingPunct="0">
-              <a:spcBef>
-                <a:spcPct val="0"/>
-              </a:spcBef>
-              <a:spcAft>
-                <a:spcPct val="0"/>
-              </a:spcAft>
-              <a:defRPr>
-                <a:solidFill>
-                  <a:schemeClr val="tx1"/>
-                </a:solidFill>
-                <a:latin typeface="Arial" charset="0"/>
-                <a:ea typeface="Arial" charset="0"/>
-                <a:cs typeface="Arial" charset="0"/>
-              </a:defRPr>
-            </a:lvl9pPr>
-          </a:lstStyle>
-          <a:p>
-            <a:pPr eaLnBrk="1" hangingPunct="1"/>
-            <a:fld id="{871448D1-1D88-854A-8A79-49A6D0674C6F}" type="datetime1">
-              <a:rPr lang="en-US">
-                <a:latin typeface="Garamond" charset="0"/>
-              </a:rPr>
-              <a:pPr eaLnBrk="1" hangingPunct="1"/>
-              <a:t>9/9/15</a:t>
-            </a:fld>
-            <a:endParaRPr lang="en-US">
-              <a:latin typeface="Garamond" charset="0"/>
-            </a:endParaRPr>
-          </a:p>
-        </p:txBody>
-      </p:sp>
-      <p:sp>
-        <p:nvSpPr>
-          <p:cNvPr id="5" name="Footer Placeholder 4"/>
-          <p:cNvSpPr>
-            <a:spLocks noGrp="1"/>
-          </p:cNvSpPr>
-          <p:nvPr>
-            <p:ph type="ftr" sz="quarter" idx="11"/>
-          </p:nvPr>
-        </p:nvSpPr>
-        <p:spPr/>
-        <p:txBody>
-          <a:bodyPr/>
-          <a:lstStyle/>
-          <a:p>
-            <a:pPr>
-              <a:defRPr/>
-            </a:pPr>
-            <a:r>
-              <a:rPr lang="en-US" altLang="en-US"/>
-              <a:t>Microprocessors I:  Lecture 6</a:t>
-            </a:r>
-          </a:p>
-        </p:txBody>
-      </p:sp>
-      <p:sp>
-        <p:nvSpPr>
-          <p:cNvPr id="6" name="Slide Number Placeholder 5"/>
-          <p:cNvSpPr>
-            <a:spLocks noGrp="1"/>
-          </p:cNvSpPr>
-          <p:nvPr>
-            <p:ph type="sldNum" sz="quarter" idx="12"/>
-          </p:nvPr>
-        </p:nvSpPr>
-        <p:spPr/>
-        <p:txBody>
-          <a:bodyPr/>
-          <a:lstStyle>
-            <a:lvl1pPr eaLnBrk="0" hangingPunct="0">
-              <a:defRPr>
-                <a:solidFill>
-                  <a:schemeClr val="tx1"/>
-                </a:solidFill>
-                <a:latin typeface="Arial" charset="0"/>
-                <a:ea typeface="ＭＳ Ｐゴシック" charset="0"/>
-                <a:cs typeface="Arial" charset="0"/>
-              </a:defRPr>
-            </a:lvl1pPr>
-            <a:lvl2pPr marL="742950" indent="-285750" eaLnBrk="0" hangingPunct="0">
-              <a:defRPr>
-                <a:solidFill>
-                  <a:schemeClr val="tx1"/>
-                </a:solidFill>
-                <a:latin typeface="Arial" charset="0"/>
-                <a:ea typeface="Arial" charset="0"/>
-                <a:cs typeface="Arial" charset="0"/>
-              </a:defRPr>
-            </a:lvl2pPr>
-            <a:lvl3pPr marL="1143000" indent="-228600" eaLnBrk="0" hangingPunct="0">
-              <a:defRPr>
-                <a:solidFill>
-                  <a:schemeClr val="tx1"/>
-                </a:solidFill>
-                <a:latin typeface="Arial" charset="0"/>
-                <a:ea typeface="Arial" charset="0"/>
-                <a:cs typeface="Arial" charset="0"/>
-              </a:defRPr>
-            </a:lvl3pPr>
-            <a:lvl4pPr marL="1600200" indent="-228600" eaLnBrk="0" hangingPunct="0">
-              <a:defRPr>
-                <a:solidFill>
-                  <a:schemeClr val="tx1"/>
-                </a:solidFill>
-                <a:latin typeface="Arial" charset="0"/>
-                <a:ea typeface="Arial" charset="0"/>
-                <a:cs typeface="Arial" charset="0"/>
-              </a:defRPr>
-            </a:lvl4pPr>
-            <a:lvl5pPr marL="2057400" indent="-228600" eaLnBrk="0" hangingPunct="0">
-              <a:defRPr>
-                <a:solidFill>
-                  <a:schemeClr val="tx1"/>
-                </a:solidFill>
-                <a:latin typeface="Arial" charset="0"/>
-                <a:ea typeface="Arial" charset="0"/>
-                <a:cs typeface="Arial" charset="0"/>
-              </a:defRPr>
-            </a:lvl5pPr>
-            <a:lvl6pPr marL="2514600" indent="-228600" eaLnBrk="0" fontAlgn="base" hangingPunct="0">
-              <a:spcBef>
-                <a:spcPct val="0"/>
-              </a:spcBef>
-              <a:spcAft>
-                <a:spcPct val="0"/>
-              </a:spcAft>
-              <a:defRPr>
-                <a:solidFill>
-                  <a:schemeClr val="tx1"/>
-                </a:solidFill>
-                <a:latin typeface="Arial" charset="0"/>
-                <a:ea typeface="Arial" charset="0"/>
-                <a:cs typeface="Arial" charset="0"/>
-              </a:defRPr>
-            </a:lvl6pPr>
-            <a:lvl7pPr marL="2971800" indent="-228600" eaLnBrk="0" fontAlgn="base" hangingPunct="0">
-              <a:spcBef>
-                <a:spcPct val="0"/>
-              </a:spcBef>
-              <a:spcAft>
-                <a:spcPct val="0"/>
-              </a:spcAft>
-              <a:defRPr>
-                <a:solidFill>
-                  <a:schemeClr val="tx1"/>
-                </a:solidFill>
-                <a:latin typeface="Arial" charset="0"/>
-                <a:ea typeface="Arial" charset="0"/>
-                <a:cs typeface="Arial" charset="0"/>
-              </a:defRPr>
-            </a:lvl7pPr>
-            <a:lvl8pPr marL="3429000" indent="-228600" eaLnBrk="0" fontAlgn="base" hangingPunct="0">
-              <a:spcBef>
-                <a:spcPct val="0"/>
-              </a:spcBef>
-              <a:spcAft>
-                <a:spcPct val="0"/>
-              </a:spcAft>
-              <a:defRPr>
-                <a:solidFill>
-                  <a:schemeClr val="tx1"/>
-                </a:solidFill>
-                <a:latin typeface="Arial" charset="0"/>
-                <a:ea typeface="Arial" charset="0"/>
-                <a:cs typeface="Arial" charset="0"/>
-              </a:defRPr>
-            </a:lvl8pPr>
-            <a:lvl9pPr marL="3886200" indent="-228600" eaLnBrk="0" fontAlgn="base" hangingPunct="0">
-              <a:spcBef>
-                <a:spcPct val="0"/>
-              </a:spcBef>
-              <a:spcAft>
-                <a:spcPct val="0"/>
-              </a:spcAft>
-              <a:defRPr>
-                <a:solidFill>
-                  <a:schemeClr val="tx1"/>
-                </a:solidFill>
-                <a:latin typeface="Arial" charset="0"/>
-                <a:ea typeface="Arial" charset="0"/>
-                <a:cs typeface="Arial" charset="0"/>
-              </a:defRPr>
-            </a:lvl9pPr>
-          </a:lstStyle>
-          <a:p>
-            <a:pPr eaLnBrk="1" hangingPunct="1"/>
-            <a:fld id="{BF58B50F-4BFC-2943-B561-9B55855D7024}" type="slidenum">
-              <a:rPr lang="en-US">
-                <a:latin typeface="Garamond" charset="0"/>
-              </a:rPr>
-              <a:pPr eaLnBrk="1" hangingPunct="1"/>
-              <a:t>27</a:t>
-            </a:fld>
-            <a:endParaRPr lang="en-US">
-              <a:latin typeface="Garamond" charset="0"/>
-            </a:endParaRPr>
-          </a:p>
-        </p:txBody>
-      </p:sp>
-    </p:spTree>
-  </p:cSld>
-  <p:clrMapOvr>
-    <a:masterClrMapping/>
-  </p:clrMapOvr>
-  <p:timing>
-    <p:tnLst>
-      <p:par>
-        <p:cTn xmlns:p14="http://schemas.microsoft.com/office/powerpoint/2010/main" id="1" dur="indefinite" restart="never" nodeType="tmRoot"/>
-      </p:par>
-    </p:tnLst>
-  </p:timing>
-</p:sld>
-</file>
-
-<file path=ppt/slides/slide28.xml><?xml version="1.0" encoding="utf-8"?>
-<p:sld xmlns:a="http://schemas.openxmlformats.org/drawingml/2006/main" xmlns:r="http://schemas.openxmlformats.org/officeDocument/2006/relationships" xmlns:p="http://schemas.openxmlformats.org/presentationml/2006/main">
-  <p:cSld>
-    <p:spTree>
-      <p:nvGrpSpPr>
-        <p:cNvPr id="1" name=""/>
-        <p:cNvGrpSpPr/>
-        <p:nvPr/>
-      </p:nvGrpSpPr>
-      <p:grpSpPr>
-        <a:xfrm>
-          <a:off x="0" y="0"/>
-          <a:ext cx="0" cy="0"/>
-          <a:chOff x="0" y="0"/>
-          <a:chExt cx="0" cy="0"/>
-        </a:xfrm>
-      </p:grpSpPr>
-      <p:sp>
-        <p:nvSpPr>
-          <p:cNvPr id="17410" name="Rectangle 2"/>
-          <p:cNvSpPr>
-            <a:spLocks noGrp="1" noChangeArrowheads="1"/>
-          </p:cNvSpPr>
-          <p:nvPr>
-            <p:ph type="title"/>
-          </p:nvPr>
-        </p:nvSpPr>
-        <p:spPr/>
-        <p:txBody>
-          <a:bodyPr/>
-          <a:lstStyle/>
-          <a:p>
-            <a:r>
-              <a:rPr lang="en-US">
-                <a:latin typeface="Garamond" charset="0"/>
-              </a:rPr>
-              <a:t>Usage of Move Instruction</a:t>
-            </a:r>
-          </a:p>
-        </p:txBody>
-      </p:sp>
-      <p:pic>
-        <p:nvPicPr>
-          <p:cNvPr id="17411" name="Picture 6" descr="~AUT0065"/>
-          <p:cNvPicPr>
-            <a:picLocks noGrp="1" noChangeAspect="1" noChangeArrowheads="1"/>
-          </p:cNvPicPr>
-          <p:nvPr>
-            <p:ph type="body" sz="half" idx="1"/>
-          </p:nvPr>
-        </p:nvPicPr>
-        <p:blipFill>
-          <a:blip r:embed="rId3">
-            <a:extLst>
-              <a:ext uri="{28A0092B-C50C-407E-A947-70E740481C1C}">
-                <a14:useLocalDpi xmlns:a14="http://schemas.microsoft.com/office/drawing/2010/main" val="0"/>
-              </a:ext>
-            </a:extLst>
-          </a:blip>
-          <a:srcRect/>
-          <a:stretch>
-            <a:fillRect/>
-          </a:stretch>
-        </p:blipFill>
-        <p:spPr>
-          <a:xfrm>
-            <a:off x="685800" y="1981200"/>
-            <a:ext cx="2082800" cy="3429000"/>
-          </a:xfrm>
-        </p:spPr>
-      </p:pic>
-      <p:sp>
-        <p:nvSpPr>
-          <p:cNvPr id="17412" name="Rectangle 3"/>
-          <p:cNvSpPr>
-            <a:spLocks noGrp="1" noChangeArrowheads="1"/>
-          </p:cNvSpPr>
-          <p:nvPr>
-            <p:ph type="body" sz="half" idx="2"/>
-          </p:nvPr>
-        </p:nvSpPr>
-        <p:spPr>
-          <a:xfrm>
-            <a:off x="2895600" y="1676400"/>
-            <a:ext cx="6059488" cy="4456113"/>
-          </a:xfrm>
-        </p:spPr>
-        <p:txBody>
-          <a:bodyPr/>
-          <a:lstStyle/>
-          <a:p>
-            <a:r>
-              <a:rPr lang="en-US">
-                <a:latin typeface="Arial" charset="0"/>
-              </a:rPr>
-              <a:t>Example—Initialization of internal registers with immediate data and address information</a:t>
-            </a:r>
-          </a:p>
-          <a:p>
-            <a:pPr lvl="1"/>
-            <a:r>
-              <a:rPr lang="en-US">
-                <a:latin typeface="Arial" charset="0"/>
-              </a:rPr>
-              <a:t>What is the final state of all affected registers?</a:t>
-            </a:r>
-          </a:p>
-          <a:p>
-            <a:pPr lvl="1"/>
-            <a:r>
-              <a:rPr lang="en-US">
-                <a:latin typeface="Arial" charset="0"/>
-              </a:rPr>
-              <a:t>Why is AX used to initialize segment registers?</a:t>
-            </a:r>
-          </a:p>
-          <a:p>
-            <a:pPr lvl="1"/>
-            <a:endParaRPr lang="en-US">
-              <a:latin typeface="Arial" charset="0"/>
-            </a:endParaRPr>
-          </a:p>
-        </p:txBody>
-      </p:sp>
-      <p:sp>
-        <p:nvSpPr>
-          <p:cNvPr id="2" name="Date Placeholder 1"/>
-          <p:cNvSpPr>
-            <a:spLocks noGrp="1"/>
-          </p:cNvSpPr>
-          <p:nvPr>
-            <p:ph type="dt" sz="quarter" idx="10"/>
-          </p:nvPr>
-        </p:nvSpPr>
-        <p:spPr/>
-        <p:txBody>
-          <a:bodyPr/>
-          <a:lstStyle>
-            <a:lvl1pPr eaLnBrk="0" hangingPunct="0">
-              <a:defRPr>
-                <a:solidFill>
-                  <a:schemeClr val="tx1"/>
-                </a:solidFill>
-                <a:latin typeface="Arial" charset="0"/>
-                <a:ea typeface="ＭＳ Ｐゴシック" charset="0"/>
-                <a:cs typeface="Arial" charset="0"/>
-              </a:defRPr>
-            </a:lvl1pPr>
-            <a:lvl2pPr marL="742950" indent="-285750" eaLnBrk="0" hangingPunct="0">
-              <a:defRPr>
-                <a:solidFill>
-                  <a:schemeClr val="tx1"/>
-                </a:solidFill>
-                <a:latin typeface="Arial" charset="0"/>
-                <a:ea typeface="Arial" charset="0"/>
-                <a:cs typeface="Arial" charset="0"/>
-              </a:defRPr>
-            </a:lvl2pPr>
-            <a:lvl3pPr marL="1143000" indent="-228600" eaLnBrk="0" hangingPunct="0">
-              <a:defRPr>
-                <a:solidFill>
-                  <a:schemeClr val="tx1"/>
-                </a:solidFill>
-                <a:latin typeface="Arial" charset="0"/>
-                <a:ea typeface="Arial" charset="0"/>
-                <a:cs typeface="Arial" charset="0"/>
-              </a:defRPr>
-            </a:lvl3pPr>
-            <a:lvl4pPr marL="1600200" indent="-228600" eaLnBrk="0" hangingPunct="0">
-              <a:defRPr>
-                <a:solidFill>
-                  <a:schemeClr val="tx1"/>
-                </a:solidFill>
-                <a:latin typeface="Arial" charset="0"/>
-                <a:ea typeface="Arial" charset="0"/>
-                <a:cs typeface="Arial" charset="0"/>
-              </a:defRPr>
-            </a:lvl4pPr>
-            <a:lvl5pPr marL="2057400" indent="-228600" eaLnBrk="0" hangingPunct="0">
-              <a:defRPr>
-                <a:solidFill>
-                  <a:schemeClr val="tx1"/>
-                </a:solidFill>
-                <a:latin typeface="Arial" charset="0"/>
-                <a:ea typeface="Arial" charset="0"/>
-                <a:cs typeface="Arial" charset="0"/>
-              </a:defRPr>
-            </a:lvl5pPr>
-            <a:lvl6pPr marL="2514600" indent="-228600" eaLnBrk="0" fontAlgn="base" hangingPunct="0">
-              <a:spcBef>
-                <a:spcPct val="0"/>
-              </a:spcBef>
-              <a:spcAft>
-                <a:spcPct val="0"/>
-              </a:spcAft>
-              <a:defRPr>
-                <a:solidFill>
-                  <a:schemeClr val="tx1"/>
-                </a:solidFill>
-                <a:latin typeface="Arial" charset="0"/>
-                <a:ea typeface="Arial" charset="0"/>
-                <a:cs typeface="Arial" charset="0"/>
-              </a:defRPr>
-            </a:lvl6pPr>
-            <a:lvl7pPr marL="2971800" indent="-228600" eaLnBrk="0" fontAlgn="base" hangingPunct="0">
-              <a:spcBef>
-                <a:spcPct val="0"/>
-              </a:spcBef>
-              <a:spcAft>
-                <a:spcPct val="0"/>
-              </a:spcAft>
-              <a:defRPr>
-                <a:solidFill>
-                  <a:schemeClr val="tx1"/>
-                </a:solidFill>
-                <a:latin typeface="Arial" charset="0"/>
-                <a:ea typeface="Arial" charset="0"/>
-                <a:cs typeface="Arial" charset="0"/>
-              </a:defRPr>
-            </a:lvl7pPr>
-            <a:lvl8pPr marL="3429000" indent="-228600" eaLnBrk="0" fontAlgn="base" hangingPunct="0">
-              <a:spcBef>
-                <a:spcPct val="0"/>
-              </a:spcBef>
-              <a:spcAft>
-                <a:spcPct val="0"/>
-              </a:spcAft>
-              <a:defRPr>
-                <a:solidFill>
-                  <a:schemeClr val="tx1"/>
-                </a:solidFill>
-                <a:latin typeface="Arial" charset="0"/>
-                <a:ea typeface="Arial" charset="0"/>
-                <a:cs typeface="Arial" charset="0"/>
-              </a:defRPr>
-            </a:lvl8pPr>
-            <a:lvl9pPr marL="3886200" indent="-228600" eaLnBrk="0" fontAlgn="base" hangingPunct="0">
-              <a:spcBef>
-                <a:spcPct val="0"/>
-              </a:spcBef>
-              <a:spcAft>
-                <a:spcPct val="0"/>
-              </a:spcAft>
-              <a:defRPr>
-                <a:solidFill>
-                  <a:schemeClr val="tx1"/>
-                </a:solidFill>
-                <a:latin typeface="Arial" charset="0"/>
-                <a:ea typeface="Arial" charset="0"/>
-                <a:cs typeface="Arial" charset="0"/>
-              </a:defRPr>
-            </a:lvl9pPr>
-          </a:lstStyle>
-          <a:p>
-            <a:pPr eaLnBrk="1" hangingPunct="1"/>
-            <a:fld id="{32F43AA2-589F-CE43-98D3-9C8014712927}" type="datetime1">
-              <a:rPr lang="en-US">
-                <a:latin typeface="Garamond" charset="0"/>
-              </a:rPr>
-              <a:pPr eaLnBrk="1" hangingPunct="1"/>
-              <a:t>9/9/15</a:t>
-            </a:fld>
-            <a:endParaRPr lang="en-US">
-              <a:latin typeface="Garamond" charset="0"/>
-            </a:endParaRPr>
-          </a:p>
-        </p:txBody>
-      </p:sp>
-      <p:sp>
-        <p:nvSpPr>
-          <p:cNvPr id="6" name="Footer Placeholder 5"/>
-          <p:cNvSpPr>
-            <a:spLocks noGrp="1"/>
-          </p:cNvSpPr>
-          <p:nvPr>
-            <p:ph type="ftr" sz="quarter" idx="11"/>
-          </p:nvPr>
-        </p:nvSpPr>
-        <p:spPr/>
-        <p:txBody>
-          <a:bodyPr/>
-          <a:lstStyle/>
-          <a:p>
-            <a:pPr>
-              <a:defRPr/>
-            </a:pPr>
-            <a:r>
-              <a:rPr lang="en-US"/>
-              <a:t>Microprocessors I:  Lecture 6</a:t>
-            </a:r>
-          </a:p>
-        </p:txBody>
-      </p:sp>
-      <p:sp>
-        <p:nvSpPr>
-          <p:cNvPr id="7" name="Slide Number Placeholder 6"/>
-          <p:cNvSpPr>
-            <a:spLocks noGrp="1"/>
-          </p:cNvSpPr>
-          <p:nvPr>
-            <p:ph type="sldNum" sz="quarter" idx="12"/>
-          </p:nvPr>
-        </p:nvSpPr>
-        <p:spPr/>
-        <p:txBody>
-          <a:bodyPr/>
-          <a:lstStyle>
-            <a:lvl1pPr eaLnBrk="0" hangingPunct="0">
-              <a:defRPr>
-                <a:solidFill>
-                  <a:schemeClr val="tx1"/>
-                </a:solidFill>
-                <a:latin typeface="Arial" charset="0"/>
-                <a:ea typeface="ＭＳ Ｐゴシック" charset="0"/>
-                <a:cs typeface="Arial" charset="0"/>
-              </a:defRPr>
-            </a:lvl1pPr>
-            <a:lvl2pPr marL="742950" indent="-285750" eaLnBrk="0" hangingPunct="0">
-              <a:defRPr>
-                <a:solidFill>
-                  <a:schemeClr val="tx1"/>
-                </a:solidFill>
-                <a:latin typeface="Arial" charset="0"/>
-                <a:ea typeface="Arial" charset="0"/>
-                <a:cs typeface="Arial" charset="0"/>
-              </a:defRPr>
-            </a:lvl2pPr>
-            <a:lvl3pPr marL="1143000" indent="-228600" eaLnBrk="0" hangingPunct="0">
-              <a:defRPr>
-                <a:solidFill>
-                  <a:schemeClr val="tx1"/>
-                </a:solidFill>
-                <a:latin typeface="Arial" charset="0"/>
-                <a:ea typeface="Arial" charset="0"/>
-                <a:cs typeface="Arial" charset="0"/>
-              </a:defRPr>
-            </a:lvl3pPr>
-            <a:lvl4pPr marL="1600200" indent="-228600" eaLnBrk="0" hangingPunct="0">
-              <a:defRPr>
-                <a:solidFill>
-                  <a:schemeClr val="tx1"/>
-                </a:solidFill>
-                <a:latin typeface="Arial" charset="0"/>
-                <a:ea typeface="Arial" charset="0"/>
-                <a:cs typeface="Arial" charset="0"/>
-              </a:defRPr>
-            </a:lvl4pPr>
-            <a:lvl5pPr marL="2057400" indent="-228600" eaLnBrk="0" hangingPunct="0">
-              <a:defRPr>
-                <a:solidFill>
-                  <a:schemeClr val="tx1"/>
-                </a:solidFill>
-                <a:latin typeface="Arial" charset="0"/>
-                <a:ea typeface="Arial" charset="0"/>
-                <a:cs typeface="Arial" charset="0"/>
-              </a:defRPr>
-            </a:lvl5pPr>
-            <a:lvl6pPr marL="2514600" indent="-228600" eaLnBrk="0" fontAlgn="base" hangingPunct="0">
-              <a:spcBef>
-                <a:spcPct val="0"/>
-              </a:spcBef>
-              <a:spcAft>
-                <a:spcPct val="0"/>
-              </a:spcAft>
-              <a:defRPr>
-                <a:solidFill>
-                  <a:schemeClr val="tx1"/>
-                </a:solidFill>
-                <a:latin typeface="Arial" charset="0"/>
-                <a:ea typeface="Arial" charset="0"/>
-                <a:cs typeface="Arial" charset="0"/>
-              </a:defRPr>
-            </a:lvl6pPr>
-            <a:lvl7pPr marL="2971800" indent="-228600" eaLnBrk="0" fontAlgn="base" hangingPunct="0">
-              <a:spcBef>
-                <a:spcPct val="0"/>
-              </a:spcBef>
-              <a:spcAft>
-                <a:spcPct val="0"/>
-              </a:spcAft>
-              <a:defRPr>
-                <a:solidFill>
-                  <a:schemeClr val="tx1"/>
-                </a:solidFill>
-                <a:latin typeface="Arial" charset="0"/>
-                <a:ea typeface="Arial" charset="0"/>
-                <a:cs typeface="Arial" charset="0"/>
-              </a:defRPr>
-            </a:lvl7pPr>
-            <a:lvl8pPr marL="3429000" indent="-228600" eaLnBrk="0" fontAlgn="base" hangingPunct="0">
-              <a:spcBef>
-                <a:spcPct val="0"/>
-              </a:spcBef>
-              <a:spcAft>
-                <a:spcPct val="0"/>
-              </a:spcAft>
-              <a:defRPr>
-                <a:solidFill>
-                  <a:schemeClr val="tx1"/>
-                </a:solidFill>
-                <a:latin typeface="Arial" charset="0"/>
-                <a:ea typeface="Arial" charset="0"/>
-                <a:cs typeface="Arial" charset="0"/>
-              </a:defRPr>
-            </a:lvl8pPr>
-            <a:lvl9pPr marL="3886200" indent="-228600" eaLnBrk="0" fontAlgn="base" hangingPunct="0">
-              <a:spcBef>
-                <a:spcPct val="0"/>
-              </a:spcBef>
-              <a:spcAft>
-                <a:spcPct val="0"/>
-              </a:spcAft>
-              <a:defRPr>
-                <a:solidFill>
-                  <a:schemeClr val="tx1"/>
-                </a:solidFill>
-                <a:latin typeface="Arial" charset="0"/>
-                <a:ea typeface="Arial" charset="0"/>
-                <a:cs typeface="Arial" charset="0"/>
-              </a:defRPr>
-            </a:lvl9pPr>
-          </a:lstStyle>
-          <a:p>
-            <a:pPr eaLnBrk="1" hangingPunct="1"/>
-            <a:fld id="{DCB9F86F-F103-314C-8B54-4AD106296EBB}" type="slidenum">
-              <a:rPr lang="en-US">
-                <a:latin typeface="Garamond" charset="0"/>
-              </a:rPr>
-              <a:pPr eaLnBrk="1" hangingPunct="1"/>
-              <a:t>28</a:t>
-            </a:fld>
-            <a:endParaRPr lang="en-US">
-              <a:latin typeface="Garamond" charset="0"/>
-            </a:endParaRPr>
-          </a:p>
-        </p:txBody>
-      </p:sp>
-    </p:spTree>
-  </p:cSld>
-  <p:clrMapOvr>
-    <a:masterClrMapping/>
-  </p:clrMapOvr>
-  <p:transition xmlns:p14="http://schemas.microsoft.com/office/powerpoint/2010/main">
-    <p:cut/>
-  </p:transition>
-  <p:timing>
-    <p:tnLst>
-      <p:par>
-        <p:cTn xmlns:p14="http://schemas.microsoft.com/office/powerpoint/2010/main" id="1" dur="indefinite" restart="never" nodeType="tmRoot"/>
-      </p:par>
-    </p:tnLst>
-  </p:timing>
-</p:sld>
-</file>
-
-<file path=ppt/slides/slide29.xml><?xml version="1.0" encoding="utf-8"?>
-<p:sld xmlns:a="http://schemas.openxmlformats.org/drawingml/2006/main" xmlns:r="http://schemas.openxmlformats.org/officeDocument/2006/relationships" xmlns:p="http://schemas.openxmlformats.org/presentationml/2006/main">
-  <p:cSld>
-    <p:spTree>
-      <p:nvGrpSpPr>
-        <p:cNvPr id="1" name=""/>
-        <p:cNvGrpSpPr/>
-        <p:nvPr/>
-      </p:nvGrpSpPr>
-      <p:grpSpPr>
-        <a:xfrm>
-          <a:off x="0" y="0"/>
-          <a:ext cx="0" cy="0"/>
-          <a:chOff x="0" y="0"/>
-          <a:chExt cx="0" cy="0"/>
-        </a:xfrm>
-      </p:grpSpPr>
-      <p:sp>
-        <p:nvSpPr>
-          <p:cNvPr id="18434" name="Rectangle 2"/>
-          <p:cNvSpPr>
-            <a:spLocks noGrp="1" noChangeArrowheads="1"/>
-          </p:cNvSpPr>
-          <p:nvPr>
-            <p:ph type="title"/>
-          </p:nvPr>
-        </p:nvSpPr>
-        <p:spPr/>
-        <p:txBody>
-          <a:bodyPr/>
-          <a:lstStyle/>
-          <a:p>
-            <a:r>
-              <a:rPr lang="en-US">
-                <a:latin typeface="Garamond" charset="0"/>
-              </a:rPr>
-              <a:t>Usage of Move Instruction (soln)</a:t>
-            </a:r>
-          </a:p>
-        </p:txBody>
-      </p:sp>
-      <p:sp>
-        <p:nvSpPr>
-          <p:cNvPr id="34820" name="Rectangle 3"/>
-          <p:cNvSpPr>
-            <a:spLocks noGrp="1" noChangeArrowheads="1"/>
-          </p:cNvSpPr>
-          <p:nvPr>
-            <p:ph idx="1"/>
-          </p:nvPr>
-        </p:nvSpPr>
-        <p:spPr/>
-        <p:txBody>
-          <a:bodyPr>
-            <a:normAutofit fontScale="92500" lnSpcReduction="20000"/>
-          </a:bodyPr>
-          <a:lstStyle/>
-          <a:p>
-            <a:pPr>
-              <a:buFont typeface="Wingdings" pitchFamily="2" charset="2"/>
-              <a:buChar char="n"/>
-              <a:defRPr/>
-            </a:pPr>
-            <a:r>
-              <a:rPr lang="en-US" dirty="0" smtClean="0">
-                <a:ea typeface="+mn-ea"/>
-              </a:rPr>
-              <a:t>MOV AX, 2000H	</a:t>
-            </a:r>
-            <a:r>
-              <a:rPr lang="en-US" dirty="0" smtClean="0">
-                <a:ea typeface="+mn-ea"/>
-                <a:sym typeface="Wingdings" pitchFamily="2" charset="2"/>
-              </a:rPr>
-              <a:t> </a:t>
-            </a:r>
-            <a:r>
-              <a:rPr lang="en-US" dirty="0" smtClean="0">
-                <a:solidFill>
-                  <a:srgbClr val="FF0000"/>
-                </a:solidFill>
-                <a:ea typeface="+mn-ea"/>
-              </a:rPr>
-              <a:t>AX = 2000H</a:t>
-            </a:r>
-          </a:p>
-          <a:p>
-            <a:pPr>
-              <a:buFont typeface="Wingdings" pitchFamily="2" charset="2"/>
-              <a:buChar char="n"/>
-              <a:defRPr/>
-            </a:pPr>
-            <a:r>
-              <a:rPr lang="en-US" dirty="0" smtClean="0">
-                <a:ea typeface="+mn-ea"/>
-              </a:rPr>
-              <a:t>MOV DS, AX 		</a:t>
-            </a:r>
-            <a:r>
-              <a:rPr lang="en-US" dirty="0" smtClean="0">
-                <a:ea typeface="+mn-ea"/>
-                <a:sym typeface="Wingdings" pitchFamily="2" charset="2"/>
-              </a:rPr>
-              <a:t> </a:t>
-            </a:r>
-            <a:r>
-              <a:rPr lang="en-US" dirty="0" smtClean="0">
-                <a:solidFill>
-                  <a:srgbClr val="FF0000"/>
-                </a:solidFill>
-                <a:ea typeface="+mn-ea"/>
-                <a:sym typeface="Wingdings" pitchFamily="2" charset="2"/>
-              </a:rPr>
-              <a:t>DS = AX = 2000H</a:t>
-            </a:r>
-          </a:p>
-          <a:p>
-            <a:pPr>
-              <a:buFont typeface="Wingdings" pitchFamily="2" charset="2"/>
-              <a:buChar char="n"/>
-              <a:defRPr/>
-            </a:pPr>
-            <a:r>
-              <a:rPr lang="en-US" dirty="0" smtClean="0">
-                <a:ea typeface="+mn-ea"/>
-                <a:sym typeface="Wingdings" pitchFamily="2" charset="2"/>
-              </a:rPr>
-              <a:t>MOV ES, AX 		 </a:t>
-            </a:r>
-            <a:r>
-              <a:rPr lang="en-US" dirty="0" smtClean="0">
-                <a:solidFill>
-                  <a:srgbClr val="FF0000"/>
-                </a:solidFill>
-                <a:ea typeface="+mn-ea"/>
-                <a:sym typeface="Wingdings" pitchFamily="2" charset="2"/>
-              </a:rPr>
-              <a:t>ES = AX = 2000H</a:t>
-            </a:r>
-          </a:p>
-          <a:p>
-            <a:pPr>
-              <a:buFont typeface="Wingdings" pitchFamily="2" charset="2"/>
-              <a:buChar char="n"/>
-              <a:defRPr/>
-            </a:pPr>
-            <a:r>
-              <a:rPr lang="en-US" dirty="0" smtClean="0">
-                <a:ea typeface="+mn-ea"/>
-                <a:sym typeface="Wingdings" pitchFamily="2" charset="2"/>
-              </a:rPr>
-              <a:t>MOV AX, 3000H 	 </a:t>
-            </a:r>
-            <a:r>
-              <a:rPr lang="en-US" dirty="0" smtClean="0">
-                <a:solidFill>
-                  <a:srgbClr val="FF0000"/>
-                </a:solidFill>
-                <a:ea typeface="+mn-ea"/>
-                <a:sym typeface="Wingdings" pitchFamily="2" charset="2"/>
-              </a:rPr>
-              <a:t>AX = 3000H</a:t>
-            </a:r>
-          </a:p>
-          <a:p>
-            <a:pPr>
-              <a:buFont typeface="Wingdings" pitchFamily="2" charset="2"/>
-              <a:buChar char="n"/>
-              <a:defRPr/>
-            </a:pPr>
-            <a:r>
-              <a:rPr lang="en-US" dirty="0" smtClean="0">
-                <a:ea typeface="+mn-ea"/>
-                <a:sym typeface="Wingdings" pitchFamily="2" charset="2"/>
-              </a:rPr>
-              <a:t>MOV SS, AX 		 </a:t>
-            </a:r>
-            <a:r>
-              <a:rPr lang="en-US" dirty="0" smtClean="0">
-                <a:solidFill>
-                  <a:srgbClr val="FF0000"/>
-                </a:solidFill>
-                <a:ea typeface="+mn-ea"/>
-                <a:sym typeface="Wingdings" pitchFamily="2" charset="2"/>
-              </a:rPr>
-              <a:t>SS = 3000H</a:t>
-            </a:r>
-          </a:p>
-          <a:p>
-            <a:pPr>
-              <a:buFont typeface="Wingdings" pitchFamily="2" charset="2"/>
-              <a:buChar char="n"/>
-              <a:defRPr/>
-            </a:pPr>
-            <a:r>
-              <a:rPr lang="en-US" dirty="0" smtClean="0">
-                <a:ea typeface="+mn-ea"/>
-                <a:sym typeface="Wingdings" pitchFamily="2" charset="2"/>
-              </a:rPr>
-              <a:t>MOV AX, 0H 		 </a:t>
-            </a:r>
-            <a:r>
-              <a:rPr lang="en-US" dirty="0" smtClean="0">
-                <a:solidFill>
-                  <a:srgbClr val="FF0000"/>
-                </a:solidFill>
-                <a:ea typeface="+mn-ea"/>
-                <a:sym typeface="Wingdings" pitchFamily="2" charset="2"/>
-              </a:rPr>
-              <a:t>AX = 0000H</a:t>
-            </a:r>
-          </a:p>
-          <a:p>
-            <a:pPr>
-              <a:buFont typeface="Wingdings" pitchFamily="2" charset="2"/>
-              <a:buChar char="n"/>
-              <a:defRPr/>
-            </a:pPr>
-            <a:r>
-              <a:rPr lang="en-US" dirty="0" smtClean="0">
-                <a:ea typeface="+mn-ea"/>
-                <a:sym typeface="Wingdings" pitchFamily="2" charset="2"/>
-              </a:rPr>
-              <a:t>MOV BX, AX 		 </a:t>
-            </a:r>
-            <a:r>
-              <a:rPr lang="en-US" dirty="0" smtClean="0">
-                <a:solidFill>
-                  <a:srgbClr val="FF0000"/>
-                </a:solidFill>
-                <a:ea typeface="+mn-ea"/>
-                <a:sym typeface="Wingdings" pitchFamily="2" charset="2"/>
-              </a:rPr>
-              <a:t>BX = AX = 0000H</a:t>
-            </a:r>
-          </a:p>
-          <a:p>
-            <a:pPr>
-              <a:buFont typeface="Wingdings" pitchFamily="2" charset="2"/>
-              <a:buChar char="n"/>
-              <a:defRPr/>
-            </a:pPr>
-            <a:r>
-              <a:rPr lang="en-US" dirty="0" smtClean="0">
-                <a:ea typeface="+mn-ea"/>
-                <a:sym typeface="Wingdings" pitchFamily="2" charset="2"/>
-              </a:rPr>
-              <a:t>MOV CX, 0AH 		 </a:t>
-            </a:r>
-            <a:r>
-              <a:rPr lang="en-US" dirty="0" smtClean="0">
-                <a:solidFill>
-                  <a:srgbClr val="FF0000"/>
-                </a:solidFill>
-                <a:ea typeface="+mn-ea"/>
-                <a:sym typeface="Wingdings" pitchFamily="2" charset="2"/>
-              </a:rPr>
-              <a:t>CX = 000AH</a:t>
-            </a:r>
-          </a:p>
-          <a:p>
-            <a:pPr>
-              <a:buFont typeface="Wingdings" pitchFamily="2" charset="2"/>
-              <a:buChar char="n"/>
-              <a:defRPr/>
-            </a:pPr>
-            <a:r>
-              <a:rPr lang="en-US" dirty="0" smtClean="0">
-                <a:ea typeface="+mn-ea"/>
-                <a:sym typeface="Wingdings" pitchFamily="2" charset="2"/>
-              </a:rPr>
-              <a:t>MOV DX, 100H 	 </a:t>
-            </a:r>
-            <a:r>
-              <a:rPr lang="en-US" dirty="0" smtClean="0">
-                <a:solidFill>
-                  <a:srgbClr val="FF0000"/>
-                </a:solidFill>
-                <a:ea typeface="+mn-ea"/>
-                <a:sym typeface="Wingdings" pitchFamily="2" charset="2"/>
-              </a:rPr>
-              <a:t>DX = 0100H</a:t>
-            </a:r>
-          </a:p>
-          <a:p>
-            <a:pPr>
-              <a:buFont typeface="Wingdings" pitchFamily="2" charset="2"/>
-              <a:buChar char="n"/>
-              <a:defRPr/>
-            </a:pPr>
-            <a:r>
-              <a:rPr lang="en-US" dirty="0" smtClean="0">
-                <a:ea typeface="+mn-ea"/>
-                <a:sym typeface="Wingdings" pitchFamily="2" charset="2"/>
-              </a:rPr>
-              <a:t>MOV SI, 200H 		 </a:t>
-            </a:r>
-            <a:r>
-              <a:rPr lang="en-US" dirty="0" smtClean="0">
-                <a:solidFill>
-                  <a:srgbClr val="FF0000"/>
-                </a:solidFill>
-                <a:ea typeface="+mn-ea"/>
-                <a:sym typeface="Wingdings" pitchFamily="2" charset="2"/>
-              </a:rPr>
-              <a:t>SI = 0200H</a:t>
-            </a:r>
-          </a:p>
-          <a:p>
-            <a:pPr>
-              <a:buFont typeface="Wingdings" pitchFamily="2" charset="2"/>
-              <a:buChar char="n"/>
-              <a:defRPr/>
-            </a:pPr>
-            <a:r>
-              <a:rPr lang="en-US" dirty="0" smtClean="0">
-                <a:ea typeface="+mn-ea"/>
-                <a:sym typeface="Wingdings" pitchFamily="2" charset="2"/>
-              </a:rPr>
-              <a:t>MOV DI, 300H 	 </a:t>
-            </a:r>
-            <a:r>
-              <a:rPr lang="en-US" dirty="0" smtClean="0">
-                <a:solidFill>
-                  <a:srgbClr val="FF0000"/>
-                </a:solidFill>
-                <a:ea typeface="+mn-ea"/>
-                <a:sym typeface="Wingdings" pitchFamily="2" charset="2"/>
-              </a:rPr>
-              <a:t>DI = 0300H</a:t>
-            </a:r>
-            <a:endParaRPr lang="en-US" dirty="0" smtClean="0">
-              <a:solidFill>
-                <a:srgbClr val="FF0000"/>
-              </a:solidFill>
-              <a:ea typeface="+mn-ea"/>
-            </a:endParaRPr>
-          </a:p>
-          <a:p>
-            <a:pPr lvl="1">
-              <a:buFont typeface="Wingdings" pitchFamily="2" charset="2"/>
-              <a:buChar char="q"/>
-              <a:defRPr/>
-            </a:pPr>
-            <a:endParaRPr lang="en-US" dirty="0" smtClean="0"/>
-          </a:p>
-        </p:txBody>
-      </p:sp>
-      <p:sp>
-        <p:nvSpPr>
-          <p:cNvPr id="2" name="Date Placeholder 1"/>
-          <p:cNvSpPr>
-            <a:spLocks noGrp="1"/>
-          </p:cNvSpPr>
-          <p:nvPr>
-            <p:ph type="dt" sz="quarter" idx="10"/>
-          </p:nvPr>
-        </p:nvSpPr>
-        <p:spPr/>
-        <p:txBody>
-          <a:bodyPr/>
-          <a:lstStyle>
-            <a:lvl1pPr eaLnBrk="0" hangingPunct="0">
-              <a:defRPr>
-                <a:solidFill>
-                  <a:schemeClr val="tx1"/>
-                </a:solidFill>
-                <a:latin typeface="Arial" charset="0"/>
-                <a:ea typeface="ＭＳ Ｐゴシック" charset="0"/>
-                <a:cs typeface="Arial" charset="0"/>
-              </a:defRPr>
-            </a:lvl1pPr>
-            <a:lvl2pPr marL="742950" indent="-285750" eaLnBrk="0" hangingPunct="0">
-              <a:defRPr>
-                <a:solidFill>
-                  <a:schemeClr val="tx1"/>
-                </a:solidFill>
-                <a:latin typeface="Arial" charset="0"/>
-                <a:ea typeface="Arial" charset="0"/>
-                <a:cs typeface="Arial" charset="0"/>
-              </a:defRPr>
-            </a:lvl2pPr>
-            <a:lvl3pPr marL="1143000" indent="-228600" eaLnBrk="0" hangingPunct="0">
-              <a:defRPr>
-                <a:solidFill>
-                  <a:schemeClr val="tx1"/>
-                </a:solidFill>
-                <a:latin typeface="Arial" charset="0"/>
-                <a:ea typeface="Arial" charset="0"/>
-                <a:cs typeface="Arial" charset="0"/>
-              </a:defRPr>
-            </a:lvl3pPr>
-            <a:lvl4pPr marL="1600200" indent="-228600" eaLnBrk="0" hangingPunct="0">
-              <a:defRPr>
-                <a:solidFill>
-                  <a:schemeClr val="tx1"/>
-                </a:solidFill>
-                <a:latin typeface="Arial" charset="0"/>
-                <a:ea typeface="Arial" charset="0"/>
-                <a:cs typeface="Arial" charset="0"/>
-              </a:defRPr>
-            </a:lvl4pPr>
-            <a:lvl5pPr marL="2057400" indent="-228600" eaLnBrk="0" hangingPunct="0">
-              <a:defRPr>
-                <a:solidFill>
-                  <a:schemeClr val="tx1"/>
-                </a:solidFill>
-                <a:latin typeface="Arial" charset="0"/>
-                <a:ea typeface="Arial" charset="0"/>
-                <a:cs typeface="Arial" charset="0"/>
-              </a:defRPr>
-            </a:lvl5pPr>
-            <a:lvl6pPr marL="2514600" indent="-228600" eaLnBrk="0" fontAlgn="base" hangingPunct="0">
-              <a:spcBef>
-                <a:spcPct val="0"/>
-              </a:spcBef>
-              <a:spcAft>
-                <a:spcPct val="0"/>
-              </a:spcAft>
-              <a:defRPr>
-                <a:solidFill>
-                  <a:schemeClr val="tx1"/>
-                </a:solidFill>
-                <a:latin typeface="Arial" charset="0"/>
-                <a:ea typeface="Arial" charset="0"/>
-                <a:cs typeface="Arial" charset="0"/>
-              </a:defRPr>
-            </a:lvl6pPr>
-            <a:lvl7pPr marL="2971800" indent="-228600" eaLnBrk="0" fontAlgn="base" hangingPunct="0">
-              <a:spcBef>
-                <a:spcPct val="0"/>
-              </a:spcBef>
-              <a:spcAft>
-                <a:spcPct val="0"/>
-              </a:spcAft>
-              <a:defRPr>
-                <a:solidFill>
-                  <a:schemeClr val="tx1"/>
-                </a:solidFill>
-                <a:latin typeface="Arial" charset="0"/>
-                <a:ea typeface="Arial" charset="0"/>
-                <a:cs typeface="Arial" charset="0"/>
-              </a:defRPr>
-            </a:lvl7pPr>
-            <a:lvl8pPr marL="3429000" indent="-228600" eaLnBrk="0" fontAlgn="base" hangingPunct="0">
-              <a:spcBef>
-                <a:spcPct val="0"/>
-              </a:spcBef>
-              <a:spcAft>
-                <a:spcPct val="0"/>
-              </a:spcAft>
-              <a:defRPr>
-                <a:solidFill>
-                  <a:schemeClr val="tx1"/>
-                </a:solidFill>
-                <a:latin typeface="Arial" charset="0"/>
-                <a:ea typeface="Arial" charset="0"/>
-                <a:cs typeface="Arial" charset="0"/>
-              </a:defRPr>
-            </a:lvl8pPr>
-            <a:lvl9pPr marL="3886200" indent="-228600" eaLnBrk="0" fontAlgn="base" hangingPunct="0">
-              <a:spcBef>
-                <a:spcPct val="0"/>
-              </a:spcBef>
-              <a:spcAft>
-                <a:spcPct val="0"/>
-              </a:spcAft>
-              <a:defRPr>
-                <a:solidFill>
-                  <a:schemeClr val="tx1"/>
-                </a:solidFill>
-                <a:latin typeface="Arial" charset="0"/>
-                <a:ea typeface="Arial" charset="0"/>
-                <a:cs typeface="Arial" charset="0"/>
-              </a:defRPr>
-            </a:lvl9pPr>
-          </a:lstStyle>
-          <a:p>
-            <a:pPr eaLnBrk="1" hangingPunct="1"/>
-            <a:fld id="{D65A7EB0-C4C3-B74A-8835-8A828C4F1DF6}" type="datetime1">
-              <a:rPr lang="en-US">
-                <a:latin typeface="Garamond" charset="0"/>
-              </a:rPr>
-              <a:pPr eaLnBrk="1" hangingPunct="1"/>
-              <a:t>9/9/15</a:t>
-            </a:fld>
-            <a:endParaRPr lang="en-US">
-              <a:latin typeface="Garamond" charset="0"/>
-            </a:endParaRPr>
-          </a:p>
-        </p:txBody>
-      </p:sp>
-      <p:sp>
-        <p:nvSpPr>
-          <p:cNvPr id="6" name="Footer Placeholder 5"/>
-          <p:cNvSpPr>
-            <a:spLocks noGrp="1"/>
-          </p:cNvSpPr>
-          <p:nvPr>
-            <p:ph type="ftr" sz="quarter" idx="11"/>
-          </p:nvPr>
-        </p:nvSpPr>
-        <p:spPr/>
-        <p:txBody>
-          <a:bodyPr/>
-          <a:lstStyle/>
-          <a:p>
-            <a:pPr>
-              <a:defRPr/>
-            </a:pPr>
-            <a:r>
-              <a:rPr lang="en-US"/>
-              <a:t>Microprocessors I:  Lecture 6</a:t>
-            </a:r>
-          </a:p>
-        </p:txBody>
-      </p:sp>
-      <p:sp>
-        <p:nvSpPr>
-          <p:cNvPr id="7" name="Slide Number Placeholder 6"/>
-          <p:cNvSpPr>
-            <a:spLocks noGrp="1"/>
-          </p:cNvSpPr>
-          <p:nvPr>
-            <p:ph type="sldNum" sz="quarter" idx="12"/>
-          </p:nvPr>
-        </p:nvSpPr>
-        <p:spPr/>
-        <p:txBody>
-          <a:bodyPr/>
-          <a:lstStyle>
-            <a:lvl1pPr eaLnBrk="0" hangingPunct="0">
-              <a:defRPr>
-                <a:solidFill>
-                  <a:schemeClr val="tx1"/>
-                </a:solidFill>
-                <a:latin typeface="Arial" charset="0"/>
-                <a:ea typeface="ＭＳ Ｐゴシック" charset="0"/>
-                <a:cs typeface="Arial" charset="0"/>
-              </a:defRPr>
-            </a:lvl1pPr>
-            <a:lvl2pPr marL="742950" indent="-285750" eaLnBrk="0" hangingPunct="0">
-              <a:defRPr>
-                <a:solidFill>
-                  <a:schemeClr val="tx1"/>
-                </a:solidFill>
-                <a:latin typeface="Arial" charset="0"/>
-                <a:ea typeface="Arial" charset="0"/>
-                <a:cs typeface="Arial" charset="0"/>
-              </a:defRPr>
-            </a:lvl2pPr>
-            <a:lvl3pPr marL="1143000" indent="-228600" eaLnBrk="0" hangingPunct="0">
-              <a:defRPr>
-                <a:solidFill>
-                  <a:schemeClr val="tx1"/>
-                </a:solidFill>
-                <a:latin typeface="Arial" charset="0"/>
-                <a:ea typeface="Arial" charset="0"/>
-                <a:cs typeface="Arial" charset="0"/>
-              </a:defRPr>
-            </a:lvl3pPr>
-            <a:lvl4pPr marL="1600200" indent="-228600" eaLnBrk="0" hangingPunct="0">
-              <a:defRPr>
-                <a:solidFill>
-                  <a:schemeClr val="tx1"/>
-                </a:solidFill>
-                <a:latin typeface="Arial" charset="0"/>
-                <a:ea typeface="Arial" charset="0"/>
-                <a:cs typeface="Arial" charset="0"/>
-              </a:defRPr>
-            </a:lvl4pPr>
-            <a:lvl5pPr marL="2057400" indent="-228600" eaLnBrk="0" hangingPunct="0">
-              <a:defRPr>
-                <a:solidFill>
-                  <a:schemeClr val="tx1"/>
-                </a:solidFill>
-                <a:latin typeface="Arial" charset="0"/>
-                <a:ea typeface="Arial" charset="0"/>
-                <a:cs typeface="Arial" charset="0"/>
-              </a:defRPr>
-            </a:lvl5pPr>
-            <a:lvl6pPr marL="2514600" indent="-228600" eaLnBrk="0" fontAlgn="base" hangingPunct="0">
-              <a:spcBef>
-                <a:spcPct val="0"/>
-              </a:spcBef>
-              <a:spcAft>
-                <a:spcPct val="0"/>
-              </a:spcAft>
-              <a:defRPr>
-                <a:solidFill>
-                  <a:schemeClr val="tx1"/>
-                </a:solidFill>
-                <a:latin typeface="Arial" charset="0"/>
-                <a:ea typeface="Arial" charset="0"/>
-                <a:cs typeface="Arial" charset="0"/>
-              </a:defRPr>
-            </a:lvl6pPr>
-            <a:lvl7pPr marL="2971800" indent="-228600" eaLnBrk="0" fontAlgn="base" hangingPunct="0">
-              <a:spcBef>
-                <a:spcPct val="0"/>
-              </a:spcBef>
-              <a:spcAft>
-                <a:spcPct val="0"/>
-              </a:spcAft>
-              <a:defRPr>
-                <a:solidFill>
-                  <a:schemeClr val="tx1"/>
-                </a:solidFill>
-                <a:latin typeface="Arial" charset="0"/>
-                <a:ea typeface="Arial" charset="0"/>
-                <a:cs typeface="Arial" charset="0"/>
-              </a:defRPr>
-            </a:lvl7pPr>
-            <a:lvl8pPr marL="3429000" indent="-228600" eaLnBrk="0" fontAlgn="base" hangingPunct="0">
-              <a:spcBef>
-                <a:spcPct val="0"/>
-              </a:spcBef>
-              <a:spcAft>
-                <a:spcPct val="0"/>
-              </a:spcAft>
-              <a:defRPr>
-                <a:solidFill>
-                  <a:schemeClr val="tx1"/>
-                </a:solidFill>
-                <a:latin typeface="Arial" charset="0"/>
-                <a:ea typeface="Arial" charset="0"/>
-                <a:cs typeface="Arial" charset="0"/>
-              </a:defRPr>
-            </a:lvl8pPr>
-            <a:lvl9pPr marL="3886200" indent="-228600" eaLnBrk="0" fontAlgn="base" hangingPunct="0">
-              <a:spcBef>
-                <a:spcPct val="0"/>
-              </a:spcBef>
-              <a:spcAft>
-                <a:spcPct val="0"/>
-              </a:spcAft>
-              <a:defRPr>
-                <a:solidFill>
-                  <a:schemeClr val="tx1"/>
-                </a:solidFill>
-                <a:latin typeface="Arial" charset="0"/>
-                <a:ea typeface="Arial" charset="0"/>
-                <a:cs typeface="Arial" charset="0"/>
-              </a:defRPr>
-            </a:lvl9pPr>
-          </a:lstStyle>
-          <a:p>
-            <a:pPr eaLnBrk="1" hangingPunct="1"/>
-            <a:fld id="{07AC3053-F748-614F-BFA2-CC88E37F13FD}" type="slidenum">
-              <a:rPr lang="en-US">
-                <a:latin typeface="Garamond" charset="0"/>
-              </a:rPr>
-              <a:pPr eaLnBrk="1" hangingPunct="1"/>
-              <a:t>29</a:t>
-            </a:fld>
-            <a:endParaRPr lang="en-US">
-              <a:latin typeface="Garamond" charset="0"/>
-            </a:endParaRPr>
-          </a:p>
-        </p:txBody>
-      </p:sp>
-    </p:spTree>
-  </p:cSld>
-  <p:clrMapOvr>
-    <a:masterClrMapping/>
-  </p:clrMapOvr>
-  <p:transition xmlns:p14="http://schemas.microsoft.com/office/powerpoint/2010/main">
-    <p:cut/>
-  </p:transition>
   <p:timing>
     <p:tnLst>
       <p:par>
@@ -23170,7 +16919,7 @@
                 <a:latin typeface="Garamond" charset="0"/>
               </a:rPr>
               <a:pPr eaLnBrk="1" hangingPunct="1"/>
-              <a:t>9/9/15</a:t>
+              <a:t>9/13/15</a:t>
             </a:fld>
             <a:endParaRPr lang="en-US">
               <a:latin typeface="Garamond" charset="0"/>
@@ -23354,464 +17103,6 @@
         <p14:creationId xmlns:p14="http://schemas.microsoft.com/office/powerpoint/2010/main" val="1993208074"/>
       </p:ext>
     </p:extLst>
-  </p:cSld>
-  <p:clrMapOvr>
-    <a:masterClrMapping/>
-  </p:clrMapOvr>
-  <p:timing>
-    <p:tnLst>
-      <p:par>
-        <p:cTn xmlns:p14="http://schemas.microsoft.com/office/powerpoint/2010/main" id="1" dur="indefinite" restart="never" nodeType="tmRoot"/>
-      </p:par>
-    </p:tnLst>
-  </p:timing>
-</p:sld>
-</file>
-
-<file path=ppt/slides/slide30.xml><?xml version="1.0" encoding="utf-8"?>
-<p:sld xmlns:a="http://schemas.openxmlformats.org/drawingml/2006/main" xmlns:r="http://schemas.openxmlformats.org/officeDocument/2006/relationships" xmlns:p="http://schemas.openxmlformats.org/presentationml/2006/main">
-  <p:cSld>
-    <p:spTree>
-      <p:nvGrpSpPr>
-        <p:cNvPr id="1" name=""/>
-        <p:cNvGrpSpPr/>
-        <p:nvPr/>
-      </p:nvGrpSpPr>
-      <p:grpSpPr>
-        <a:xfrm>
-          <a:off x="0" y="0"/>
-          <a:ext cx="0" cy="0"/>
-          <a:chOff x="0" y="0"/>
-          <a:chExt cx="0" cy="0"/>
-        </a:xfrm>
-      </p:grpSpPr>
-      <p:sp>
-        <p:nvSpPr>
-          <p:cNvPr id="19458" name="Title 1"/>
-          <p:cNvSpPr>
-            <a:spLocks noGrp="1"/>
-          </p:cNvSpPr>
-          <p:nvPr>
-            <p:ph type="title"/>
-          </p:nvPr>
-        </p:nvSpPr>
-        <p:spPr/>
-        <p:txBody>
-          <a:bodyPr/>
-          <a:lstStyle/>
-          <a:p>
-            <a:r>
-              <a:rPr lang="en-US">
-                <a:latin typeface="Garamond" charset="0"/>
-              </a:rPr>
-              <a:t>Final notes</a:t>
-            </a:r>
-          </a:p>
-        </p:txBody>
-      </p:sp>
-      <p:sp>
-        <p:nvSpPr>
-          <p:cNvPr id="19459" name="Content Placeholder 2"/>
-          <p:cNvSpPr>
-            <a:spLocks noGrp="1"/>
-          </p:cNvSpPr>
-          <p:nvPr>
-            <p:ph idx="1"/>
-          </p:nvPr>
-        </p:nvSpPr>
-        <p:spPr/>
-        <p:txBody>
-          <a:bodyPr/>
-          <a:lstStyle/>
-          <a:p>
-            <a:r>
-              <a:rPr lang="en-US" dirty="0">
-                <a:latin typeface="Arial" charset="0"/>
-              </a:rPr>
-              <a:t>Next time:</a:t>
-            </a:r>
-          </a:p>
-          <a:p>
-            <a:pPr lvl="1"/>
-            <a:r>
-              <a:rPr lang="en-US" dirty="0">
-                <a:latin typeface="Arial" charset="0"/>
-              </a:rPr>
-              <a:t>Finish data transfer instructions</a:t>
-            </a:r>
-          </a:p>
-          <a:p>
-            <a:pPr lvl="1"/>
-            <a:r>
-              <a:rPr lang="en-US" dirty="0">
-                <a:latin typeface="Arial" charset="0"/>
-              </a:rPr>
-              <a:t>Arithmetic instructions</a:t>
-            </a:r>
-          </a:p>
-          <a:p>
-            <a:r>
-              <a:rPr lang="en-US" dirty="0">
-                <a:latin typeface="Arial" charset="0"/>
-              </a:rPr>
-              <a:t>Reminders:</a:t>
-            </a:r>
-          </a:p>
-          <a:p>
-            <a:pPr lvl="1"/>
-            <a:r>
-              <a:rPr lang="en-US" dirty="0">
-                <a:latin typeface="Arial" charset="0"/>
-              </a:rPr>
-              <a:t>Sign up for the course discussion group on Piazza</a:t>
-            </a:r>
-          </a:p>
-          <a:p>
-            <a:pPr lvl="1"/>
-            <a:r>
-              <a:rPr lang="en-US" dirty="0">
-                <a:latin typeface="Arial" charset="0"/>
-              </a:rPr>
-              <a:t>HW 1 to be posted; </a:t>
-            </a:r>
-            <a:r>
-              <a:rPr lang="en-US">
-                <a:latin typeface="Arial" charset="0"/>
-              </a:rPr>
-              <a:t>due </a:t>
-            </a:r>
-            <a:r>
-              <a:rPr lang="en-US" smtClean="0">
-                <a:latin typeface="Arial" charset="0"/>
-              </a:rPr>
-              <a:t>9/18</a:t>
-            </a:r>
-            <a:endParaRPr lang="en-US" dirty="0">
-              <a:latin typeface="Arial" charset="0"/>
-            </a:endParaRPr>
-          </a:p>
-          <a:p>
-            <a:pPr lvl="1"/>
-            <a:endParaRPr lang="en-US" dirty="0">
-              <a:latin typeface="Arial" charset="0"/>
-            </a:endParaRPr>
-          </a:p>
-        </p:txBody>
-      </p:sp>
-      <p:sp>
-        <p:nvSpPr>
-          <p:cNvPr id="4" name="Date Placeholder 3"/>
-          <p:cNvSpPr>
-            <a:spLocks noGrp="1"/>
-          </p:cNvSpPr>
-          <p:nvPr>
-            <p:ph type="dt" sz="quarter" idx="10"/>
-          </p:nvPr>
-        </p:nvSpPr>
-        <p:spPr/>
-        <p:txBody>
-          <a:bodyPr/>
-          <a:lstStyle>
-            <a:lvl1pPr eaLnBrk="0" hangingPunct="0">
-              <a:defRPr>
-                <a:solidFill>
-                  <a:schemeClr val="tx1"/>
-                </a:solidFill>
-                <a:latin typeface="Arial" charset="0"/>
-                <a:ea typeface="ＭＳ Ｐゴシック" charset="0"/>
-                <a:cs typeface="Arial" charset="0"/>
-              </a:defRPr>
-            </a:lvl1pPr>
-            <a:lvl2pPr marL="742950" indent="-285750" eaLnBrk="0" hangingPunct="0">
-              <a:defRPr>
-                <a:solidFill>
-                  <a:schemeClr val="tx1"/>
-                </a:solidFill>
-                <a:latin typeface="Arial" charset="0"/>
-                <a:ea typeface="Arial" charset="0"/>
-                <a:cs typeface="Arial" charset="0"/>
-              </a:defRPr>
-            </a:lvl2pPr>
-            <a:lvl3pPr marL="1143000" indent="-228600" eaLnBrk="0" hangingPunct="0">
-              <a:defRPr>
-                <a:solidFill>
-                  <a:schemeClr val="tx1"/>
-                </a:solidFill>
-                <a:latin typeface="Arial" charset="0"/>
-                <a:ea typeface="Arial" charset="0"/>
-                <a:cs typeface="Arial" charset="0"/>
-              </a:defRPr>
-            </a:lvl3pPr>
-            <a:lvl4pPr marL="1600200" indent="-228600" eaLnBrk="0" hangingPunct="0">
-              <a:defRPr>
-                <a:solidFill>
-                  <a:schemeClr val="tx1"/>
-                </a:solidFill>
-                <a:latin typeface="Arial" charset="0"/>
-                <a:ea typeface="Arial" charset="0"/>
-                <a:cs typeface="Arial" charset="0"/>
-              </a:defRPr>
-            </a:lvl4pPr>
-            <a:lvl5pPr marL="2057400" indent="-228600" eaLnBrk="0" hangingPunct="0">
-              <a:defRPr>
-                <a:solidFill>
-                  <a:schemeClr val="tx1"/>
-                </a:solidFill>
-                <a:latin typeface="Arial" charset="0"/>
-                <a:ea typeface="Arial" charset="0"/>
-                <a:cs typeface="Arial" charset="0"/>
-              </a:defRPr>
-            </a:lvl5pPr>
-            <a:lvl6pPr marL="2514600" indent="-228600" eaLnBrk="0" fontAlgn="base" hangingPunct="0">
-              <a:spcBef>
-                <a:spcPct val="0"/>
-              </a:spcBef>
-              <a:spcAft>
-                <a:spcPct val="0"/>
-              </a:spcAft>
-              <a:defRPr>
-                <a:solidFill>
-                  <a:schemeClr val="tx1"/>
-                </a:solidFill>
-                <a:latin typeface="Arial" charset="0"/>
-                <a:ea typeface="Arial" charset="0"/>
-                <a:cs typeface="Arial" charset="0"/>
-              </a:defRPr>
-            </a:lvl6pPr>
-            <a:lvl7pPr marL="2971800" indent="-228600" eaLnBrk="0" fontAlgn="base" hangingPunct="0">
-              <a:spcBef>
-                <a:spcPct val="0"/>
-              </a:spcBef>
-              <a:spcAft>
-                <a:spcPct val="0"/>
-              </a:spcAft>
-              <a:defRPr>
-                <a:solidFill>
-                  <a:schemeClr val="tx1"/>
-                </a:solidFill>
-                <a:latin typeface="Arial" charset="0"/>
-                <a:ea typeface="Arial" charset="0"/>
-                <a:cs typeface="Arial" charset="0"/>
-              </a:defRPr>
-            </a:lvl7pPr>
-            <a:lvl8pPr marL="3429000" indent="-228600" eaLnBrk="0" fontAlgn="base" hangingPunct="0">
-              <a:spcBef>
-                <a:spcPct val="0"/>
-              </a:spcBef>
-              <a:spcAft>
-                <a:spcPct val="0"/>
-              </a:spcAft>
-              <a:defRPr>
-                <a:solidFill>
-                  <a:schemeClr val="tx1"/>
-                </a:solidFill>
-                <a:latin typeface="Arial" charset="0"/>
-                <a:ea typeface="Arial" charset="0"/>
-                <a:cs typeface="Arial" charset="0"/>
-              </a:defRPr>
-            </a:lvl8pPr>
-            <a:lvl9pPr marL="3886200" indent="-228600" eaLnBrk="0" fontAlgn="base" hangingPunct="0">
-              <a:spcBef>
-                <a:spcPct val="0"/>
-              </a:spcBef>
-              <a:spcAft>
-                <a:spcPct val="0"/>
-              </a:spcAft>
-              <a:defRPr>
-                <a:solidFill>
-                  <a:schemeClr val="tx1"/>
-                </a:solidFill>
-                <a:latin typeface="Arial" charset="0"/>
-                <a:ea typeface="Arial" charset="0"/>
-                <a:cs typeface="Arial" charset="0"/>
-              </a:defRPr>
-            </a:lvl9pPr>
-          </a:lstStyle>
-          <a:p>
-            <a:pPr eaLnBrk="1" hangingPunct="1"/>
-            <a:fld id="{FC7C85E8-0885-5B47-BA49-51A242E24168}" type="datetime1">
-              <a:rPr lang="en-US">
-                <a:latin typeface="Garamond" charset="0"/>
-              </a:rPr>
-              <a:pPr eaLnBrk="1" hangingPunct="1"/>
-              <a:t>9/9/15</a:t>
-            </a:fld>
-            <a:endParaRPr lang="en-US">
-              <a:latin typeface="Garamond" charset="0"/>
-            </a:endParaRPr>
-          </a:p>
-        </p:txBody>
-      </p:sp>
-      <p:sp>
-        <p:nvSpPr>
-          <p:cNvPr id="5" name="Footer Placeholder 4"/>
-          <p:cNvSpPr>
-            <a:spLocks noGrp="1"/>
-          </p:cNvSpPr>
-          <p:nvPr>
-            <p:ph type="ftr" sz="quarter" idx="11"/>
-          </p:nvPr>
-        </p:nvSpPr>
-        <p:spPr/>
-        <p:txBody>
-          <a:bodyPr/>
-          <a:lstStyle/>
-          <a:p>
-            <a:pPr>
-              <a:defRPr/>
-            </a:pPr>
-            <a:r>
-              <a:rPr lang="en-US" altLang="en-US"/>
-              <a:t>Microprocessors I:  Lecture 4</a:t>
-            </a:r>
-          </a:p>
-        </p:txBody>
-      </p:sp>
-      <p:sp>
-        <p:nvSpPr>
-          <p:cNvPr id="6" name="Slide Number Placeholder 5"/>
-          <p:cNvSpPr>
-            <a:spLocks noGrp="1"/>
-          </p:cNvSpPr>
-          <p:nvPr>
-            <p:ph type="sldNum" sz="quarter" idx="12"/>
-          </p:nvPr>
-        </p:nvSpPr>
-        <p:spPr/>
-        <p:txBody>
-          <a:bodyPr/>
-          <a:lstStyle>
-            <a:lvl1pPr eaLnBrk="0" hangingPunct="0">
-              <a:defRPr>
-                <a:solidFill>
-                  <a:schemeClr val="tx1"/>
-                </a:solidFill>
-                <a:latin typeface="Arial" charset="0"/>
-                <a:ea typeface="ＭＳ Ｐゴシック" charset="0"/>
-                <a:cs typeface="Arial" charset="0"/>
-              </a:defRPr>
-            </a:lvl1pPr>
-            <a:lvl2pPr marL="742950" indent="-285750" eaLnBrk="0" hangingPunct="0">
-              <a:defRPr>
-                <a:solidFill>
-                  <a:schemeClr val="tx1"/>
-                </a:solidFill>
-                <a:latin typeface="Arial" charset="0"/>
-                <a:ea typeface="Arial" charset="0"/>
-                <a:cs typeface="Arial" charset="0"/>
-              </a:defRPr>
-            </a:lvl2pPr>
-            <a:lvl3pPr marL="1143000" indent="-228600" eaLnBrk="0" hangingPunct="0">
-              <a:defRPr>
-                <a:solidFill>
-                  <a:schemeClr val="tx1"/>
-                </a:solidFill>
-                <a:latin typeface="Arial" charset="0"/>
-                <a:ea typeface="Arial" charset="0"/>
-                <a:cs typeface="Arial" charset="0"/>
-              </a:defRPr>
-            </a:lvl3pPr>
-            <a:lvl4pPr marL="1600200" indent="-228600" eaLnBrk="0" hangingPunct="0">
-              <a:defRPr>
-                <a:solidFill>
-                  <a:schemeClr val="tx1"/>
-                </a:solidFill>
-                <a:latin typeface="Arial" charset="0"/>
-                <a:ea typeface="Arial" charset="0"/>
-                <a:cs typeface="Arial" charset="0"/>
-              </a:defRPr>
-            </a:lvl4pPr>
-            <a:lvl5pPr marL="2057400" indent="-228600" eaLnBrk="0" hangingPunct="0">
-              <a:defRPr>
-                <a:solidFill>
-                  <a:schemeClr val="tx1"/>
-                </a:solidFill>
-                <a:latin typeface="Arial" charset="0"/>
-                <a:ea typeface="Arial" charset="0"/>
-                <a:cs typeface="Arial" charset="0"/>
-              </a:defRPr>
-            </a:lvl5pPr>
-            <a:lvl6pPr marL="2514600" indent="-228600" eaLnBrk="0" fontAlgn="base" hangingPunct="0">
-              <a:spcBef>
-                <a:spcPct val="0"/>
-              </a:spcBef>
-              <a:spcAft>
-                <a:spcPct val="0"/>
-              </a:spcAft>
-              <a:defRPr>
-                <a:solidFill>
-                  <a:schemeClr val="tx1"/>
-                </a:solidFill>
-                <a:latin typeface="Arial" charset="0"/>
-                <a:ea typeface="Arial" charset="0"/>
-                <a:cs typeface="Arial" charset="0"/>
-              </a:defRPr>
-            </a:lvl6pPr>
-            <a:lvl7pPr marL="2971800" indent="-228600" eaLnBrk="0" fontAlgn="base" hangingPunct="0">
-              <a:spcBef>
-                <a:spcPct val="0"/>
-              </a:spcBef>
-              <a:spcAft>
-                <a:spcPct val="0"/>
-              </a:spcAft>
-              <a:defRPr>
-                <a:solidFill>
-                  <a:schemeClr val="tx1"/>
-                </a:solidFill>
-                <a:latin typeface="Arial" charset="0"/>
-                <a:ea typeface="Arial" charset="0"/>
-                <a:cs typeface="Arial" charset="0"/>
-              </a:defRPr>
-            </a:lvl7pPr>
-            <a:lvl8pPr marL="3429000" indent="-228600" eaLnBrk="0" fontAlgn="base" hangingPunct="0">
-              <a:spcBef>
-                <a:spcPct val="0"/>
-              </a:spcBef>
-              <a:spcAft>
-                <a:spcPct val="0"/>
-              </a:spcAft>
-              <a:defRPr>
-                <a:solidFill>
-                  <a:schemeClr val="tx1"/>
-                </a:solidFill>
-                <a:latin typeface="Arial" charset="0"/>
-                <a:ea typeface="Arial" charset="0"/>
-                <a:cs typeface="Arial" charset="0"/>
-              </a:defRPr>
-            </a:lvl8pPr>
-            <a:lvl9pPr marL="3886200" indent="-228600" eaLnBrk="0" fontAlgn="base" hangingPunct="0">
-              <a:spcBef>
-                <a:spcPct val="0"/>
-              </a:spcBef>
-              <a:spcAft>
-                <a:spcPct val="0"/>
-              </a:spcAft>
-              <a:defRPr>
-                <a:solidFill>
-                  <a:schemeClr val="tx1"/>
-                </a:solidFill>
-                <a:latin typeface="Arial" charset="0"/>
-                <a:ea typeface="Arial" charset="0"/>
-                <a:cs typeface="Arial" charset="0"/>
-              </a:defRPr>
-            </a:lvl9pPr>
-          </a:lstStyle>
-          <a:p>
-            <a:pPr eaLnBrk="1" hangingPunct="1"/>
-            <a:fld id="{7318A6F9-97BD-0640-AE56-DA2FF8060FFA}" type="slidenum">
-              <a:rPr lang="en-US">
-                <a:latin typeface="Garamond" charset="0"/>
-              </a:rPr>
-              <a:pPr eaLnBrk="1" hangingPunct="1"/>
-              <a:t>30</a:t>
-            </a:fld>
-            <a:endParaRPr lang="en-US">
-              <a:latin typeface="Garamond" charset="0"/>
-            </a:endParaRPr>
-          </a:p>
-        </p:txBody>
-      </p:sp>
-    </p:spTree>
   </p:cSld>
   <p:clrMapOvr>
     <a:masterClrMapping/>
@@ -24142,7 +17433,7 @@
                 <a:latin typeface="Garamond" charset="0"/>
               </a:rPr>
               <a:pPr eaLnBrk="1" hangingPunct="1"/>
-              <a:t>9/9/15</a:t>
+              <a:t>9/13/15</a:t>
             </a:fld>
             <a:endParaRPr lang="en-US">
               <a:latin typeface="Garamond" charset="0"/>
@@ -24647,7 +17938,7 @@
                 <a:latin typeface="Garamond" charset="0"/>
               </a:rPr>
               <a:pPr eaLnBrk="1" hangingPunct="1"/>
-              <a:t>9/9/15</a:t>
+              <a:t>9/13/15</a:t>
             </a:fld>
             <a:endParaRPr lang="en-US">
               <a:latin typeface="Garamond" charset="0"/>
@@ -25170,7 +18461,7 @@
                 <a:latin typeface="Garamond" charset="0"/>
               </a:rPr>
               <a:pPr eaLnBrk="1" hangingPunct="1"/>
-              <a:t>9/9/15</a:t>
+              <a:t>9/13/15</a:t>
             </a:fld>
             <a:endParaRPr lang="en-US">
               <a:latin typeface="Garamond" charset="0"/>
@@ -25645,7 +18936,7 @@
                 <a:latin typeface="Garamond" charset="0"/>
               </a:rPr>
               <a:pPr eaLnBrk="1" hangingPunct="1"/>
-              <a:t>9/9/15</a:t>
+              <a:t>9/13/15</a:t>
             </a:fld>
             <a:endParaRPr lang="en-US">
               <a:latin typeface="Garamond" charset="0"/>
@@ -26135,7 +19426,7 @@
                 <a:latin typeface="Garamond" charset="0"/>
               </a:rPr>
               <a:pPr eaLnBrk="1" hangingPunct="1"/>
-              <a:t>9/9/15</a:t>
+              <a:t>9/13/15</a:t>
             </a:fld>
             <a:endParaRPr lang="en-US">
               <a:latin typeface="Garamond" charset="0"/>
@@ -26661,7 +19952,7 @@
                 <a:latin typeface="Garamond" charset="0"/>
               </a:rPr>
               <a:pPr eaLnBrk="1" hangingPunct="1"/>
-              <a:t>9/9/15</a:t>
+              <a:t>9/13/15</a:t>
             </a:fld>
             <a:endParaRPr lang="en-US">
               <a:latin typeface="Garamond" charset="0"/>
